--- a/public/shakespeare_places/docs/slides/Shakespeare_s Places.pptx
+++ b/public/shakespeare_places/docs/slides/Shakespeare_s Places.pptx
@@ -9,14 +9,13 @@
     <p:sldId id="257" r:id="rId3"/>
     <p:sldId id="258" r:id="rId4"/>
     <p:sldId id="259" r:id="rId5"/>
-    <p:sldId id="260" r:id="rId6"/>
-    <p:sldId id="261" r:id="rId7"/>
-    <p:sldId id="262" r:id="rId8"/>
-    <p:sldId id="263" r:id="rId9"/>
-    <p:sldId id="264" r:id="rId10"/>
-    <p:sldId id="265" r:id="rId11"/>
-    <p:sldId id="266" r:id="rId12"/>
-    <p:sldId id="267" r:id="rId13"/>
+    <p:sldId id="261" r:id="rId6"/>
+    <p:sldId id="268" r:id="rId7"/>
+    <p:sldId id="269" r:id="rId8"/>
+    <p:sldId id="271" r:id="rId9"/>
+    <p:sldId id="272" r:id="rId10"/>
+    <p:sldId id="274" r:id="rId11"/>
+    <p:sldId id="275" r:id="rId12"/>
   </p:sldIdLst>
   <p:sldSz cx="12192000" cy="6858000"/>
   <p:notesSz cx="6858000" cy="9144000"/>
@@ -780,7 +779,7 @@
           <a:p>
             <a:fld id="{96DFF08F-DC6B-4601-B491-B0F83F6DD2DA}" type="datetimeFigureOut">
               <a:rPr lang="en-US" dirty="0"/>
-              <a:t>2/2/2025</a:t>
+              <a:t>2/3/2025</a:t>
             </a:fld>
             <a:endParaRPr lang="en-US" dirty="0"/>
           </a:p>
@@ -983,7 +982,7 @@
           <a:p>
             <a:fld id="{96DFF08F-DC6B-4601-B491-B0F83F6DD2DA}" type="datetimeFigureOut">
               <a:rPr lang="en-US" dirty="0"/>
-              <a:t>2/2/2025</a:t>
+              <a:t>2/3/2025</a:t>
             </a:fld>
             <a:endParaRPr lang="en-US" dirty="0"/>
           </a:p>
@@ -1234,7 +1233,7 @@
           <a:p>
             <a:fld id="{96DFF08F-DC6B-4601-B491-B0F83F6DD2DA}" type="datetimeFigureOut">
               <a:rPr lang="en-US" dirty="0"/>
-              <a:t>2/2/2025</a:t>
+              <a:t>2/3/2025</a:t>
             </a:fld>
             <a:endParaRPr lang="en-US" dirty="0"/>
           </a:p>
@@ -1399,7 +1398,7 @@
           <a:p>
             <a:fld id="{D62CEF3B-A037-46D0-B02C-1428F07E9383}" type="datetimeFigureOut">
               <a:rPr lang="en-US" dirty="0"/>
-              <a:t>2/2/2025</a:t>
+              <a:t>2/3/2025</a:t>
             </a:fld>
             <a:endParaRPr lang="en-US" dirty="0"/>
           </a:p>
@@ -1737,7 +1736,7 @@
           <a:p>
             <a:fld id="{96DFF08F-DC6B-4601-B491-B0F83F6DD2DA}" type="datetimeFigureOut">
               <a:rPr lang="en-US" dirty="0"/>
-              <a:t>2/2/2025</a:t>
+              <a:t>2/3/2025</a:t>
             </a:fld>
             <a:endParaRPr lang="en-US" dirty="0"/>
           </a:p>
@@ -2007,7 +2006,7 @@
           <a:p>
             <a:fld id="{96DFF08F-DC6B-4601-B491-B0F83F6DD2DA}" type="datetimeFigureOut">
               <a:rPr lang="en-US" dirty="0"/>
-              <a:t>2/2/2025</a:t>
+              <a:t>2/3/2025</a:t>
             </a:fld>
             <a:endParaRPr lang="en-US" dirty="0"/>
           </a:p>
@@ -2381,7 +2380,7 @@
           <a:p>
             <a:fld id="{96DFF08F-DC6B-4601-B491-B0F83F6DD2DA}" type="datetimeFigureOut">
               <a:rPr lang="en-US" dirty="0"/>
-              <a:t>2/2/2025</a:t>
+              <a:t>2/3/2025</a:t>
             </a:fld>
             <a:endParaRPr lang="en-US" dirty="0"/>
           </a:p>
@@ -2494,7 +2493,7 @@
           <a:p>
             <a:fld id="{96DFF08F-DC6B-4601-B491-B0F83F6DD2DA}" type="datetimeFigureOut">
               <a:rPr lang="en-US" dirty="0"/>
-              <a:t>2/2/2025</a:t>
+              <a:t>2/3/2025</a:t>
             </a:fld>
             <a:endParaRPr lang="en-US" dirty="0"/>
           </a:p>
@@ -2661,7 +2660,7 @@
             <a:fld id="{96DFF08F-DC6B-4601-B491-B0F83F6DD2DA}" type="datetimeFigureOut">
               <a:rPr lang="en-US" dirty="0"/>
               <a:pPr/>
-              <a:t>2/2/2025</a:t>
+              <a:t>2/3/2025</a:t>
             </a:fld>
             <a:endParaRPr lang="en-US" dirty="0"/>
           </a:p>
@@ -3012,7 +3011,7 @@
             <a:fld id="{96DFF08F-DC6B-4601-B491-B0F83F6DD2DA}" type="datetimeFigureOut">
               <a:rPr lang="en-US" dirty="0"/>
               <a:pPr/>
-              <a:t>2/2/2025</a:t>
+              <a:t>2/3/2025</a:t>
             </a:fld>
             <a:endParaRPr lang="en-US" dirty="0"/>
           </a:p>
@@ -3385,7 +3384,7 @@
           <a:p>
             <a:fld id="{96DFF08F-DC6B-4601-B491-B0F83F6DD2DA}" type="datetimeFigureOut">
               <a:rPr lang="en-US" dirty="0"/>
-              <a:t>2/2/2025</a:t>
+              <a:t>2/3/2025</a:t>
             </a:fld>
             <a:endParaRPr lang="en-US" dirty="0"/>
           </a:p>
@@ -3668,7 +3667,7 @@
             <a:fld id="{96DFF08F-DC6B-4601-B491-B0F83F6DD2DA}" type="datetimeFigureOut">
               <a:rPr lang="en-US" dirty="0"/>
               <a:pPr/>
-              <a:t>2/2/2025</a:t>
+              <a:t>2/3/2025</a:t>
             </a:fld>
             <a:endParaRPr lang="en-US" dirty="0"/>
           </a:p>
@@ -4193,7 +4192,7 @@
           <p:cNvPr id="2" name="Titolo 1">
             <a:extLst>
               <a:ext uri="{FF2B5EF4-FFF2-40B4-BE49-F238E27FC236}">
-                <a16:creationId xmlns:a16="http://schemas.microsoft.com/office/drawing/2014/main" xmlns="" id="{D6970DF6-BE9D-9CE4-C397-A3CD607BBD23}"/>
+                <a16:creationId xmlns:a16="http://schemas.microsoft.com/office/drawing/2014/main" id="{D6970DF6-BE9D-9CE4-C397-A3CD607BBD23}"/>
               </a:ext>
             </a:extLst>
           </p:cNvPr>
@@ -4225,7 +4224,7 @@
           <p:cNvPr id="3" name="Sottotitolo 2">
             <a:extLst>
               <a:ext uri="{FF2B5EF4-FFF2-40B4-BE49-F238E27FC236}">
-                <a16:creationId xmlns:a16="http://schemas.microsoft.com/office/drawing/2014/main" xmlns="" id="{F8800632-3785-0FC6-BA5B-D8AD5060186A}"/>
+                <a16:creationId xmlns:a16="http://schemas.microsoft.com/office/drawing/2014/main" id="{F8800632-3785-0FC6-BA5B-D8AD5060186A}"/>
               </a:ext>
             </a:extLst>
           </p:cNvPr>
@@ -4258,13 +4257,6 @@
   <p:clrMapOvr>
     <a:masterClrMapping/>
   </p:clrMapOvr>
-  <p:timing>
-    <p:tnLst>
-      <p:par>
-        <p:cTn id="1" dur="indefinite" restart="never" nodeType="tmRoot"/>
-      </p:par>
-    </p:tnLst>
-  </p:timing>
 </p:sld>
 </file>
 
@@ -4273,7 +4265,13 @@
   <p:cSld>
     <p:spTree>
       <p:nvGrpSpPr>
-        <p:cNvPr id="1" name=""/>
+        <p:cNvPr id="1" name="">
+          <a:extLst>
+            <a:ext uri="{FF2B5EF4-FFF2-40B4-BE49-F238E27FC236}">
+              <a16:creationId xmlns:a16="http://schemas.microsoft.com/office/drawing/2014/main" id="{D168F45E-EBCD-D094-044B-A3B7ECF90207}"/>
+            </a:ext>
+          </a:extLst>
+        </p:cNvPr>
         <p:cNvGrpSpPr/>
         <p:nvPr/>
       </p:nvGrpSpPr>
@@ -4287,88 +4285,106 @@
       </p:grpSpPr>
       <p:sp>
         <p:nvSpPr>
-          <p:cNvPr id="8" name="Segnaposto contenuto 7"/>
-          <p:cNvSpPr>
-            <a:spLocks noGrp="1"/>
-          </p:cNvSpPr>
-          <p:nvPr>
-            <p:ph idx="1"/>
+          <p:cNvPr id="2" name="Titolo 1">
+            <a:extLst>
+              <a:ext uri="{FF2B5EF4-FFF2-40B4-BE49-F238E27FC236}">
+                <a16:creationId xmlns:a16="http://schemas.microsoft.com/office/drawing/2014/main" id="{46334AEA-D60E-F598-8601-3EE3DB6D552D}"/>
+              </a:ext>
+            </a:extLst>
+          </p:cNvPr>
+          <p:cNvSpPr>
+            <a:spLocks noGrp="1"/>
+          </p:cNvSpPr>
+          <p:nvPr>
+            <p:ph type="title"/>
+          </p:nvPr>
+        </p:nvSpPr>
+        <p:spPr/>
+        <p:txBody>
+          <a:bodyPr/>
+          <a:lstStyle/>
+          <a:p>
+            <a:r>
+              <a:rPr lang="it-IT" dirty="0"/>
+              <a:t>Administration </a:t>
+            </a:r>
+            <a:r>
+              <a:rPr lang="it-IT" dirty="0" err="1"/>
+              <a:t>section</a:t>
+            </a:r>
+            <a:endParaRPr lang="it-IT" dirty="0"/>
+          </a:p>
+        </p:txBody>
+      </p:sp>
+      <p:sp>
+        <p:nvSpPr>
+          <p:cNvPr id="3" name="Segnaposto contenuto 2">
+            <a:extLst>
+              <a:ext uri="{FF2B5EF4-FFF2-40B4-BE49-F238E27FC236}">
+                <a16:creationId xmlns:a16="http://schemas.microsoft.com/office/drawing/2014/main" id="{6752A457-FF8D-FD37-96BA-D1EDDF4ADBDD}"/>
+              </a:ext>
+            </a:extLst>
+          </p:cNvPr>
+          <p:cNvSpPr>
+            <a:spLocks noGrp="1"/>
+          </p:cNvSpPr>
+          <p:nvPr>
+            <p:ph sz="half" idx="1"/>
           </p:nvPr>
         </p:nvSpPr>
         <p:spPr>
           <a:xfrm>
-            <a:off x="1140031" y="1107090"/>
-            <a:ext cx="10058400" cy="4023360"/>
+            <a:off x="1097280" y="1845734"/>
+            <a:ext cx="2968693" cy="4023359"/>
           </a:xfrm>
         </p:spPr>
         <p:txBody>
           <a:bodyPr/>
           <a:lstStyle/>
           <a:p>
-            <a:pPr algn="ctr"/>
-            <a:r>
-              <a:rPr lang="it-IT" dirty="0" err="1" smtClean="0"/>
-              <a:t>This</a:t>
-            </a:r>
-            <a:r>
-              <a:rPr lang="it-IT" dirty="0" smtClean="0"/>
-              <a:t> </a:t>
-            </a:r>
-            <a:r>
-              <a:rPr lang="it-IT" dirty="0" err="1" smtClean="0"/>
-              <a:t>is</a:t>
-            </a:r>
-            <a:r>
-              <a:rPr lang="it-IT" dirty="0" smtClean="0"/>
+            <a:pPr lvl="1"/>
+            <a:r>
+              <a:rPr lang="it-IT" dirty="0"/>
+              <a:t>Private </a:t>
+            </a:r>
+            <a:r>
+              <a:rPr lang="it-IT" dirty="0" err="1"/>
+              <a:t>section</a:t>
+            </a:r>
+            <a:r>
+              <a:rPr lang="it-IT" dirty="0"/>
+              <a:t> (has a login page)</a:t>
+            </a:r>
+          </a:p>
+          <a:p>
+            <a:pPr lvl="1"/>
+            <a:r>
+              <a:rPr lang="it-IT" dirty="0" err="1"/>
+              <a:t>Allows</a:t>
+            </a:r>
+            <a:r>
+              <a:rPr lang="it-IT" dirty="0"/>
               <a:t> the </a:t>
             </a:r>
             <a:r>
-              <a:rPr lang="it-IT" dirty="0" err="1" smtClean="0"/>
-              <a:t>article</a:t>
-            </a:r>
-            <a:r>
-              <a:rPr lang="it-IT" dirty="0" smtClean="0"/>
-              <a:t> page, </a:t>
-            </a:r>
-            <a:r>
-              <a:rPr lang="it-IT" dirty="0" err="1" smtClean="0"/>
-              <a:t>here</a:t>
-            </a:r>
-            <a:r>
-              <a:rPr lang="it-IT" dirty="0" smtClean="0"/>
-              <a:t> </a:t>
-            </a:r>
-            <a:r>
-              <a:rPr lang="it-IT" dirty="0" err="1" smtClean="0"/>
-              <a:t>we</a:t>
-            </a:r>
-            <a:r>
-              <a:rPr lang="it-IT" dirty="0" smtClean="0"/>
-              <a:t> can </a:t>
-            </a:r>
-            <a:r>
-              <a:rPr lang="it-IT" dirty="0" err="1" smtClean="0"/>
-              <a:t>observe</a:t>
-            </a:r>
-            <a:r>
-              <a:rPr lang="it-IT" dirty="0" smtClean="0"/>
-              <a:t> the </a:t>
-            </a:r>
-            <a:r>
-              <a:rPr lang="it-IT" dirty="0" err="1" smtClean="0"/>
-              <a:t>content</a:t>
-            </a:r>
-            <a:r>
-              <a:rPr lang="it-IT" dirty="0" smtClean="0"/>
-              <a:t> and </a:t>
-            </a:r>
-            <a:r>
-              <a:rPr lang="it-IT" dirty="0" err="1" smtClean="0"/>
-              <a:t>informations</a:t>
-            </a:r>
-            <a:r>
-              <a:rPr lang="it-IT" dirty="0" smtClean="0"/>
-              <a:t>.</a:t>
+              <a:rPr lang="it-IT" dirty="0" err="1"/>
+              <a:t>creation</a:t>
+            </a:r>
+            <a:r>
+              <a:rPr lang="it-IT" dirty="0"/>
+              <a:t>, update and </a:t>
+            </a:r>
+            <a:r>
+              <a:rPr lang="it-IT" dirty="0" err="1"/>
+              <a:t>removal</a:t>
+            </a:r>
+            <a:r>
+              <a:rPr lang="it-IT" dirty="0"/>
+              <a:t> of </a:t>
+            </a:r>
+            <a:r>
+              <a:rPr lang="it-IT" dirty="0" err="1"/>
+              <a:t>articles</a:t>
             </a:r>
             <a:endParaRPr lang="it-IT" dirty="0"/>
           </a:p>
@@ -4376,28 +4392,29 @@
       </p:sp>
       <p:pic>
         <p:nvPicPr>
-          <p:cNvPr id="3" name="Immagine 2"/>
+          <p:cNvPr id="6" name="Segnaposto contenuto 5">
+            <a:extLst>
+              <a:ext uri="{FF2B5EF4-FFF2-40B4-BE49-F238E27FC236}">
+                <a16:creationId xmlns:a16="http://schemas.microsoft.com/office/drawing/2014/main" id="{7C955F5A-8A9E-464B-8E6B-43C3C38393A9}"/>
+              </a:ext>
+            </a:extLst>
+          </p:cNvPr>
           <p:cNvPicPr>
-            <a:picLocks noChangeAspect="1"/>
+            <a:picLocks noGrp="1" noChangeAspect="1"/>
           </p:cNvPicPr>
-          <p:nvPr/>
+          <p:nvPr>
+            <p:ph sz="half" idx="2"/>
+          </p:nvPr>
         </p:nvPicPr>
         <p:blipFill>
-          <a:blip r:embed="rId2">
-            <a:extLst>
-              <a:ext uri="{28A0092B-C50C-407E-A947-70E740481C1C}">
-                <a14:useLocalDpi xmlns:a14="http://schemas.microsoft.com/office/drawing/2010/main" val="0"/>
-              </a:ext>
-            </a:extLst>
-          </a:blip>
-          <a:stretch>
-            <a:fillRect/>
-          </a:stretch>
+          <a:blip r:embed="rId2"/>
+          <a:srcRect/>
+          <a:stretch/>
         </p:blipFill>
         <p:spPr>
           <a:xfrm>
-            <a:off x="2089282" y="2062888"/>
-            <a:ext cx="7947234" cy="3677512"/>
+            <a:off x="4411289" y="1845734"/>
+            <a:ext cx="6744391" cy="3173416"/>
           </a:xfrm>
           <a:prstGeom prst="rect">
             <a:avLst/>
@@ -4407,20 +4424,13 @@
     </p:spTree>
     <p:extLst>
       <p:ext uri="{BB962C8B-B14F-4D97-AF65-F5344CB8AC3E}">
-        <p14:creationId xmlns:p14="http://schemas.microsoft.com/office/powerpoint/2010/main" val="402140000"/>
+        <p14:creationId xmlns:p14="http://schemas.microsoft.com/office/powerpoint/2010/main" val="1759682723"/>
       </p:ext>
     </p:extLst>
   </p:cSld>
   <p:clrMapOvr>
     <a:masterClrMapping/>
   </p:clrMapOvr>
-  <p:timing>
-    <p:tnLst>
-      <p:par>
-        <p:cTn id="1" dur="indefinite" restart="never" nodeType="tmRoot"/>
-      </p:par>
-    </p:tnLst>
-  </p:timing>
 </p:sld>
 </file>
 
@@ -4444,173 +4454,23 @@
       <p:sp>
         <p:nvSpPr>
           <p:cNvPr id="3" name="Segnaposto contenuto 2"/>
-          <p:cNvSpPr>
-            <a:spLocks noGrp="1"/>
-          </p:cNvSpPr>
-          <p:nvPr>
-            <p:ph idx="1"/>
-          </p:nvPr>
+          <p:cNvSpPr txBox="1">
+            <a:spLocks/>
+          </p:cNvSpPr>
+          <p:nvPr/>
         </p:nvSpPr>
         <p:spPr>
           <a:xfrm>
-            <a:off x="5197012" y="5395989"/>
+            <a:off x="5816137" y="4319664"/>
             <a:ext cx="731520" cy="348826"/>
-          </a:xfrm>
-        </p:spPr>
-        <p:txBody>
-          <a:bodyPr>
-            <a:normAutofit lnSpcReduction="10000"/>
-          </a:bodyPr>
-          <a:lstStyle/>
-          <a:p>
-            <a:r>
-              <a:rPr lang="it-IT" dirty="0" smtClean="0"/>
-              <a:t>EDIT</a:t>
-            </a:r>
-            <a:endParaRPr lang="it-IT" dirty="0"/>
-          </a:p>
-        </p:txBody>
-      </p:sp>
-      <p:sp>
-        <p:nvSpPr>
-          <p:cNvPr id="8" name="Freccia in giù 7"/>
-          <p:cNvSpPr/>
-          <p:nvPr/>
-        </p:nvSpPr>
-        <p:spPr>
-          <a:xfrm>
-            <a:off x="2572309" y="3859818"/>
-            <a:ext cx="279307" cy="489204"/>
-          </a:xfrm>
-          <a:prstGeom prst="downArrow">
-            <a:avLst/>
-          </a:prstGeom>
-        </p:spPr>
-        <p:style>
-          <a:lnRef idx="2">
-            <a:schemeClr val="accent1">
-              <a:shade val="50000"/>
-            </a:schemeClr>
-          </a:lnRef>
-          <a:fillRef idx="1">
-            <a:schemeClr val="accent1"/>
-          </a:fillRef>
-          <a:effectRef idx="0">
-            <a:schemeClr val="accent1"/>
-          </a:effectRef>
-          <a:fontRef idx="minor">
-            <a:schemeClr val="lt1"/>
-          </a:fontRef>
-        </p:style>
-        <p:txBody>
-          <a:bodyPr rtlCol="0" anchor="ctr"/>
-          <a:lstStyle/>
-          <a:p>
-            <a:pPr algn="ctr"/>
-            <a:endParaRPr lang="it-IT"/>
-          </a:p>
-        </p:txBody>
-      </p:sp>
-      <p:sp>
-        <p:nvSpPr>
-          <p:cNvPr id="9" name="Freccia a destra 8"/>
-          <p:cNvSpPr/>
-          <p:nvPr/>
-        </p:nvSpPr>
-        <p:spPr>
-          <a:xfrm rot="19515314">
-            <a:off x="4819105" y="3616715"/>
-            <a:ext cx="1360364" cy="239640"/>
-          </a:xfrm>
-          <a:prstGeom prst="rightArrow">
-            <a:avLst/>
-          </a:prstGeom>
-        </p:spPr>
-        <p:style>
-          <a:lnRef idx="2">
-            <a:schemeClr val="accent1">
-              <a:shade val="50000"/>
-            </a:schemeClr>
-          </a:lnRef>
-          <a:fillRef idx="1">
-            <a:schemeClr val="accent1"/>
-          </a:fillRef>
-          <a:effectRef idx="0">
-            <a:schemeClr val="accent1"/>
-          </a:effectRef>
-          <a:fontRef idx="minor">
-            <a:schemeClr val="lt1"/>
-          </a:fontRef>
-        </p:style>
-        <p:txBody>
-          <a:bodyPr rtlCol="0" anchor="ctr"/>
-          <a:lstStyle/>
-          <a:p>
-            <a:pPr algn="ctr"/>
-            <a:endParaRPr lang="it-IT"/>
-          </a:p>
-        </p:txBody>
-      </p:sp>
-      <p:sp>
-        <p:nvSpPr>
-          <p:cNvPr id="10" name="Freccia a destra 9"/>
-          <p:cNvSpPr/>
-          <p:nvPr/>
-        </p:nvSpPr>
-        <p:spPr>
-          <a:xfrm>
-            <a:off x="4979324" y="5013152"/>
-            <a:ext cx="1166896" cy="323128"/>
-          </a:xfrm>
-          <a:prstGeom prst="rightArrow">
-            <a:avLst/>
-          </a:prstGeom>
-        </p:spPr>
-        <p:style>
-          <a:lnRef idx="2">
-            <a:schemeClr val="accent1">
-              <a:shade val="50000"/>
-            </a:schemeClr>
-          </a:lnRef>
-          <a:fillRef idx="1">
-            <a:schemeClr val="accent1"/>
-          </a:fillRef>
-          <a:effectRef idx="0">
-            <a:schemeClr val="accent1"/>
-          </a:effectRef>
-          <a:fontRef idx="minor">
-            <a:schemeClr val="lt1"/>
-          </a:fontRef>
-        </p:style>
-        <p:txBody>
-          <a:bodyPr rtlCol="0" anchor="ctr"/>
-          <a:lstStyle/>
-          <a:p>
-            <a:pPr algn="ctr"/>
-            <a:endParaRPr lang="it-IT"/>
-          </a:p>
-        </p:txBody>
-      </p:sp>
-      <p:sp>
-        <p:nvSpPr>
-          <p:cNvPr id="11" name="Segnaposto contenuto 2"/>
-          <p:cNvSpPr txBox="1">
-            <a:spLocks/>
-          </p:cNvSpPr>
-          <p:nvPr/>
-        </p:nvSpPr>
-        <p:spPr>
-          <a:xfrm>
-            <a:off x="1249680" y="867604"/>
-            <a:ext cx="10058400" cy="4023360"/>
           </a:xfrm>
           <a:prstGeom prst="rect">
             <a:avLst/>
           </a:prstGeom>
         </p:spPr>
         <p:txBody>
-          <a:bodyPr vert="horz" lIns="0" tIns="45720" rIns="0" bIns="45720" rtlCol="0">
-            <a:normAutofit/>
+          <a:bodyPr>
+            <a:normAutofit fontScale="92500" lnSpcReduction="10000"/>
           </a:bodyPr>
           <a:lstStyle>
             <a:lvl1pPr marL="91440" indent="-91440" algn="l" defTabSz="914400" rtl="0" eaLnBrk="1" latinLnBrk="0" hangingPunct="1">
@@ -4860,10 +4720,130 @@
           </a:lstStyle>
           <a:p>
             <a:r>
-              <a:rPr lang="it-IT" smtClean="0"/>
-              <a:t>Finally, from the top right admin button, we can access the login page were we can see what is going on behind the scenes, here we will be able to modify, delete or create new articles.</a:t>
+              <a:rPr lang="it-IT"/>
+              <a:t>EDIT</a:t>
             </a:r>
             <a:endParaRPr lang="it-IT" dirty="0"/>
+          </a:p>
+        </p:txBody>
+      </p:sp>
+      <p:sp>
+        <p:nvSpPr>
+          <p:cNvPr id="8" name="Freccia in giù 7"/>
+          <p:cNvSpPr/>
+          <p:nvPr/>
+        </p:nvSpPr>
+        <p:spPr>
+          <a:xfrm>
+            <a:off x="3191434" y="2783493"/>
+            <a:ext cx="279307" cy="489204"/>
+          </a:xfrm>
+          <a:prstGeom prst="downArrow">
+            <a:avLst/>
+          </a:prstGeom>
+        </p:spPr>
+        <p:style>
+          <a:lnRef idx="2">
+            <a:schemeClr val="accent1">
+              <a:shade val="50000"/>
+            </a:schemeClr>
+          </a:lnRef>
+          <a:fillRef idx="1">
+            <a:schemeClr val="accent1"/>
+          </a:fillRef>
+          <a:effectRef idx="0">
+            <a:schemeClr val="accent1"/>
+          </a:effectRef>
+          <a:fontRef idx="minor">
+            <a:schemeClr val="lt1"/>
+          </a:fontRef>
+        </p:style>
+        <p:txBody>
+          <a:bodyPr rtlCol="0" anchor="ctr"/>
+          <a:lstStyle/>
+          <a:p>
+            <a:pPr algn="ctr"/>
+            <a:endParaRPr lang="it-IT"/>
+          </a:p>
+        </p:txBody>
+      </p:sp>
+      <p:sp>
+        <p:nvSpPr>
+          <p:cNvPr id="9" name="Freccia a destra 8"/>
+          <p:cNvSpPr/>
+          <p:nvPr/>
+        </p:nvSpPr>
+        <p:spPr>
+          <a:xfrm rot="19515314">
+            <a:off x="5438230" y="2540390"/>
+            <a:ext cx="1360364" cy="239640"/>
+          </a:xfrm>
+          <a:prstGeom prst="rightArrow">
+            <a:avLst/>
+          </a:prstGeom>
+        </p:spPr>
+        <p:style>
+          <a:lnRef idx="2">
+            <a:schemeClr val="accent1">
+              <a:shade val="50000"/>
+            </a:schemeClr>
+          </a:lnRef>
+          <a:fillRef idx="1">
+            <a:schemeClr val="accent1"/>
+          </a:fillRef>
+          <a:effectRef idx="0">
+            <a:schemeClr val="accent1"/>
+          </a:effectRef>
+          <a:fontRef idx="minor">
+            <a:schemeClr val="lt1"/>
+          </a:fontRef>
+        </p:style>
+        <p:txBody>
+          <a:bodyPr rtlCol="0" anchor="ctr"/>
+          <a:lstStyle/>
+          <a:p>
+            <a:pPr algn="ctr"/>
+            <a:endParaRPr lang="it-IT"/>
+          </a:p>
+        </p:txBody>
+      </p:sp>
+      <p:sp>
+        <p:nvSpPr>
+          <p:cNvPr id="10" name="Freccia a destra 9"/>
+          <p:cNvSpPr/>
+          <p:nvPr/>
+        </p:nvSpPr>
+        <p:spPr>
+          <a:xfrm>
+            <a:off x="5598449" y="3936827"/>
+            <a:ext cx="1166896" cy="323128"/>
+          </a:xfrm>
+          <a:prstGeom prst="rightArrow">
+            <a:avLst/>
+          </a:prstGeom>
+        </p:spPr>
+        <p:style>
+          <a:lnRef idx="2">
+            <a:schemeClr val="accent1">
+              <a:shade val="50000"/>
+            </a:schemeClr>
+          </a:lnRef>
+          <a:fillRef idx="1">
+            <a:schemeClr val="accent1"/>
+          </a:fillRef>
+          <a:effectRef idx="0">
+            <a:schemeClr val="accent1"/>
+          </a:effectRef>
+          <a:fontRef idx="minor">
+            <a:schemeClr val="lt1"/>
+          </a:fontRef>
+        </p:style>
+        <p:txBody>
+          <a:bodyPr rtlCol="0" anchor="ctr"/>
+          <a:lstStyle/>
+          <a:p>
+            <a:pPr algn="ctr"/>
+            <a:endParaRPr lang="it-IT"/>
           </a:p>
         </p:txBody>
       </p:sp>
@@ -4877,7 +4857,7 @@
         </p:nvSpPr>
         <p:spPr>
           <a:xfrm>
-            <a:off x="5248103" y="3981136"/>
+            <a:off x="5867228" y="2904811"/>
             <a:ext cx="731520" cy="348826"/>
           </a:xfrm>
           <a:prstGeom prst="rect">
@@ -5136,10 +5116,9 @@
           </a:lstStyle>
           <a:p>
             <a:r>
-              <a:rPr lang="it-IT" dirty="0" smtClean="0"/>
+              <a:rPr lang="it-IT" dirty="0"/>
               <a:t>ADD</a:t>
             </a:r>
-            <a:endParaRPr lang="it-IT" dirty="0"/>
           </a:p>
         </p:txBody>
       </p:sp>
@@ -5165,7 +5144,7 @@
         </p:blipFill>
         <p:spPr>
           <a:xfrm>
-            <a:off x="551832" y="1909916"/>
+            <a:off x="1170957" y="833591"/>
             <a:ext cx="4269673" cy="1938735"/>
           </a:xfrm>
           <a:prstGeom prst="rect">
@@ -5195,7 +5174,7 @@
         </p:blipFill>
         <p:spPr>
           <a:xfrm>
-            <a:off x="6125169" y="4191000"/>
+            <a:off x="6744294" y="3114675"/>
             <a:ext cx="4535984" cy="2063530"/>
           </a:xfrm>
           <a:prstGeom prst="rect">
@@ -5225,8 +5204,8 @@
         </p:blipFill>
         <p:spPr>
           <a:xfrm>
-            <a:off x="551832" y="4350229"/>
-            <a:ext cx="4320262" cy="2030681"/>
+            <a:off x="1141671" y="3313486"/>
+            <a:ext cx="4349918" cy="2044620"/>
           </a:xfrm>
           <a:prstGeom prst="rect">
             <a:avLst/>
@@ -5255,7 +5234,7 @@
         </p:blipFill>
         <p:spPr>
           <a:xfrm>
-            <a:off x="6125169" y="1936516"/>
+            <a:off x="6744294" y="860191"/>
             <a:ext cx="4535984" cy="2044620"/>
           </a:xfrm>
           <a:prstGeom prst="rect">
@@ -5266,351 +5245,13 @@
     </p:spTree>
     <p:extLst>
       <p:ext uri="{BB962C8B-B14F-4D97-AF65-F5344CB8AC3E}">
-        <p14:creationId xmlns:p14="http://schemas.microsoft.com/office/powerpoint/2010/main" val="1144107655"/>
+        <p14:creationId xmlns:p14="http://schemas.microsoft.com/office/powerpoint/2010/main" val="2383928955"/>
       </p:ext>
     </p:extLst>
   </p:cSld>
   <p:clrMapOvr>
     <a:masterClrMapping/>
   </p:clrMapOvr>
-  <p:timing>
-    <p:tnLst>
-      <p:par>
-        <p:cTn id="1" dur="indefinite" restart="never" nodeType="tmRoot"/>
-      </p:par>
-    </p:tnLst>
-  </p:timing>
-</p:sld>
-</file>
-
-<file path=ppt/slides/slide12.xml><?xml version="1.0" encoding="utf-8"?>
-<p:sld xmlns:a="http://schemas.openxmlformats.org/drawingml/2006/main" xmlns:r="http://schemas.openxmlformats.org/officeDocument/2006/relationships" xmlns:p="http://schemas.openxmlformats.org/presentationml/2006/main">
-  <p:cSld>
-    <p:spTree>
-      <p:nvGrpSpPr>
-        <p:cNvPr id="1" name=""/>
-        <p:cNvGrpSpPr/>
-        <p:nvPr/>
-      </p:nvGrpSpPr>
-      <p:grpSpPr>
-        <a:xfrm>
-          <a:off x="0" y="0"/>
-          <a:ext cx="0" cy="0"/>
-          <a:chOff x="0" y="0"/>
-          <a:chExt cx="0" cy="0"/>
-        </a:xfrm>
-      </p:grpSpPr>
-      <p:sp>
-        <p:nvSpPr>
-          <p:cNvPr id="2" name="Titolo 1"/>
-          <p:cNvSpPr>
-            <a:spLocks noGrp="1"/>
-          </p:cNvSpPr>
-          <p:nvPr>
-            <p:ph type="title"/>
-          </p:nvPr>
-        </p:nvSpPr>
-        <p:spPr>
-          <a:xfrm>
-            <a:off x="665480" y="209601"/>
-            <a:ext cx="4681220" cy="1450757"/>
-          </a:xfrm>
-        </p:spPr>
-        <p:txBody>
-          <a:bodyPr/>
-          <a:lstStyle/>
-          <a:p>
-            <a:pPr algn="ctr"/>
-            <a:r>
-              <a:rPr lang="it-IT" dirty="0" smtClean="0"/>
-              <a:t>The </a:t>
-            </a:r>
-            <a:r>
-              <a:rPr lang="it-IT" dirty="0" err="1" smtClean="0"/>
-              <a:t>Contents</a:t>
-            </a:r>
-            <a:endParaRPr lang="it-IT" dirty="0"/>
-          </a:p>
-        </p:txBody>
-      </p:sp>
-      <p:sp>
-        <p:nvSpPr>
-          <p:cNvPr id="3" name="Segnaposto contenuto 2"/>
-          <p:cNvSpPr>
-            <a:spLocks noGrp="1"/>
-          </p:cNvSpPr>
-          <p:nvPr>
-            <p:ph idx="1"/>
-          </p:nvPr>
-        </p:nvSpPr>
-        <p:spPr>
-          <a:xfrm>
-            <a:off x="449580" y="2753385"/>
-            <a:ext cx="5113020" cy="2294005"/>
-          </a:xfrm>
-        </p:spPr>
-        <p:txBody>
-          <a:bodyPr>
-            <a:normAutofit/>
-          </a:bodyPr>
-          <a:lstStyle/>
-          <a:p>
-            <a:pPr algn="ctr"/>
-            <a:r>
-              <a:rPr lang="it-IT" dirty="0" err="1" smtClean="0"/>
-              <a:t>We</a:t>
-            </a:r>
-            <a:r>
-              <a:rPr lang="it-IT" dirty="0" smtClean="0"/>
-              <a:t> </a:t>
-            </a:r>
-            <a:r>
-              <a:rPr lang="it-IT" dirty="0" err="1" smtClean="0"/>
-              <a:t>showcased</a:t>
-            </a:r>
-            <a:r>
-              <a:rPr lang="it-IT" dirty="0" smtClean="0"/>
-              <a:t> in </a:t>
-            </a:r>
-            <a:r>
-              <a:rPr lang="it-IT" dirty="0" err="1" smtClean="0"/>
-              <a:t>each</a:t>
-            </a:r>
-            <a:r>
-              <a:rPr lang="it-IT" dirty="0" smtClean="0"/>
-              <a:t> </a:t>
-            </a:r>
-            <a:r>
-              <a:rPr lang="it-IT" dirty="0" err="1" smtClean="0"/>
-              <a:t>article</a:t>
-            </a:r>
-            <a:r>
-              <a:rPr lang="it-IT" dirty="0" smtClean="0"/>
-              <a:t> the </a:t>
-            </a:r>
-            <a:r>
-              <a:rPr lang="it-IT" dirty="0" err="1" smtClean="0"/>
-              <a:t>year</a:t>
-            </a:r>
-            <a:r>
-              <a:rPr lang="it-IT" dirty="0" smtClean="0"/>
-              <a:t> of release, </a:t>
-            </a:r>
-            <a:r>
-              <a:rPr lang="it-IT" dirty="0" err="1" smtClean="0"/>
-              <a:t>where</a:t>
-            </a:r>
-            <a:r>
-              <a:rPr lang="it-IT" dirty="0" smtClean="0"/>
-              <a:t> </a:t>
-            </a:r>
-            <a:r>
-              <a:rPr lang="it-IT" dirty="0" err="1" smtClean="0"/>
-              <a:t>it’s</a:t>
-            </a:r>
-            <a:r>
-              <a:rPr lang="it-IT" dirty="0" smtClean="0"/>
-              <a:t> </a:t>
-            </a:r>
-            <a:r>
-              <a:rPr lang="it-IT" dirty="0" err="1" smtClean="0"/>
-              <a:t>located</a:t>
-            </a:r>
-            <a:r>
-              <a:rPr lang="it-IT" dirty="0" smtClean="0"/>
-              <a:t>, a short </a:t>
-            </a:r>
-            <a:r>
-              <a:rPr lang="it-IT" dirty="0" err="1" smtClean="0"/>
-              <a:t>recap</a:t>
-            </a:r>
-            <a:r>
-              <a:rPr lang="it-IT" dirty="0" smtClean="0"/>
-              <a:t> of </a:t>
-            </a:r>
-            <a:r>
-              <a:rPr lang="it-IT" dirty="0" err="1" smtClean="0"/>
-              <a:t>each</a:t>
-            </a:r>
-            <a:r>
-              <a:rPr lang="it-IT" dirty="0" smtClean="0"/>
-              <a:t> </a:t>
-            </a:r>
-            <a:r>
-              <a:rPr lang="it-IT" dirty="0" err="1" smtClean="0"/>
-              <a:t>act</a:t>
-            </a:r>
-            <a:r>
-              <a:rPr lang="it-IT" dirty="0" smtClean="0"/>
-              <a:t> of the story, the </a:t>
-            </a:r>
-            <a:r>
-              <a:rPr lang="it-IT" dirty="0" err="1" smtClean="0"/>
-              <a:t>main</a:t>
-            </a:r>
-            <a:r>
-              <a:rPr lang="it-IT" dirty="0" smtClean="0"/>
-              <a:t> </a:t>
-            </a:r>
-            <a:r>
-              <a:rPr lang="it-IT" dirty="0" err="1" smtClean="0"/>
-              <a:t>characters</a:t>
-            </a:r>
-            <a:r>
-              <a:rPr lang="it-IT" dirty="0" smtClean="0"/>
-              <a:t> and some images to </a:t>
-            </a:r>
-            <a:r>
-              <a:rPr lang="it-IT" dirty="0" err="1" smtClean="0"/>
-              <a:t>fully</a:t>
-            </a:r>
-            <a:r>
-              <a:rPr lang="it-IT" dirty="0" smtClean="0"/>
-              <a:t> immerse the </a:t>
-            </a:r>
-            <a:r>
-              <a:rPr lang="it-IT" dirty="0" err="1" smtClean="0"/>
-              <a:t>user</a:t>
-            </a:r>
-            <a:r>
-              <a:rPr lang="it-IT" dirty="0" smtClean="0"/>
-              <a:t> in the location </a:t>
-            </a:r>
-            <a:r>
-              <a:rPr lang="it-IT" dirty="0" err="1" smtClean="0"/>
-              <a:t>that</a:t>
-            </a:r>
-            <a:r>
-              <a:rPr lang="it-IT" dirty="0" smtClean="0"/>
-              <a:t> </a:t>
-            </a:r>
-            <a:r>
-              <a:rPr lang="it-IT" dirty="0" err="1" smtClean="0"/>
-              <a:t>is</a:t>
-            </a:r>
-            <a:r>
-              <a:rPr lang="it-IT" dirty="0" smtClean="0"/>
-              <a:t> </a:t>
-            </a:r>
-            <a:r>
-              <a:rPr lang="it-IT" dirty="0" err="1" smtClean="0"/>
-              <a:t>rappresented</a:t>
-            </a:r>
-            <a:r>
-              <a:rPr lang="it-IT" dirty="0" smtClean="0"/>
-              <a:t>.</a:t>
-            </a:r>
-            <a:endParaRPr lang="it-IT" dirty="0"/>
-          </a:p>
-        </p:txBody>
-      </p:sp>
-      <p:pic>
-        <p:nvPicPr>
-          <p:cNvPr id="4" name="Immagine 3"/>
-          <p:cNvPicPr>
-            <a:picLocks noChangeAspect="1"/>
-          </p:cNvPicPr>
-          <p:nvPr/>
-        </p:nvPicPr>
-        <p:blipFill>
-          <a:blip r:embed="rId2">
-            <a:extLst>
-              <a:ext uri="{28A0092B-C50C-407E-A947-70E740481C1C}">
-                <a14:useLocalDpi xmlns:a14="http://schemas.microsoft.com/office/drawing/2010/main" val="0"/>
-              </a:ext>
-            </a:extLst>
-          </a:blip>
-          <a:stretch>
-            <a:fillRect/>
-          </a:stretch>
-        </p:blipFill>
-        <p:spPr>
-          <a:xfrm>
-            <a:off x="6598660" y="751155"/>
-            <a:ext cx="3929640" cy="1818405"/>
-          </a:xfrm>
-          <a:prstGeom prst="rect">
-            <a:avLst/>
-          </a:prstGeom>
-        </p:spPr>
-      </p:pic>
-      <p:pic>
-        <p:nvPicPr>
-          <p:cNvPr id="5" name="Immagine 4"/>
-          <p:cNvPicPr>
-            <a:picLocks noChangeAspect="1"/>
-          </p:cNvPicPr>
-          <p:nvPr/>
-        </p:nvPicPr>
-        <p:blipFill>
-          <a:blip r:embed="rId3">
-            <a:extLst>
-              <a:ext uri="{28A0092B-C50C-407E-A947-70E740481C1C}">
-                <a14:useLocalDpi xmlns:a14="http://schemas.microsoft.com/office/drawing/2010/main" val="0"/>
-              </a:ext>
-            </a:extLst>
-          </a:blip>
-          <a:stretch>
-            <a:fillRect/>
-          </a:stretch>
-        </p:blipFill>
-        <p:spPr>
-          <a:xfrm>
-            <a:off x="6598660" y="2569560"/>
-            <a:ext cx="3929640" cy="1832740"/>
-          </a:xfrm>
-          <a:prstGeom prst="rect">
-            <a:avLst/>
-          </a:prstGeom>
-        </p:spPr>
-      </p:pic>
-      <p:pic>
-        <p:nvPicPr>
-          <p:cNvPr id="6" name="Immagine 5"/>
-          <p:cNvPicPr>
-            <a:picLocks noChangeAspect="1"/>
-          </p:cNvPicPr>
-          <p:nvPr/>
-        </p:nvPicPr>
-        <p:blipFill>
-          <a:blip r:embed="rId4">
-            <a:extLst>
-              <a:ext uri="{28A0092B-C50C-407E-A947-70E740481C1C}">
-                <a14:useLocalDpi xmlns:a14="http://schemas.microsoft.com/office/drawing/2010/main" val="0"/>
-              </a:ext>
-            </a:extLst>
-          </a:blip>
-          <a:stretch>
-            <a:fillRect/>
-          </a:stretch>
-        </p:blipFill>
-        <p:spPr>
-          <a:xfrm>
-            <a:off x="6598660" y="4402300"/>
-            <a:ext cx="3929640" cy="1838884"/>
-          </a:xfrm>
-          <a:prstGeom prst="rect">
-            <a:avLst/>
-          </a:prstGeom>
-        </p:spPr>
-      </p:pic>
-    </p:spTree>
-    <p:extLst>
-      <p:ext uri="{BB962C8B-B14F-4D97-AF65-F5344CB8AC3E}">
-        <p14:creationId xmlns:p14="http://schemas.microsoft.com/office/powerpoint/2010/main" val="2031267612"/>
-      </p:ext>
-    </p:extLst>
-  </p:cSld>
-  <p:clrMapOvr>
-    <a:masterClrMapping/>
-  </p:clrMapOvr>
-  <p:timing>
-    <p:tnLst>
-      <p:par>
-        <p:cTn id="1" dur="indefinite" restart="never" nodeType="tmRoot"/>
-      </p:par>
-    </p:tnLst>
-  </p:timing>
 </p:sld>
 </file>
 
@@ -5636,7 +5277,7 @@
           <p:cNvPr id="2" name="Titolo 1">
             <a:extLst>
               <a:ext uri="{FF2B5EF4-FFF2-40B4-BE49-F238E27FC236}">
-                <a16:creationId xmlns:a16="http://schemas.microsoft.com/office/drawing/2014/main" xmlns="" id="{D5D97046-CC2B-1044-DE4B-B1036CCC8786}"/>
+                <a16:creationId xmlns:a16="http://schemas.microsoft.com/office/drawing/2014/main" id="{D5D97046-CC2B-1044-DE4B-B1036CCC8786}"/>
               </a:ext>
             </a:extLst>
           </p:cNvPr>
@@ -5664,7 +5305,7 @@
           <p:cNvPr id="3" name="Segnaposto contenuto 2">
             <a:extLst>
               <a:ext uri="{FF2B5EF4-FFF2-40B4-BE49-F238E27FC236}">
-                <a16:creationId xmlns:a16="http://schemas.microsoft.com/office/drawing/2014/main" xmlns="" id="{FA485E1F-33C2-4304-97F6-85AC5F962ACE}"/>
+                <a16:creationId xmlns:a16="http://schemas.microsoft.com/office/drawing/2014/main" id="{FA485E1F-33C2-4304-97F6-85AC5F962ACE}"/>
               </a:ext>
             </a:extLst>
           </p:cNvPr>
@@ -5680,56 +5321,80 @@
           <a:bodyPr/>
           <a:lstStyle/>
           <a:p>
+            <a:pPr lvl="1"/>
             <a:r>
               <a:rPr lang="it-IT" dirty="0"/>
-              <a:t>POI - </a:t>
-            </a:r>
-            <a:r>
-              <a:rPr lang="it-IT" dirty="0" err="1"/>
-              <a:t>Shakespeare's</a:t>
-            </a:r>
-            <a:r>
-              <a:rPr lang="it-IT" dirty="0"/>
-              <a:t> Places </a:t>
-            </a:r>
-            <a:r>
-              <a:rPr lang="it-IT" dirty="0" err="1"/>
-              <a:t>is</a:t>
-            </a:r>
-            <a:r>
-              <a:rPr lang="it-IT" dirty="0"/>
-              <a:t> a Single page web </a:t>
+              <a:t>Single page web </a:t>
             </a:r>
             <a:r>
               <a:rPr lang="it-IT" dirty="0" err="1"/>
               <a:t>application</a:t>
             </a:r>
-            <a:r>
-              <a:rPr lang="it-IT" dirty="0"/>
-              <a:t> </a:t>
-            </a:r>
-            <a:r>
-              <a:rPr lang="it-IT" dirty="0" err="1"/>
-              <a:t>that</a:t>
-            </a:r>
-            <a:r>
-              <a:rPr lang="it-IT" dirty="0"/>
-              <a:t> </a:t>
-            </a:r>
+            <a:endParaRPr lang="it-IT" dirty="0"/>
+          </a:p>
+          <a:p>
+            <a:pPr lvl="1"/>
             <a:r>
               <a:rPr lang="en-US" dirty="0"/>
-              <a:t>connects ten famous Shakespeare’s plays to real-world locations.</a:t>
-            </a:r>
-          </a:p>
-          <a:p>
+              <a:t>Ten famous Shakespeare’s plays and their real-world locations</a:t>
+            </a:r>
+          </a:p>
+          <a:p>
+            <a:pPr lvl="1"/>
             <a:r>
               <a:rPr lang="en-US" dirty="0"/>
-              <a:t>It was made following the Component-Based Architecture.</a:t>
-            </a:r>
-            <a:endParaRPr lang="it-IT" dirty="0"/>
-          </a:p>
-        </p:txBody>
-      </p:sp>
+              <a:t>Component-Based Architecture</a:t>
+            </a:r>
+          </a:p>
+        </p:txBody>
+      </p:sp>
+      <p:pic>
+        <p:nvPicPr>
+          <p:cNvPr id="2050" name="Picture 2" descr="William Shakespeare: biografia e opere del drammaturgo ...">
+            <a:extLst>
+              <a:ext uri="{FF2B5EF4-FFF2-40B4-BE49-F238E27FC236}">
+                <a16:creationId xmlns:a16="http://schemas.microsoft.com/office/drawing/2014/main" id="{00B2D81A-2E8E-90FA-8C72-DA2532F23DC7}"/>
+              </a:ext>
+            </a:extLst>
+          </p:cNvPr>
+          <p:cNvPicPr>
+            <a:picLocks noChangeAspect="1" noChangeArrowheads="1"/>
+          </p:cNvPicPr>
+          <p:nvPr/>
+        </p:nvPicPr>
+        <p:blipFill>
+          <a:blip r:embed="rId2">
+            <a:extLst>
+              <a:ext uri="{28A0092B-C50C-407E-A947-70E740481C1C}">
+                <a14:useLocalDpi xmlns:a14="http://schemas.microsoft.com/office/drawing/2010/main" val="0"/>
+              </a:ext>
+            </a:extLst>
+          </a:blip>
+          <a:srcRect/>
+          <a:stretch>
+            <a:fillRect/>
+          </a:stretch>
+        </p:blipFill>
+        <p:spPr bwMode="auto">
+          <a:xfrm>
+            <a:off x="8237578" y="1845734"/>
+            <a:ext cx="2918102" cy="3612091"/>
+          </a:xfrm>
+          <a:prstGeom prst="rect">
+            <a:avLst/>
+          </a:prstGeom>
+          <a:noFill/>
+          <a:extLst>
+            <a:ext uri="{909E8E84-426E-40DD-AFC4-6F175D3DCCD1}">
+              <a14:hiddenFill xmlns:a14="http://schemas.microsoft.com/office/drawing/2010/main">
+                <a:solidFill>
+                  <a:srgbClr val="FFFFFF"/>
+                </a:solidFill>
+              </a14:hiddenFill>
+            </a:ext>
+          </a:extLst>
+        </p:spPr>
+      </p:pic>
     </p:spTree>
     <p:extLst>
       <p:ext uri="{BB962C8B-B14F-4D97-AF65-F5344CB8AC3E}">
@@ -5740,13 +5405,6 @@
   <p:clrMapOvr>
     <a:masterClrMapping/>
   </p:clrMapOvr>
-  <p:timing>
-    <p:tnLst>
-      <p:par>
-        <p:cTn id="1" dur="indefinite" restart="never" nodeType="tmRoot"/>
-      </p:par>
-    </p:tnLst>
-  </p:timing>
 </p:sld>
 </file>
 
@@ -5772,7 +5430,7 @@
           <p:cNvPr id="2" name="Titolo 1">
             <a:extLst>
               <a:ext uri="{FF2B5EF4-FFF2-40B4-BE49-F238E27FC236}">
-                <a16:creationId xmlns:a16="http://schemas.microsoft.com/office/drawing/2014/main" xmlns="" id="{97BDA648-A2A4-F099-339F-B4D6528A7C44}"/>
+                <a16:creationId xmlns:a16="http://schemas.microsoft.com/office/drawing/2014/main" id="{97BDA648-A2A4-F099-339F-B4D6528A7C44}"/>
               </a:ext>
             </a:extLst>
           </p:cNvPr>
@@ -5789,28 +5447,8 @@
           <a:lstStyle/>
           <a:p>
             <a:r>
-              <a:rPr lang="it-IT" dirty="0" err="1"/>
-              <a:t>What</a:t>
-            </a:r>
-            <a:r>
               <a:rPr lang="it-IT" dirty="0"/>
-              <a:t> </a:t>
-            </a:r>
-            <a:r>
-              <a:rPr lang="it-IT" dirty="0" err="1"/>
-              <a:t>is</a:t>
-            </a:r>
-            <a:r>
-              <a:rPr lang="it-IT" dirty="0"/>
-              <a:t> a web </a:t>
-            </a:r>
-            <a:r>
-              <a:rPr lang="it-IT" dirty="0" err="1"/>
-              <a:t>application</a:t>
-            </a:r>
-            <a:r>
-              <a:rPr lang="it-IT" dirty="0"/>
-              <a:t>?</a:t>
+              <a:t>Website VS Web Application</a:t>
             </a:r>
           </a:p>
         </p:txBody>
@@ -5820,7 +5458,7 @@
           <p:cNvPr id="3" name="Segnaposto contenuto 2">
             <a:extLst>
               <a:ext uri="{FF2B5EF4-FFF2-40B4-BE49-F238E27FC236}">
-                <a16:creationId xmlns:a16="http://schemas.microsoft.com/office/drawing/2014/main" xmlns="" id="{D4EE7F75-E9CB-28A1-FD14-FF6AA916CA1F}"/>
+                <a16:creationId xmlns:a16="http://schemas.microsoft.com/office/drawing/2014/main" id="{D4EE7F75-E9CB-28A1-FD14-FF6AA916CA1F}"/>
               </a:ext>
             </a:extLst>
           </p:cNvPr>
@@ -5834,13 +5472,69 @@
         <p:spPr/>
         <p:txBody>
           <a:bodyPr>
-            <a:normAutofit lnSpcReduction="10000"/>
+            <a:normAutofit/>
           </a:bodyPr>
           <a:lstStyle/>
           <a:p>
             <a:r>
               <a:rPr lang="it-IT" dirty="0"/>
-              <a:t>A web </a:t>
+              <a:t>Website:</a:t>
+            </a:r>
+          </a:p>
+          <a:p>
+            <a:pPr lvl="1"/>
+            <a:r>
+              <a:rPr lang="it-IT" dirty="0" err="1"/>
+              <a:t>Accessible</a:t>
+            </a:r>
+            <a:r>
+              <a:rPr lang="it-IT" dirty="0"/>
+              <a:t> </a:t>
+            </a:r>
+            <a:r>
+              <a:rPr lang="it-IT" dirty="0" err="1"/>
+              <a:t>using</a:t>
+            </a:r>
+            <a:r>
+              <a:rPr lang="it-IT" dirty="0"/>
+              <a:t> a browser</a:t>
+            </a:r>
+          </a:p>
+          <a:p>
+            <a:pPr lvl="1"/>
+            <a:r>
+              <a:rPr lang="it-IT" dirty="0"/>
+              <a:t>Has </a:t>
+            </a:r>
+            <a:r>
+              <a:rPr lang="it-IT" dirty="0" err="1"/>
+              <a:t>only</a:t>
+            </a:r>
+            <a:r>
+              <a:rPr lang="it-IT" dirty="0"/>
+              <a:t> informative </a:t>
+            </a:r>
+            <a:r>
+              <a:rPr lang="it-IT" dirty="0" err="1"/>
+              <a:t>content</a:t>
+            </a:r>
+            <a:endParaRPr lang="it-IT" dirty="0"/>
+          </a:p>
+          <a:p>
+            <a:pPr lvl="1"/>
+            <a:r>
+              <a:rPr lang="it-IT" dirty="0" err="1"/>
+              <a:t>Example</a:t>
+            </a:r>
+            <a:r>
+              <a:rPr lang="it-IT" dirty="0"/>
+              <a:t>: Wikipedia</a:t>
+            </a:r>
+          </a:p>
+          <a:p>
+            <a:r>
+              <a:rPr lang="it-IT" dirty="0"/>
+              <a:t>Web </a:t>
             </a:r>
             <a:r>
               <a:rPr lang="it-IT" dirty="0" err="1"/>
@@ -5848,19 +5542,14 @@
             </a:r>
             <a:r>
               <a:rPr lang="it-IT" dirty="0"/>
-              <a:t> </a:t>
-            </a:r>
+              <a:t>:</a:t>
+            </a:r>
+          </a:p>
+          <a:p>
+            <a:pPr lvl="1"/>
             <a:r>
               <a:rPr lang="it-IT" dirty="0" err="1"/>
-              <a:t>is</a:t>
-            </a:r>
-            <a:r>
-              <a:rPr lang="it-IT" dirty="0"/>
-              <a:t> a software (a computer </a:t>
-            </a:r>
-            <a:r>
-              <a:rPr lang="it-IT" dirty="0" err="1"/>
-              <a:t>program</a:t>
+              <a:t>Accessible</a:t>
             </a:r>
             <a:r>
               <a:rPr lang="it-IT" dirty="0"/>
@@ -5868,97 +5557,30 @@
             </a:r>
             <a:r>
               <a:rPr lang="it-IT" dirty="0" err="1"/>
-              <a:t>that</a:t>
+              <a:t>using</a:t>
             </a:r>
             <a:r>
               <a:rPr lang="it-IT" dirty="0"/>
-              <a:t> </a:t>
-            </a:r>
+              <a:t> a browser </a:t>
+            </a:r>
+          </a:p>
+          <a:p>
+            <a:pPr lvl="1"/>
             <a:r>
               <a:rPr lang="it-IT" dirty="0" err="1"/>
-              <a:t>has</a:t>
+              <a:t>Based</a:t>
             </a:r>
             <a:r>
               <a:rPr lang="it-IT" dirty="0"/>
-              <a:t> some inputs and some outputs) </a:t>
+              <a:t> on </a:t>
             </a:r>
             <a:r>
               <a:rPr lang="it-IT" dirty="0" err="1"/>
-              <a:t>that</a:t>
+              <a:t>user’s</a:t>
             </a:r>
             <a:r>
               <a:rPr lang="it-IT" dirty="0"/>
-              <a:t> can be </a:t>
-            </a:r>
-            <a:r>
-              <a:rPr lang="it-IT" dirty="0" err="1"/>
-              <a:t>accessed</a:t>
-            </a:r>
-            <a:r>
-              <a:rPr lang="it-IT" dirty="0"/>
-              <a:t> via web.</a:t>
-            </a:r>
-          </a:p>
-          <a:p>
-            <a:r>
-              <a:rPr lang="it-IT" dirty="0"/>
-              <a:t>A user, </a:t>
-            </a:r>
-            <a:r>
-              <a:rPr lang="it-IT" dirty="0" err="1"/>
-              <a:t>using</a:t>
-            </a:r>
-            <a:r>
-              <a:rPr lang="it-IT" dirty="0"/>
-              <a:t> a browser, </a:t>
-            </a:r>
-            <a:r>
-              <a:rPr lang="it-IT" dirty="0" err="1"/>
-              <a:t>sends</a:t>
-            </a:r>
-            <a:r>
-              <a:rPr lang="it-IT" dirty="0"/>
-              <a:t> a </a:t>
-            </a:r>
-            <a:r>
-              <a:rPr lang="it-IT" dirty="0" err="1"/>
-              <a:t>request</a:t>
-            </a:r>
-            <a:r>
-              <a:rPr lang="it-IT" dirty="0"/>
-              <a:t> to a web server (a computer </a:t>
-            </a:r>
-            <a:r>
-              <a:rPr lang="it-IT" dirty="0" err="1"/>
-              <a:t>that</a:t>
-            </a:r>
-            <a:r>
-              <a:rPr lang="it-IT" dirty="0"/>
-              <a:t> </a:t>
-            </a:r>
-            <a:r>
-              <a:rPr lang="it-IT" dirty="0" err="1"/>
-              <a:t>offers</a:t>
-            </a:r>
-            <a:r>
-              <a:rPr lang="it-IT" dirty="0"/>
-              <a:t> services to </a:t>
-            </a:r>
-            <a:r>
-              <a:rPr lang="it-IT" dirty="0" err="1"/>
-              <a:t>other</a:t>
-            </a:r>
-            <a:r>
-              <a:rPr lang="it-IT" dirty="0"/>
-              <a:t> computers) </a:t>
-            </a:r>
-            <a:r>
-              <a:rPr lang="it-IT" dirty="0" err="1"/>
-              <a:t>that</a:t>
-            </a:r>
-            <a:r>
-              <a:rPr lang="it-IT" dirty="0"/>
-              <a:t> </a:t>
+              <a:t> interaction (it </a:t>
             </a:r>
             <a:r>
               <a:rPr lang="it-IT" dirty="0" err="1"/>
@@ -5966,338 +5588,122 @@
             </a:r>
             <a:r>
               <a:rPr lang="it-IT" dirty="0"/>
-              <a:t> the </a:t>
-            </a:r>
+              <a:t> inputs)</a:t>
+            </a:r>
+          </a:p>
+          <a:p>
+            <a:pPr lvl="1"/>
             <a:r>
               <a:rPr lang="it-IT" dirty="0" err="1"/>
-              <a:t>request</a:t>
+              <a:t>Example</a:t>
             </a:r>
             <a:r>
               <a:rPr lang="it-IT" dirty="0"/>
-              <a:t> and </a:t>
-            </a:r>
-            <a:r>
-              <a:rPr lang="it-IT" dirty="0" err="1"/>
-              <a:t>sends</a:t>
-            </a:r>
-            <a:r>
-              <a:rPr lang="it-IT" dirty="0"/>
-              <a:t> back a </a:t>
-            </a:r>
-            <a:r>
-              <a:rPr lang="it-IT" dirty="0" err="1"/>
-              <a:t>response</a:t>
-            </a:r>
-            <a:r>
-              <a:rPr lang="it-IT" dirty="0"/>
-              <a:t>. The </a:t>
-            </a:r>
-            <a:r>
-              <a:rPr lang="it-IT" dirty="0" err="1"/>
-              <a:t>response</a:t>
-            </a:r>
-            <a:r>
-              <a:rPr lang="it-IT" dirty="0"/>
-              <a:t> </a:t>
-            </a:r>
-            <a:r>
-              <a:rPr lang="it-IT" dirty="0" err="1"/>
-              <a:t>contains</a:t>
-            </a:r>
-            <a:r>
-              <a:rPr lang="it-IT" dirty="0"/>
-              <a:t> an HTML file </a:t>
-            </a:r>
-            <a:r>
-              <a:rPr lang="it-IT" dirty="0" err="1"/>
-              <a:t>that</a:t>
-            </a:r>
-            <a:r>
-              <a:rPr lang="it-IT" dirty="0"/>
-              <a:t> </a:t>
-            </a:r>
-            <a:r>
-              <a:rPr lang="it-IT" dirty="0" err="1"/>
-              <a:t>is</a:t>
-            </a:r>
-            <a:r>
-              <a:rPr lang="it-IT" dirty="0"/>
-              <a:t> </a:t>
-            </a:r>
-            <a:r>
-              <a:rPr lang="it-IT" dirty="0" err="1"/>
-              <a:t>processed</a:t>
-            </a:r>
-            <a:r>
-              <a:rPr lang="it-IT" dirty="0"/>
-              <a:t> by the browser and </a:t>
-            </a:r>
-            <a:r>
-              <a:rPr lang="it-IT" dirty="0" err="1"/>
-              <a:t>then</a:t>
-            </a:r>
-            <a:r>
-              <a:rPr lang="it-IT" dirty="0"/>
-              <a:t> </a:t>
-            </a:r>
-            <a:r>
-              <a:rPr lang="it-IT" dirty="0" err="1"/>
-              <a:t>displayed</a:t>
-            </a:r>
-            <a:r>
-              <a:rPr lang="it-IT" dirty="0"/>
-              <a:t> on screen. The HTML file can have CSS, a </a:t>
-            </a:r>
-            <a:r>
-              <a:rPr lang="it-IT" dirty="0" err="1"/>
-              <a:t>specific</a:t>
-            </a:r>
-            <a:r>
-              <a:rPr lang="it-IT" dirty="0"/>
-              <a:t> code to </a:t>
-            </a:r>
-            <a:r>
-              <a:rPr lang="it-IT" dirty="0" err="1"/>
-              <a:t>change</a:t>
-            </a:r>
-            <a:r>
-              <a:rPr lang="it-IT" dirty="0"/>
-              <a:t> the </a:t>
-            </a:r>
-            <a:r>
-              <a:rPr lang="it-IT" dirty="0" err="1"/>
-              <a:t>graphical</a:t>
-            </a:r>
-            <a:r>
-              <a:rPr lang="it-IT" dirty="0"/>
-              <a:t> style and JavaScript code to let the user </a:t>
-            </a:r>
-            <a:r>
-              <a:rPr lang="it-IT" dirty="0" err="1"/>
-              <a:t>interact</a:t>
-            </a:r>
-            <a:r>
-              <a:rPr lang="it-IT" dirty="0"/>
-              <a:t> with the </a:t>
-            </a:r>
-            <a:r>
-              <a:rPr lang="it-IT" dirty="0" smtClean="0"/>
-              <a:t>page.</a:t>
-            </a:r>
+              <a:t>: Gmail</a:t>
+            </a:r>
+          </a:p>
+          <a:p>
+            <a:pPr marL="201168" lvl="1" indent="0">
+              <a:buNone/>
+            </a:pPr>
             <a:endParaRPr lang="it-IT" dirty="0"/>
           </a:p>
-          <a:p>
-            <a:r>
-              <a:rPr lang="it-IT" dirty="0"/>
-              <a:t>The </a:t>
-            </a:r>
-            <a:r>
-              <a:rPr lang="it-IT" dirty="0" err="1"/>
-              <a:t>application</a:t>
-            </a:r>
-            <a:r>
-              <a:rPr lang="it-IT" dirty="0"/>
-              <a:t> </a:t>
-            </a:r>
-            <a:r>
-              <a:rPr lang="it-IT" dirty="0" err="1"/>
-              <a:t>which</a:t>
-            </a:r>
-            <a:r>
-              <a:rPr lang="it-IT" dirty="0"/>
-              <a:t> </a:t>
-            </a:r>
-            <a:r>
-              <a:rPr lang="it-IT" dirty="0" err="1"/>
-              <a:t>runs</a:t>
-            </a:r>
-            <a:r>
-              <a:rPr lang="it-IT" dirty="0"/>
-              <a:t> in the </a:t>
-            </a:r>
-            <a:r>
-              <a:rPr lang="it-IT" dirty="0" err="1"/>
-              <a:t>user’s</a:t>
-            </a:r>
-            <a:r>
-              <a:rPr lang="it-IT" dirty="0"/>
-              <a:t> browser can </a:t>
-            </a:r>
-            <a:r>
-              <a:rPr lang="it-IT" dirty="0" err="1"/>
-              <a:t>itself</a:t>
-            </a:r>
-            <a:r>
-              <a:rPr lang="it-IT" dirty="0"/>
-              <a:t> </a:t>
-            </a:r>
-            <a:r>
-              <a:rPr lang="it-IT" dirty="0" err="1"/>
-              <a:t>connect</a:t>
-            </a:r>
-            <a:r>
-              <a:rPr lang="it-IT" dirty="0"/>
-              <a:t> to </a:t>
-            </a:r>
-            <a:r>
-              <a:rPr lang="it-IT" dirty="0" err="1"/>
-              <a:t>other</a:t>
-            </a:r>
-            <a:r>
-              <a:rPr lang="it-IT" dirty="0"/>
-              <a:t> servers </a:t>
-            </a:r>
-            <a:r>
-              <a:rPr lang="it-IT" dirty="0" err="1"/>
-              <a:t>that</a:t>
-            </a:r>
-            <a:r>
-              <a:rPr lang="it-IT" dirty="0"/>
-              <a:t> </a:t>
-            </a:r>
-            <a:r>
-              <a:rPr lang="it-IT" dirty="0" err="1" smtClean="0"/>
-              <a:t>offer</a:t>
-            </a:r>
-            <a:r>
-              <a:rPr lang="it-IT" dirty="0" smtClean="0"/>
-              <a:t> </a:t>
-            </a:r>
-            <a:r>
-              <a:rPr lang="it-IT" dirty="0" err="1" smtClean="0"/>
-              <a:t>various</a:t>
-            </a:r>
-            <a:r>
-              <a:rPr lang="it-IT" dirty="0" smtClean="0"/>
-              <a:t> </a:t>
-            </a:r>
-            <a:r>
-              <a:rPr lang="it-IT" dirty="0" err="1"/>
-              <a:t>types</a:t>
-            </a:r>
-            <a:r>
-              <a:rPr lang="it-IT" dirty="0"/>
-              <a:t> of services (</a:t>
-            </a:r>
-            <a:r>
-              <a:rPr lang="it-IT" dirty="0" err="1"/>
-              <a:t>maps</a:t>
-            </a:r>
-            <a:r>
-              <a:rPr lang="it-IT" dirty="0"/>
-              <a:t>, storage, </a:t>
-            </a:r>
-            <a:r>
-              <a:rPr lang="it-IT" dirty="0" err="1"/>
-              <a:t>etc</a:t>
-            </a:r>
-            <a:r>
-              <a:rPr lang="it-IT" dirty="0"/>
-              <a:t>…).</a:t>
-            </a:r>
-          </a:p>
-          <a:p>
-            <a:r>
-              <a:rPr lang="it-IT" dirty="0"/>
-              <a:t>A web </a:t>
-            </a:r>
-            <a:r>
-              <a:rPr lang="it-IT" dirty="0" err="1"/>
-              <a:t>application</a:t>
-            </a:r>
-            <a:r>
-              <a:rPr lang="it-IT" dirty="0"/>
-              <a:t> </a:t>
-            </a:r>
-            <a:r>
-              <a:rPr lang="it-IT" dirty="0" err="1"/>
-              <a:t>is</a:t>
-            </a:r>
-            <a:r>
-              <a:rPr lang="it-IT" dirty="0"/>
-              <a:t> made of </a:t>
-            </a:r>
-            <a:r>
-              <a:rPr lang="it-IT" dirty="0" err="1"/>
-              <a:t>two</a:t>
-            </a:r>
-            <a:r>
-              <a:rPr lang="it-IT" dirty="0"/>
-              <a:t> parts:</a:t>
-            </a:r>
-          </a:p>
-          <a:p>
-            <a:pPr marL="749808" lvl="1" indent="-457200"/>
-            <a:r>
-              <a:rPr lang="it-IT" dirty="0"/>
-              <a:t>One running on the server, </a:t>
-            </a:r>
-            <a:r>
-              <a:rPr lang="it-IT" dirty="0" err="1"/>
-              <a:t>that</a:t>
-            </a:r>
-            <a:r>
-              <a:rPr lang="it-IT" dirty="0"/>
-              <a:t> </a:t>
-            </a:r>
-            <a:r>
-              <a:rPr lang="it-IT" dirty="0" err="1"/>
-              <a:t>processes</a:t>
-            </a:r>
-            <a:r>
-              <a:rPr lang="it-IT" dirty="0"/>
-              <a:t> data </a:t>
-            </a:r>
-            <a:r>
-              <a:rPr lang="it-IT" dirty="0" err="1"/>
-              <a:t>sent</a:t>
-            </a:r>
-            <a:r>
-              <a:rPr lang="it-IT" dirty="0"/>
-              <a:t> to it.</a:t>
-            </a:r>
-          </a:p>
-          <a:p>
-            <a:pPr marL="749808" lvl="1" indent="-457200"/>
-            <a:r>
-              <a:rPr lang="it-IT" dirty="0"/>
-              <a:t>One running on the client (</a:t>
-            </a:r>
-            <a:r>
-              <a:rPr lang="it-IT" dirty="0" err="1"/>
-              <a:t>user’s</a:t>
-            </a:r>
-            <a:r>
-              <a:rPr lang="it-IT" dirty="0"/>
-              <a:t> device), </a:t>
-            </a:r>
-            <a:r>
-              <a:rPr lang="it-IT" dirty="0" err="1"/>
-              <a:t>that</a:t>
-            </a:r>
-            <a:r>
-              <a:rPr lang="it-IT" dirty="0"/>
-              <a:t> </a:t>
-            </a:r>
-            <a:r>
-              <a:rPr lang="it-IT" dirty="0" err="1"/>
-              <a:t>interacts</a:t>
-            </a:r>
-            <a:r>
-              <a:rPr lang="it-IT" dirty="0"/>
-              <a:t> with the user and let him </a:t>
-            </a:r>
-            <a:r>
-              <a:rPr lang="it-IT" dirty="0" err="1"/>
-              <a:t>communicate</a:t>
-            </a:r>
-            <a:r>
-              <a:rPr lang="it-IT" dirty="0"/>
-              <a:t> with the server.</a:t>
-            </a:r>
-          </a:p>
-        </p:txBody>
-      </p:sp>
+        </p:txBody>
+      </p:sp>
+      <p:pic>
+        <p:nvPicPr>
+          <p:cNvPr id="1026" name="Picture 2" descr="Wikipedia - Wikipedia">
+            <a:extLst>
+              <a:ext uri="{FF2B5EF4-FFF2-40B4-BE49-F238E27FC236}">
+                <a16:creationId xmlns:a16="http://schemas.microsoft.com/office/drawing/2014/main" id="{8B83F78D-9A70-A24A-8E8B-33EE1D023E05}"/>
+              </a:ext>
+            </a:extLst>
+          </p:cNvPr>
+          <p:cNvPicPr>
+            <a:picLocks noChangeAspect="1" noChangeArrowheads="1"/>
+          </p:cNvPicPr>
+          <p:nvPr/>
+        </p:nvPicPr>
+        <p:blipFill>
+          <a:blip r:embed="rId2">
+            <a:extLst>
+              <a:ext uri="{28A0092B-C50C-407E-A947-70E740481C1C}">
+                <a14:useLocalDpi xmlns:a14="http://schemas.microsoft.com/office/drawing/2010/main" val="0"/>
+              </a:ext>
+            </a:extLst>
+          </a:blip>
+          <a:srcRect/>
+          <a:stretch>
+            <a:fillRect/>
+          </a:stretch>
+        </p:blipFill>
+        <p:spPr bwMode="auto">
+          <a:xfrm>
+            <a:off x="7007440" y="2259595"/>
+            <a:ext cx="1666043" cy="1522867"/>
+          </a:xfrm>
+          <a:prstGeom prst="rect">
+            <a:avLst/>
+          </a:prstGeom>
+          <a:noFill/>
+          <a:extLst>
+            <a:ext uri="{909E8E84-426E-40DD-AFC4-6F175D3DCCD1}">
+              <a14:hiddenFill xmlns:a14="http://schemas.microsoft.com/office/drawing/2010/main">
+                <a:solidFill>
+                  <a:srgbClr val="FFFFFF"/>
+                </a:solidFill>
+              </a14:hiddenFill>
+            </a:ext>
+          </a:extLst>
+        </p:spPr>
+      </p:pic>
+      <p:pic>
+        <p:nvPicPr>
+          <p:cNvPr id="1028" name="Picture 4" descr="Gmail - Wikipedia">
+            <a:extLst>
+              <a:ext uri="{FF2B5EF4-FFF2-40B4-BE49-F238E27FC236}">
+                <a16:creationId xmlns:a16="http://schemas.microsoft.com/office/drawing/2014/main" id="{74A9C7F6-5D14-55CE-89B6-D4CBA3C5B406}"/>
+              </a:ext>
+            </a:extLst>
+          </p:cNvPr>
+          <p:cNvPicPr>
+            <a:picLocks noChangeAspect="1" noChangeArrowheads="1"/>
+          </p:cNvPicPr>
+          <p:nvPr/>
+        </p:nvPicPr>
+        <p:blipFill>
+          <a:blip r:embed="rId3">
+            <a:extLst>
+              <a:ext uri="{28A0092B-C50C-407E-A947-70E740481C1C}">
+                <a14:useLocalDpi xmlns:a14="http://schemas.microsoft.com/office/drawing/2010/main" val="0"/>
+              </a:ext>
+            </a:extLst>
+          </a:blip>
+          <a:srcRect/>
+          <a:stretch>
+            <a:fillRect/>
+          </a:stretch>
+        </p:blipFill>
+        <p:spPr bwMode="auto">
+          <a:xfrm>
+            <a:off x="8673483" y="3836649"/>
+            <a:ext cx="2092172" cy="1569129"/>
+          </a:xfrm>
+          <a:prstGeom prst="rect">
+            <a:avLst/>
+          </a:prstGeom>
+          <a:noFill/>
+          <a:extLst>
+            <a:ext uri="{909E8E84-426E-40DD-AFC4-6F175D3DCCD1}">
+              <a14:hiddenFill xmlns:a14="http://schemas.microsoft.com/office/drawing/2010/main">
+                <a:solidFill>
+                  <a:srgbClr val="FFFFFF"/>
+                </a:solidFill>
+              </a14:hiddenFill>
+            </a:ext>
+          </a:extLst>
+        </p:spPr>
+      </p:pic>
     </p:spTree>
     <p:extLst>
       <p:ext uri="{BB962C8B-B14F-4D97-AF65-F5344CB8AC3E}">
@@ -6308,13 +5714,6 @@
   <p:clrMapOvr>
     <a:masterClrMapping/>
   </p:clrMapOvr>
-  <p:timing>
-    <p:tnLst>
-      <p:par>
-        <p:cTn id="1" dur="indefinite" restart="never" nodeType="tmRoot"/>
-      </p:par>
-    </p:tnLst>
-  </p:timing>
 </p:sld>
 </file>
 
@@ -6340,7 +5739,7 @@
           <p:cNvPr id="2" name="Titolo 1">
             <a:extLst>
               <a:ext uri="{FF2B5EF4-FFF2-40B4-BE49-F238E27FC236}">
-                <a16:creationId xmlns:a16="http://schemas.microsoft.com/office/drawing/2014/main" xmlns="" id="{950A12F7-EFE2-D580-E062-4FF0BAC2C921}"/>
+                <a16:creationId xmlns:a16="http://schemas.microsoft.com/office/drawing/2014/main" id="{950A12F7-EFE2-D580-E062-4FF0BAC2C921}"/>
               </a:ext>
             </a:extLst>
           </p:cNvPr>
@@ -6376,7 +5775,7 @@
           <p:cNvPr id="10" name="Segnaposto contenuto 4">
             <a:extLst>
               <a:ext uri="{FF2B5EF4-FFF2-40B4-BE49-F238E27FC236}">
-                <a16:creationId xmlns:a16="http://schemas.microsoft.com/office/drawing/2014/main" xmlns="" id="{5F58AEC5-43D6-E068-BBE1-A595E09DEFC6}"/>
+                <a16:creationId xmlns:a16="http://schemas.microsoft.com/office/drawing/2014/main" id="{5F58AEC5-43D6-E068-BBE1-A595E09DEFC6}"/>
               </a:ext>
             </a:extLst>
           </p:cNvPr>
@@ -6410,436 +5809,10 @@
   <p:clrMapOvr>
     <a:masterClrMapping/>
   </p:clrMapOvr>
-  <p:timing>
-    <p:tnLst>
-      <p:par>
-        <p:cTn id="1" dur="indefinite" restart="never" nodeType="tmRoot"/>
-      </p:par>
-    </p:tnLst>
-  </p:timing>
 </p:sld>
 </file>
 
 <file path=ppt/slides/slide5.xml><?xml version="1.0" encoding="utf-8"?>
-<p:sld xmlns:a="http://schemas.openxmlformats.org/drawingml/2006/main" xmlns:r="http://schemas.openxmlformats.org/officeDocument/2006/relationships" xmlns:p="http://schemas.openxmlformats.org/presentationml/2006/main">
-  <p:cSld>
-    <p:spTree>
-      <p:nvGrpSpPr>
-        <p:cNvPr id="1" name=""/>
-        <p:cNvGrpSpPr/>
-        <p:nvPr/>
-      </p:nvGrpSpPr>
-      <p:grpSpPr>
-        <a:xfrm>
-          <a:off x="0" y="0"/>
-          <a:ext cx="0" cy="0"/>
-          <a:chOff x="0" y="0"/>
-          <a:chExt cx="0" cy="0"/>
-        </a:xfrm>
-      </p:grpSpPr>
-      <p:sp>
-        <p:nvSpPr>
-          <p:cNvPr id="2" name="Titolo 1">
-            <a:extLst>
-              <a:ext uri="{FF2B5EF4-FFF2-40B4-BE49-F238E27FC236}">
-                <a16:creationId xmlns:a16="http://schemas.microsoft.com/office/drawing/2014/main" xmlns="" id="{8A2BAB9E-D5F8-5DA6-0818-459FAB71B314}"/>
-              </a:ext>
-            </a:extLst>
-          </p:cNvPr>
-          <p:cNvSpPr>
-            <a:spLocks noGrp="1"/>
-          </p:cNvSpPr>
-          <p:nvPr>
-            <p:ph type="title"/>
-          </p:nvPr>
-        </p:nvSpPr>
-        <p:spPr/>
-        <p:txBody>
-          <a:bodyPr/>
-          <a:lstStyle/>
-          <a:p>
-            <a:r>
-              <a:rPr lang="it-IT" dirty="0" err="1"/>
-              <a:t>What</a:t>
-            </a:r>
-            <a:r>
-              <a:rPr lang="it-IT" dirty="0"/>
-              <a:t> </a:t>
-            </a:r>
-            <a:r>
-              <a:rPr lang="it-IT" dirty="0" err="1"/>
-              <a:t>is</a:t>
-            </a:r>
-            <a:r>
-              <a:rPr lang="it-IT" dirty="0"/>
-              <a:t> </a:t>
-            </a:r>
-            <a:r>
-              <a:rPr lang="it-IT" dirty="0" smtClean="0"/>
-              <a:t>an </a:t>
-            </a:r>
-            <a:r>
-              <a:rPr lang="it-IT" dirty="0"/>
-              <a:t>SPA (Single Page Application)</a:t>
-            </a:r>
-          </a:p>
-        </p:txBody>
-      </p:sp>
-      <p:sp>
-        <p:nvSpPr>
-          <p:cNvPr id="3" name="Segnaposto contenuto 2">
-            <a:extLst>
-              <a:ext uri="{FF2B5EF4-FFF2-40B4-BE49-F238E27FC236}">
-                <a16:creationId xmlns:a16="http://schemas.microsoft.com/office/drawing/2014/main" xmlns="" id="{97DE8D40-32F7-71B2-1FEE-05623983497F}"/>
-              </a:ext>
-            </a:extLst>
-          </p:cNvPr>
-          <p:cNvSpPr>
-            <a:spLocks noGrp="1"/>
-          </p:cNvSpPr>
-          <p:nvPr>
-            <p:ph idx="1"/>
-          </p:nvPr>
-        </p:nvSpPr>
-        <p:spPr/>
-        <p:txBody>
-          <a:bodyPr/>
-          <a:lstStyle/>
-          <a:p>
-            <a:r>
-              <a:rPr lang="it-IT" dirty="0" smtClean="0"/>
-              <a:t>An </a:t>
-            </a:r>
-            <a:r>
-              <a:rPr lang="it-IT" dirty="0"/>
-              <a:t>SPA </a:t>
-            </a:r>
-            <a:r>
-              <a:rPr lang="it-IT" dirty="0" err="1"/>
-              <a:t>is</a:t>
-            </a:r>
-            <a:r>
-              <a:rPr lang="it-IT" dirty="0"/>
-              <a:t> a web </a:t>
-            </a:r>
-            <a:r>
-              <a:rPr lang="it-IT" dirty="0" err="1" smtClean="0"/>
-              <a:t>application</a:t>
-            </a:r>
-            <a:r>
-              <a:rPr lang="it-IT" dirty="0" smtClean="0"/>
-              <a:t> </a:t>
-            </a:r>
-            <a:r>
-              <a:rPr lang="it-IT" dirty="0" err="1"/>
-              <a:t>written</a:t>
-            </a:r>
-            <a:r>
-              <a:rPr lang="it-IT" dirty="0"/>
-              <a:t> in the JavaScript </a:t>
-            </a:r>
-            <a:r>
-              <a:rPr lang="it-IT" dirty="0" err="1"/>
-              <a:t>language</a:t>
-            </a:r>
-            <a:r>
-              <a:rPr lang="it-IT" dirty="0"/>
-              <a:t>, </a:t>
-            </a:r>
-            <a:r>
-              <a:rPr lang="it-IT" dirty="0" err="1"/>
-              <a:t>which</a:t>
-            </a:r>
-            <a:r>
-              <a:rPr lang="it-IT" dirty="0"/>
-              <a:t> </a:t>
-            </a:r>
-            <a:r>
-              <a:rPr lang="it-IT" dirty="0" err="1"/>
-              <a:t>is</a:t>
-            </a:r>
-            <a:r>
-              <a:rPr lang="it-IT" dirty="0"/>
-              <a:t> made by a single HTML file </a:t>
-            </a:r>
-            <a:r>
-              <a:rPr lang="it-IT" dirty="0" err="1"/>
-              <a:t>that</a:t>
-            </a:r>
-            <a:r>
-              <a:rPr lang="it-IT" dirty="0"/>
-              <a:t> </a:t>
-            </a:r>
-            <a:r>
-              <a:rPr lang="it-IT" dirty="0" err="1"/>
-              <a:t>contains</a:t>
-            </a:r>
-            <a:r>
-              <a:rPr lang="it-IT" dirty="0"/>
-              <a:t> </a:t>
-            </a:r>
-            <a:r>
-              <a:rPr lang="it-IT" dirty="0" err="1"/>
-              <a:t>many</a:t>
-            </a:r>
-            <a:r>
-              <a:rPr lang="it-IT" dirty="0"/>
-              <a:t> «</a:t>
-            </a:r>
-            <a:r>
-              <a:rPr lang="it-IT" dirty="0" err="1"/>
-              <a:t>logical</a:t>
-            </a:r>
-            <a:r>
-              <a:rPr lang="it-IT" dirty="0"/>
-              <a:t> pages» (</a:t>
-            </a:r>
-            <a:r>
-              <a:rPr lang="it-IT" dirty="0" err="1"/>
-              <a:t>which</a:t>
-            </a:r>
-            <a:r>
-              <a:rPr lang="it-IT" dirty="0"/>
-              <a:t> in the </a:t>
-            </a:r>
-            <a:r>
-              <a:rPr lang="it-IT" dirty="0" err="1"/>
-              <a:t>traditional</a:t>
-            </a:r>
-            <a:r>
-              <a:rPr lang="it-IT" dirty="0"/>
-              <a:t> way of making websites </a:t>
-            </a:r>
-            <a:r>
-              <a:rPr lang="it-IT" dirty="0" err="1"/>
-              <a:t>should</a:t>
-            </a:r>
-            <a:r>
-              <a:rPr lang="it-IT" dirty="0"/>
-              <a:t> be in separate HTML files) </a:t>
-            </a:r>
-            <a:r>
-              <a:rPr lang="it-IT" dirty="0" err="1"/>
-              <a:t>shown</a:t>
-            </a:r>
-            <a:r>
-              <a:rPr lang="it-IT" dirty="0"/>
-              <a:t> one </a:t>
-            </a:r>
-            <a:r>
-              <a:rPr lang="it-IT" dirty="0" err="1"/>
-              <a:t>at</a:t>
-            </a:r>
-            <a:r>
-              <a:rPr lang="it-IT" dirty="0"/>
-              <a:t> a time via code.</a:t>
-            </a:r>
-          </a:p>
-          <a:p>
-            <a:r>
-              <a:rPr lang="it-IT" dirty="0"/>
-              <a:t>With </a:t>
-            </a:r>
-            <a:r>
-              <a:rPr lang="it-IT" dirty="0" err="1"/>
-              <a:t>this</a:t>
-            </a:r>
-            <a:r>
-              <a:rPr lang="it-IT" dirty="0"/>
-              <a:t> </a:t>
-            </a:r>
-            <a:r>
-              <a:rPr lang="it-IT" dirty="0" err="1"/>
-              <a:t>type</a:t>
-            </a:r>
-            <a:r>
-              <a:rPr lang="it-IT" dirty="0"/>
-              <a:t> of </a:t>
-            </a:r>
-            <a:r>
-              <a:rPr lang="it-IT" dirty="0" err="1"/>
-              <a:t>applications</a:t>
-            </a:r>
-            <a:r>
-              <a:rPr lang="it-IT" dirty="0"/>
-              <a:t> the loading of the page </a:t>
-            </a:r>
-            <a:r>
-              <a:rPr lang="it-IT" dirty="0" err="1"/>
-              <a:t>is</a:t>
-            </a:r>
-            <a:r>
-              <a:rPr lang="it-IT" dirty="0"/>
-              <a:t> immediate, </a:t>
-            </a:r>
-            <a:r>
-              <a:rPr lang="it-IT" dirty="0" err="1"/>
-              <a:t>because</a:t>
-            </a:r>
-            <a:r>
-              <a:rPr lang="it-IT" dirty="0"/>
-              <a:t> the </a:t>
-            </a:r>
-            <a:r>
-              <a:rPr lang="it-IT" dirty="0" err="1"/>
-              <a:t>request</a:t>
-            </a:r>
-            <a:r>
-              <a:rPr lang="it-IT" dirty="0"/>
-              <a:t> of the HTML file to the server </a:t>
-            </a:r>
-            <a:r>
-              <a:rPr lang="it-IT" dirty="0" err="1"/>
-              <a:t>is</a:t>
-            </a:r>
-            <a:r>
-              <a:rPr lang="it-IT" dirty="0"/>
-              <a:t> made </a:t>
-            </a:r>
-            <a:r>
-              <a:rPr lang="it-IT" dirty="0" err="1"/>
-              <a:t>only</a:t>
-            </a:r>
-            <a:r>
-              <a:rPr lang="it-IT" dirty="0"/>
-              <a:t> once (and </a:t>
-            </a:r>
-            <a:r>
-              <a:rPr lang="it-IT" dirty="0" err="1"/>
-              <a:t>not</a:t>
-            </a:r>
-            <a:r>
-              <a:rPr lang="it-IT" dirty="0"/>
-              <a:t> </a:t>
-            </a:r>
-            <a:r>
-              <a:rPr lang="it-IT" dirty="0" err="1"/>
-              <a:t>every</a:t>
-            </a:r>
-            <a:r>
-              <a:rPr lang="it-IT" dirty="0"/>
-              <a:t> time a link </a:t>
-            </a:r>
-            <a:r>
-              <a:rPr lang="it-IT" dirty="0" err="1"/>
-              <a:t>is</a:t>
-            </a:r>
-            <a:r>
-              <a:rPr lang="it-IT" dirty="0"/>
-              <a:t> </a:t>
-            </a:r>
-            <a:r>
-              <a:rPr lang="it-IT" dirty="0" err="1"/>
-              <a:t>clicked</a:t>
-            </a:r>
-            <a:r>
-              <a:rPr lang="it-IT" dirty="0"/>
-              <a:t>, like in the </a:t>
-            </a:r>
-            <a:r>
-              <a:rPr lang="it-IT" dirty="0" err="1"/>
-              <a:t>traditional</a:t>
-            </a:r>
-            <a:r>
-              <a:rPr lang="it-IT" dirty="0"/>
-              <a:t> way). The user </a:t>
-            </a:r>
-            <a:r>
-              <a:rPr lang="it-IT" dirty="0" err="1"/>
-              <a:t>has</a:t>
-            </a:r>
-            <a:r>
-              <a:rPr lang="it-IT" dirty="0"/>
-              <a:t> the </a:t>
-            </a:r>
-            <a:r>
-              <a:rPr lang="it-IT" dirty="0" err="1"/>
-              <a:t>perception</a:t>
-            </a:r>
-            <a:r>
-              <a:rPr lang="it-IT" dirty="0"/>
-              <a:t> of </a:t>
-            </a:r>
-            <a:r>
-              <a:rPr lang="it-IT" dirty="0" err="1"/>
-              <a:t>using</a:t>
-            </a:r>
-            <a:r>
-              <a:rPr lang="it-IT" dirty="0"/>
-              <a:t> a </a:t>
-            </a:r>
-            <a:r>
-              <a:rPr lang="it-IT" dirty="0" err="1"/>
-              <a:t>local</a:t>
-            </a:r>
-            <a:r>
-              <a:rPr lang="it-IT" dirty="0"/>
-              <a:t> </a:t>
-            </a:r>
-            <a:r>
-              <a:rPr lang="it-IT" dirty="0" err="1"/>
-              <a:t>application</a:t>
-            </a:r>
-            <a:r>
-              <a:rPr lang="it-IT" dirty="0"/>
-              <a:t> and the use of internet connection </a:t>
-            </a:r>
-            <a:r>
-              <a:rPr lang="it-IT" dirty="0" err="1"/>
-              <a:t>is</a:t>
-            </a:r>
-            <a:r>
-              <a:rPr lang="it-IT" dirty="0"/>
-              <a:t> limited to data </a:t>
-            </a:r>
-            <a:r>
-              <a:rPr lang="it-IT" dirty="0" err="1" smtClean="0"/>
-              <a:t>exchanges</a:t>
-            </a:r>
-            <a:r>
-              <a:rPr lang="it-IT" dirty="0" smtClean="0"/>
-              <a:t> </a:t>
-            </a:r>
-            <a:r>
-              <a:rPr lang="it-IT" dirty="0"/>
-              <a:t>with </a:t>
-            </a:r>
-            <a:r>
-              <a:rPr lang="it-IT" dirty="0" smtClean="0"/>
-              <a:t>the </a:t>
-            </a:r>
-            <a:r>
-              <a:rPr lang="it-IT" dirty="0" err="1" smtClean="0"/>
-              <a:t>servers</a:t>
-            </a:r>
-            <a:r>
-              <a:rPr lang="it-IT" dirty="0"/>
-              <a:t>.</a:t>
-            </a:r>
-          </a:p>
-        </p:txBody>
-      </p:sp>
-    </p:spTree>
-    <p:extLst>
-      <p:ext uri="{BB962C8B-B14F-4D97-AF65-F5344CB8AC3E}">
-        <p14:creationId xmlns:p14="http://schemas.microsoft.com/office/powerpoint/2010/main" val="427733898"/>
-      </p:ext>
-    </p:extLst>
-  </p:cSld>
-  <p:clrMapOvr>
-    <a:masterClrMapping/>
-  </p:clrMapOvr>
-  <p:timing>
-    <p:tnLst>
-      <p:par>
-        <p:cTn id="1" dur="indefinite" restart="never" nodeType="tmRoot"/>
-      </p:par>
-    </p:tnLst>
-  </p:timing>
-</p:sld>
-</file>
-
-<file path=ppt/slides/slide6.xml><?xml version="1.0" encoding="utf-8"?>
 <p:sld xmlns:a="http://schemas.openxmlformats.org/drawingml/2006/main" xmlns:r="http://schemas.openxmlformats.org/officeDocument/2006/relationships" xmlns:p="http://schemas.openxmlformats.org/presentationml/2006/main">
   <p:cSld>
     <p:bg>
@@ -6866,319 +5839,208 @@
       </p:grpSpPr>
       <p:sp>
         <p:nvSpPr>
-          <p:cNvPr id="44" name="Rectangle 43">
+          <p:cNvPr id="2" name="Titolo 1">
             <a:extLst>
               <a:ext uri="{FF2B5EF4-FFF2-40B4-BE49-F238E27FC236}">
-                <a16:creationId xmlns:a16="http://schemas.microsoft.com/office/drawing/2014/main" xmlns="" id="{F240A2FC-E2C3-458D-96B4-5DF9028D93A5}"/>
-              </a:ext>
-              <a:ext uri="{C183D7F6-B498-43B3-948B-1728B52AA6E4}">
-                <adec:decorative xmlns:adec="http://schemas.microsoft.com/office/drawing/2017/decorative" xmlns="" val="1"/>
+                <a16:creationId xmlns:a16="http://schemas.microsoft.com/office/drawing/2014/main" id="{95504341-239D-A30A-A345-A1DFE46AD5A9}"/>
               </a:ext>
             </a:extLst>
           </p:cNvPr>
           <p:cNvSpPr>
-            <a:spLocks noGrp="1" noRot="1" noChangeAspect="1" noMove="1" noResize="1" noEditPoints="1" noAdjustHandles="1" noChangeArrowheads="1" noChangeShapeType="1" noTextEdit="1"/>
-          </p:cNvSpPr>
-          <p:nvPr>
-            <p:extLst>
-              <p:ext uri="{386F3935-93C4-4BCD-93E2-E3B085C9AB24}">
-                <p16:designElem xmlns:p16="http://schemas.microsoft.com/office/powerpoint/2015/main" xmlns="" val="1"/>
-              </p:ext>
-            </p:extLst>
-          </p:nvPr>
-        </p:nvSpPr>
-        <p:spPr>
-          <a:xfrm>
-            <a:off x="1" y="6400800"/>
-            <a:ext cx="12192000" cy="457200"/>
-          </a:xfrm>
-          <a:prstGeom prst="rect">
-            <a:avLst/>
-          </a:prstGeom>
-          <a:solidFill>
-            <a:schemeClr val="accent2"/>
-          </a:solidFill>
-          <a:ln>
-            <a:noFill/>
-          </a:ln>
-        </p:spPr>
-        <p:style>
-          <a:lnRef idx="2">
-            <a:schemeClr val="accent1">
-              <a:shade val="50000"/>
-            </a:schemeClr>
-          </a:lnRef>
-          <a:fillRef idx="1">
-            <a:schemeClr val="accent1"/>
-          </a:fillRef>
-          <a:effectRef idx="0">
-            <a:schemeClr val="accent1"/>
-          </a:effectRef>
-          <a:fontRef idx="minor">
-            <a:schemeClr val="lt1"/>
-          </a:fontRef>
-        </p:style>
-        <p:txBody>
-          <a:bodyPr/>
+            <a:spLocks noGrp="1"/>
+          </p:cNvSpPr>
+          <p:nvPr>
+            <p:ph type="title"/>
+          </p:nvPr>
+        </p:nvSpPr>
+        <p:spPr/>
+        <p:txBody>
+          <a:bodyPr vert="horz" lIns="91440" tIns="45720" rIns="91440" bIns="45720" rtlCol="0" anchor="b">
+            <a:normAutofit fontScale="90000"/>
+          </a:bodyPr>
           <a:lstStyle/>
           <a:p>
-            <a:endParaRPr lang="it-IT"/>
-          </a:p>
-        </p:txBody>
-      </p:sp>
-      <p:sp>
-        <p:nvSpPr>
-          <p:cNvPr id="46" name="Rectangle 45">
+            <a:r>
+              <a:rPr lang="it-IT" sz="6600" dirty="0" err="1"/>
+              <a:t>What</a:t>
+            </a:r>
+            <a:r>
+              <a:rPr lang="it-IT" sz="6600" dirty="0"/>
+              <a:t> </a:t>
+            </a:r>
+            <a:r>
+              <a:rPr lang="it-IT" sz="6600" dirty="0" err="1"/>
+              <a:t>is</a:t>
+            </a:r>
+            <a:r>
+              <a:rPr lang="it-IT" sz="6600" dirty="0"/>
+              <a:t> a Single Page Application (SPA)?</a:t>
+            </a:r>
+            <a:endParaRPr lang="en-US" sz="6100" dirty="0">
+              <a:solidFill>
+                <a:schemeClr val="tx1">
+                  <a:lumMod val="85000"/>
+                  <a:lumOff val="15000"/>
+                </a:schemeClr>
+              </a:solidFill>
+            </a:endParaRPr>
+          </a:p>
+        </p:txBody>
+      </p:sp>
+      <p:sp>
+        <p:nvSpPr>
+          <p:cNvPr id="4" name="Segnaposto contenuto 3">
             <a:extLst>
               <a:ext uri="{FF2B5EF4-FFF2-40B4-BE49-F238E27FC236}">
-                <a16:creationId xmlns:a16="http://schemas.microsoft.com/office/drawing/2014/main" xmlns="" id="{5F097929-F3D6-4D1F-8AFC-CF348171A9E1}"/>
-              </a:ext>
-              <a:ext uri="{C183D7F6-B498-43B3-948B-1728B52AA6E4}">
-                <adec:decorative xmlns:adec="http://schemas.microsoft.com/office/drawing/2017/decorative" xmlns="" val="1"/>
+                <a16:creationId xmlns:a16="http://schemas.microsoft.com/office/drawing/2014/main" id="{E0AC814D-6AD9-7689-A7FE-24E70BD50D74}"/>
               </a:ext>
             </a:extLst>
           </p:cNvPr>
           <p:cNvSpPr>
-            <a:spLocks noGrp="1" noRot="1" noChangeAspect="1" noMove="1" noResize="1" noEditPoints="1" noAdjustHandles="1" noChangeArrowheads="1" noChangeShapeType="1" noTextEdit="1"/>
-          </p:cNvSpPr>
-          <p:nvPr>
-            <p:extLst>
-              <p:ext uri="{386F3935-93C4-4BCD-93E2-E3B085C9AB24}">
-                <p16:designElem xmlns:p16="http://schemas.microsoft.com/office/powerpoint/2015/main" xmlns="" val="1"/>
-              </p:ext>
-            </p:extLst>
-          </p:nvPr>
-        </p:nvSpPr>
-        <p:spPr>
-          <a:xfrm>
-            <a:off x="1" y="6334316"/>
-            <a:ext cx="12192000" cy="66484"/>
-          </a:xfrm>
-          <a:prstGeom prst="rect">
-            <a:avLst/>
-          </a:prstGeom>
-          <a:solidFill>
-            <a:schemeClr val="accent1"/>
-          </a:solidFill>
-          <a:ln>
-            <a:noFill/>
-          </a:ln>
-        </p:spPr>
-        <p:style>
-          <a:lnRef idx="2">
-            <a:schemeClr val="accent1">
-              <a:shade val="50000"/>
-            </a:schemeClr>
-          </a:lnRef>
-          <a:fillRef idx="1">
-            <a:schemeClr val="accent1"/>
-          </a:fillRef>
-          <a:effectRef idx="0">
-            <a:schemeClr val="accent1"/>
-          </a:effectRef>
-          <a:fontRef idx="minor">
-            <a:schemeClr val="lt1"/>
-          </a:fontRef>
-        </p:style>
+            <a:spLocks noGrp="1"/>
+          </p:cNvSpPr>
+          <p:nvPr>
+            <p:ph sz="half" idx="1"/>
+          </p:nvPr>
+        </p:nvSpPr>
+        <p:spPr/>
         <p:txBody>
           <a:bodyPr/>
           <a:lstStyle/>
           <a:p>
-            <a:endParaRPr lang="it-IT"/>
-          </a:p>
-        </p:txBody>
-      </p:sp>
-      <p:cxnSp>
-        <p:nvCxnSpPr>
-          <p:cNvPr id="48" name="Straight Connector 47">
+            <a:pPr lvl="1"/>
+            <a:r>
+              <a:rPr lang="it-IT" dirty="0"/>
+              <a:t>Web </a:t>
+            </a:r>
+            <a:r>
+              <a:rPr lang="it-IT" dirty="0" err="1"/>
+              <a:t>application</a:t>
+            </a:r>
+            <a:r>
+              <a:rPr lang="it-IT" dirty="0"/>
+              <a:t> </a:t>
+            </a:r>
+            <a:r>
+              <a:rPr lang="it-IT" dirty="0" err="1"/>
+              <a:t>written</a:t>
+            </a:r>
+            <a:r>
+              <a:rPr lang="it-IT" dirty="0"/>
+              <a:t> in JavaScript programming </a:t>
+            </a:r>
+            <a:r>
+              <a:rPr lang="it-IT" dirty="0" err="1"/>
+              <a:t>language</a:t>
+            </a:r>
+            <a:endParaRPr lang="it-IT" dirty="0"/>
+          </a:p>
+          <a:p>
+            <a:pPr lvl="1"/>
+            <a:r>
+              <a:rPr lang="it-IT" dirty="0" err="1"/>
+              <a:t>Only</a:t>
+            </a:r>
+            <a:r>
+              <a:rPr lang="it-IT" dirty="0"/>
+              <a:t> one HTML file that </a:t>
+            </a:r>
+            <a:r>
+              <a:rPr lang="it-IT" dirty="0" err="1"/>
+              <a:t>contains</a:t>
+            </a:r>
+            <a:r>
+              <a:rPr lang="it-IT" dirty="0"/>
+              <a:t> all the </a:t>
+            </a:r>
+            <a:r>
+              <a:rPr lang="it-IT" dirty="0" err="1"/>
+              <a:t>content</a:t>
+            </a:r>
+            <a:endParaRPr lang="it-IT" dirty="0"/>
+          </a:p>
+          <a:p>
+            <a:pPr lvl="1"/>
+            <a:r>
+              <a:rPr lang="it-IT" dirty="0" err="1"/>
+              <a:t>Only</a:t>
+            </a:r>
+            <a:r>
+              <a:rPr lang="it-IT" dirty="0"/>
+              <a:t> one </a:t>
+            </a:r>
+            <a:r>
+              <a:rPr lang="it-IT" dirty="0" err="1"/>
+              <a:t>request</a:t>
+            </a:r>
+            <a:r>
+              <a:rPr lang="it-IT" dirty="0"/>
+              <a:t> to the server</a:t>
+            </a:r>
+          </a:p>
+          <a:p>
+            <a:pPr lvl="1"/>
+            <a:r>
+              <a:rPr lang="it-IT" dirty="0"/>
+              <a:t>Page </a:t>
+            </a:r>
+            <a:r>
+              <a:rPr lang="it-IT" dirty="0" err="1"/>
+              <a:t>change</a:t>
+            </a:r>
+            <a:r>
+              <a:rPr lang="it-IT" dirty="0"/>
+              <a:t> </a:t>
+            </a:r>
+            <a:r>
+              <a:rPr lang="it-IT" dirty="0" err="1"/>
+              <a:t>is</a:t>
+            </a:r>
+            <a:r>
+              <a:rPr lang="it-IT" dirty="0"/>
+              <a:t> immediate (there </a:t>
+            </a:r>
+            <a:r>
+              <a:rPr lang="it-IT" dirty="0" err="1"/>
+              <a:t>isn’t</a:t>
+            </a:r>
+            <a:r>
+              <a:rPr lang="it-IT" dirty="0"/>
+              <a:t> a </a:t>
+            </a:r>
+            <a:r>
+              <a:rPr lang="it-IT" dirty="0" err="1"/>
+              <a:t>request</a:t>
+            </a:r>
+            <a:r>
+              <a:rPr lang="it-IT" dirty="0"/>
+              <a:t> to the server)</a:t>
+            </a:r>
+          </a:p>
+          <a:p>
+            <a:pPr lvl="1"/>
+            <a:endParaRPr lang="it-IT" dirty="0"/>
+          </a:p>
+          <a:p>
+            <a:endParaRPr lang="it-IT" dirty="0"/>
+          </a:p>
+        </p:txBody>
+      </p:sp>
+      <p:pic>
+        <p:nvPicPr>
+          <p:cNvPr id="6" name="Segnaposto contenuto 5" descr="Immagine che contiene testo, diagramma, schermata, linea&#10;&#10;Descrizione generata automaticamente">
             <a:extLst>
               <a:ext uri="{FF2B5EF4-FFF2-40B4-BE49-F238E27FC236}">
-                <a16:creationId xmlns:a16="http://schemas.microsoft.com/office/drawing/2014/main" xmlns="" id="{43074C91-9045-414B-B5F9-567DAE3EED25}"/>
-              </a:ext>
-              <a:ext uri="{C183D7F6-B498-43B3-948B-1728B52AA6E4}">
-                <adec:decorative xmlns:adec="http://schemas.microsoft.com/office/drawing/2017/decorative" xmlns="" val="1"/>
-              </a:ext>
-            </a:extLst>
-          </p:cNvPr>
-          <p:cNvCxnSpPr>
-            <a:cxnSpLocks noGrp="1" noRot="1" noChangeAspect="1" noMove="1" noResize="1" noEditPoints="1" noAdjustHandles="1" noChangeArrowheads="1" noChangeShapeType="1"/>
-          </p:cNvCxnSpPr>
-          <p:nvPr>
-            <p:extLst>
-              <p:ext uri="{386F3935-93C4-4BCD-93E2-E3B085C9AB24}">
-                <p16:designElem xmlns:p16="http://schemas.microsoft.com/office/powerpoint/2015/main" xmlns="" val="1"/>
-              </p:ext>
-            </p:extLst>
-          </p:nvPr>
-        </p:nvCxnSpPr>
-        <p:spPr>
-          <a:xfrm>
-            <a:off x="1207658" y="4343400"/>
-            <a:ext cx="9875520" cy="0"/>
-          </a:xfrm>
-          <a:prstGeom prst="line">
-            <a:avLst/>
-          </a:prstGeom>
-          <a:ln w="6350">
-            <a:solidFill>
-              <a:schemeClr val="tx1">
-                <a:lumMod val="50000"/>
-                <a:lumOff val="50000"/>
-              </a:schemeClr>
-            </a:solidFill>
-          </a:ln>
-        </p:spPr>
-        <p:style>
-          <a:lnRef idx="1">
-            <a:schemeClr val="accent1"/>
-          </a:lnRef>
-          <a:fillRef idx="0">
-            <a:schemeClr val="accent1"/>
-          </a:fillRef>
-          <a:effectRef idx="0">
-            <a:schemeClr val="accent1"/>
-          </a:effectRef>
-          <a:fontRef idx="minor">
-            <a:schemeClr val="tx1"/>
-          </a:fontRef>
-        </p:style>
-      </p:cxnSp>
-      <p:sp useBgFill="1">
-        <p:nvSpPr>
-          <p:cNvPr id="50" name="Rectangle 49">
-            <a:extLst>
-              <a:ext uri="{FF2B5EF4-FFF2-40B4-BE49-F238E27FC236}">
-                <a16:creationId xmlns:a16="http://schemas.microsoft.com/office/drawing/2014/main" xmlns="" id="{33428ACC-71EC-4171-9527-10983BA6B41D}"/>
-              </a:ext>
-              <a:ext uri="{C183D7F6-B498-43B3-948B-1728B52AA6E4}">
-                <adec:decorative xmlns:adec="http://schemas.microsoft.com/office/drawing/2017/decorative" xmlns="" val="1"/>
-              </a:ext>
-            </a:extLst>
-          </p:cNvPr>
-          <p:cNvSpPr>
-            <a:spLocks noGrp="1" noRot="1" noChangeAspect="1" noMove="1" noResize="1" noEditPoints="1" noAdjustHandles="1" noChangeArrowheads="1" noChangeShapeType="1" noTextEdit="1"/>
-          </p:cNvSpPr>
-          <p:nvPr>
-            <p:extLst>
-              <p:ext uri="{386F3935-93C4-4BCD-93E2-E3B085C9AB24}">
-                <p16:designElem xmlns:p16="http://schemas.microsoft.com/office/powerpoint/2015/main" xmlns="" val="1"/>
-              </p:ext>
-            </p:extLst>
-          </p:nvPr>
-        </p:nvSpPr>
-        <p:spPr>
-          <a:xfrm>
-            <a:off x="0" y="0"/>
-            <a:ext cx="12192001" cy="6334316"/>
-          </a:xfrm>
-          <a:prstGeom prst="rect">
-            <a:avLst/>
-          </a:prstGeom>
-          <a:ln>
-            <a:noFill/>
-          </a:ln>
-        </p:spPr>
-        <p:style>
-          <a:lnRef idx="2">
-            <a:schemeClr val="accent1">
-              <a:shade val="50000"/>
-            </a:schemeClr>
-          </a:lnRef>
-          <a:fillRef idx="1">
-            <a:schemeClr val="accent1"/>
-          </a:fillRef>
-          <a:effectRef idx="0">
-            <a:schemeClr val="accent1"/>
-          </a:effectRef>
-          <a:fontRef idx="minor">
-            <a:schemeClr val="lt1"/>
-          </a:fontRef>
-        </p:style>
-        <p:txBody>
-          <a:bodyPr rtlCol="0" anchor="ctr"/>
-          <a:lstStyle/>
-          <a:p>
-            <a:pPr algn="ctr"/>
-            <a:endParaRPr lang="en-US"/>
-          </a:p>
-        </p:txBody>
-      </p:sp>
-      <p:sp>
-        <p:nvSpPr>
-          <p:cNvPr id="2" name="Titolo 1">
-            <a:extLst>
-              <a:ext uri="{FF2B5EF4-FFF2-40B4-BE49-F238E27FC236}">
-                <a16:creationId xmlns:a16="http://schemas.microsoft.com/office/drawing/2014/main" xmlns="" id="{95504341-239D-A30A-A345-A1DFE46AD5A9}"/>
-              </a:ext>
-            </a:extLst>
-          </p:cNvPr>
-          <p:cNvSpPr>
-            <a:spLocks noGrp="1"/>
-          </p:cNvSpPr>
-          <p:nvPr>
-            <p:ph type="title"/>
-          </p:nvPr>
-        </p:nvSpPr>
-        <p:spPr>
-          <a:xfrm>
-            <a:off x="8141110" y="639097"/>
-            <a:ext cx="3401961" cy="3686015"/>
-          </a:xfrm>
-        </p:spPr>
-        <p:txBody>
-          <a:bodyPr vert="horz" lIns="91440" tIns="45720" rIns="91440" bIns="45720" rtlCol="0" anchor="b">
-            <a:normAutofit/>
-          </a:bodyPr>
-          <a:lstStyle/>
-          <a:p>
-            <a:r>
-              <a:rPr lang="en-US" sz="6100">
-                <a:solidFill>
-                  <a:schemeClr val="tx1">
-                    <a:lumMod val="85000"/>
-                    <a:lumOff val="15000"/>
-                  </a:schemeClr>
-                </a:solidFill>
-              </a:rPr>
-              <a:t>Traditional VS </a:t>
-            </a:r>
-            <a:br>
-              <a:rPr lang="en-US" sz="6100">
-                <a:solidFill>
-                  <a:schemeClr val="tx1">
-                    <a:lumMod val="85000"/>
-                    <a:lumOff val="15000"/>
-                  </a:schemeClr>
-                </a:solidFill>
-              </a:rPr>
-            </a:br>
-            <a:r>
-              <a:rPr lang="en-US" sz="6100">
-                <a:solidFill>
-                  <a:schemeClr val="tx1">
-                    <a:lumMod val="85000"/>
-                    <a:lumOff val="15000"/>
-                  </a:schemeClr>
-                </a:solidFill>
-              </a:rPr>
-              <a:t>SPA</a:t>
-            </a:r>
-          </a:p>
-        </p:txBody>
-      </p:sp>
-      <p:pic>
-        <p:nvPicPr>
-          <p:cNvPr id="9" name="Immagine 8" descr="Immagine che contiene testo, diagramma, schermata, linea&#10;&#10;Descrizione generata automaticamente">
-            <a:extLst>
-              <a:ext uri="{FF2B5EF4-FFF2-40B4-BE49-F238E27FC236}">
-                <a16:creationId xmlns:a16="http://schemas.microsoft.com/office/drawing/2014/main" xmlns="" id="{D96DC775-33DF-6030-C39C-851749F5723D}"/>
+                <a16:creationId xmlns:a16="http://schemas.microsoft.com/office/drawing/2014/main" id="{EC04781D-4155-133B-2B42-39BECC4B04F2}"/>
               </a:ext>
             </a:extLst>
           </p:cNvPr>
           <p:cNvPicPr>
-            <a:picLocks noChangeAspect="1"/>
+            <a:picLocks noGrp="1" noChangeAspect="1"/>
           </p:cNvPicPr>
-          <p:nvPr/>
+          <p:nvPr>
+            <p:ph sz="half" idx="2"/>
+          </p:nvPr>
         </p:nvPicPr>
         <p:blipFill>
           <a:blip r:embed="rId2"/>
@@ -7188,192 +6050,14 @@
         </p:blipFill>
         <p:spPr>
           <a:xfrm>
-            <a:off x="1394558" y="640081"/>
-            <a:ext cx="5391099" cy="5054156"/>
+            <a:off x="6541743" y="1846263"/>
+            <a:ext cx="4290114" cy="4022725"/>
           </a:xfrm>
           <a:prstGeom prst="rect">
             <a:avLst/>
           </a:prstGeom>
         </p:spPr>
       </p:pic>
-      <p:cxnSp>
-        <p:nvCxnSpPr>
-          <p:cNvPr id="52" name="Straight Connector 51">
-            <a:extLst>
-              <a:ext uri="{FF2B5EF4-FFF2-40B4-BE49-F238E27FC236}">
-                <a16:creationId xmlns:a16="http://schemas.microsoft.com/office/drawing/2014/main" xmlns="" id="{BA22713B-ABB6-4391-97F9-0449A2B9B664}"/>
-              </a:ext>
-              <a:ext uri="{C183D7F6-B498-43B3-948B-1728B52AA6E4}">
-                <adec:decorative xmlns:adec="http://schemas.microsoft.com/office/drawing/2017/decorative" xmlns="" val="1"/>
-              </a:ext>
-            </a:extLst>
-          </p:cNvPr>
-          <p:cNvCxnSpPr>
-            <a:cxnSpLocks noGrp="1" noRot="1" noChangeAspect="1" noMove="1" noResize="1" noEditPoints="1" noAdjustHandles="1" noChangeArrowheads="1" noChangeShapeType="1"/>
-          </p:cNvCxnSpPr>
-          <p:nvPr>
-            <p:extLst>
-              <p:ext uri="{386F3935-93C4-4BCD-93E2-E3B085C9AB24}">
-                <p16:designElem xmlns:p16="http://schemas.microsoft.com/office/powerpoint/2015/main" xmlns="" val="1"/>
-              </p:ext>
-            </p:extLst>
-          </p:nvPr>
-        </p:nvCxnSpPr>
-        <p:spPr>
-          <a:xfrm>
-            <a:off x="8209305" y="4343400"/>
-            <a:ext cx="3200400" cy="0"/>
-          </a:xfrm>
-          <a:prstGeom prst="line">
-            <a:avLst/>
-          </a:prstGeom>
-          <a:ln w="6350">
-            <a:solidFill>
-              <a:schemeClr val="tx2">
-                <a:alpha val="90000"/>
-              </a:schemeClr>
-            </a:solidFill>
-          </a:ln>
-        </p:spPr>
-        <p:style>
-          <a:lnRef idx="1">
-            <a:schemeClr val="accent1"/>
-          </a:lnRef>
-          <a:fillRef idx="0">
-            <a:schemeClr val="accent1"/>
-          </a:fillRef>
-          <a:effectRef idx="0">
-            <a:schemeClr val="accent1"/>
-          </a:effectRef>
-          <a:fontRef idx="minor">
-            <a:schemeClr val="tx1"/>
-          </a:fontRef>
-        </p:style>
-      </p:cxnSp>
-      <p:sp>
-        <p:nvSpPr>
-          <p:cNvPr id="54" name="Rectangle 53">
-            <a:extLst>
-              <a:ext uri="{FF2B5EF4-FFF2-40B4-BE49-F238E27FC236}">
-                <a16:creationId xmlns:a16="http://schemas.microsoft.com/office/drawing/2014/main" xmlns="" id="{2B9BBBC4-97A3-47D2-BFFE-A68530CDB9DC}"/>
-              </a:ext>
-              <a:ext uri="{C183D7F6-B498-43B3-948B-1728B52AA6E4}">
-                <adec:decorative xmlns:adec="http://schemas.microsoft.com/office/drawing/2017/decorative" xmlns="" val="1"/>
-              </a:ext>
-            </a:extLst>
-          </p:cNvPr>
-          <p:cNvSpPr>
-            <a:spLocks noGrp="1" noRot="1" noChangeAspect="1" noMove="1" noResize="1" noEditPoints="1" noAdjustHandles="1" noChangeArrowheads="1" noChangeShapeType="1" noTextEdit="1"/>
-          </p:cNvSpPr>
-          <p:nvPr>
-            <p:extLst>
-              <p:ext uri="{386F3935-93C4-4BCD-93E2-E3B085C9AB24}">
-                <p16:designElem xmlns:p16="http://schemas.microsoft.com/office/powerpoint/2015/main" xmlns="" val="1"/>
-              </p:ext>
-            </p:extLst>
-          </p:nvPr>
-        </p:nvSpPr>
-        <p:spPr>
-          <a:xfrm>
-            <a:off x="15" y="6334316"/>
-            <a:ext cx="12191985" cy="66484"/>
-          </a:xfrm>
-          <a:prstGeom prst="rect">
-            <a:avLst/>
-          </a:prstGeom>
-          <a:solidFill>
-            <a:srgbClr val="71BBFF"/>
-          </a:solidFill>
-          <a:ln>
-            <a:noFill/>
-          </a:ln>
-        </p:spPr>
-        <p:style>
-          <a:lnRef idx="2">
-            <a:schemeClr val="accent1">
-              <a:shade val="50000"/>
-            </a:schemeClr>
-          </a:lnRef>
-          <a:fillRef idx="1">
-            <a:schemeClr val="accent1"/>
-          </a:fillRef>
-          <a:effectRef idx="0">
-            <a:schemeClr val="accent1"/>
-          </a:effectRef>
-          <a:fontRef idx="minor">
-            <a:schemeClr val="lt1"/>
-          </a:fontRef>
-        </p:style>
-        <p:txBody>
-          <a:bodyPr/>
-          <a:lstStyle/>
-          <a:p>
-            <a:endParaRPr lang="it-IT"/>
-          </a:p>
-        </p:txBody>
-      </p:sp>
-      <p:sp>
-        <p:nvSpPr>
-          <p:cNvPr id="56" name="Rectangle 55">
-            <a:extLst>
-              <a:ext uri="{FF2B5EF4-FFF2-40B4-BE49-F238E27FC236}">
-                <a16:creationId xmlns:a16="http://schemas.microsoft.com/office/drawing/2014/main" xmlns="" id="{78967BEA-EA6A-4FF1-94E2-B010B61A36A9}"/>
-              </a:ext>
-              <a:ext uri="{C183D7F6-B498-43B3-948B-1728B52AA6E4}">
-                <adec:decorative xmlns:adec="http://schemas.microsoft.com/office/drawing/2017/decorative" xmlns="" val="1"/>
-              </a:ext>
-            </a:extLst>
-          </p:cNvPr>
-          <p:cNvSpPr>
-            <a:spLocks noGrp="1" noRot="1" noChangeAspect="1" noMove="1" noResize="1" noEditPoints="1" noAdjustHandles="1" noChangeArrowheads="1" noChangeShapeType="1" noTextEdit="1"/>
-          </p:cNvSpPr>
-          <p:nvPr>
-            <p:extLst>
-              <p:ext uri="{386F3935-93C4-4BCD-93E2-E3B085C9AB24}">
-                <p16:designElem xmlns:p16="http://schemas.microsoft.com/office/powerpoint/2015/main" xmlns="" val="1"/>
-              </p:ext>
-            </p:extLst>
-          </p:nvPr>
-        </p:nvSpPr>
-        <p:spPr>
-          <a:xfrm>
-            <a:off x="1" y="6400800"/>
-            <a:ext cx="12192000" cy="457200"/>
-          </a:xfrm>
-          <a:prstGeom prst="rect">
-            <a:avLst/>
-          </a:prstGeom>
-          <a:solidFill>
-            <a:schemeClr val="accent2"/>
-          </a:solidFill>
-          <a:ln>
-            <a:noFill/>
-          </a:ln>
-        </p:spPr>
-        <p:style>
-          <a:lnRef idx="2">
-            <a:schemeClr val="accent1">
-              <a:shade val="50000"/>
-            </a:schemeClr>
-          </a:lnRef>
-          <a:fillRef idx="1">
-            <a:schemeClr val="accent1"/>
-          </a:fillRef>
-          <a:effectRef idx="0">
-            <a:schemeClr val="accent1"/>
-          </a:effectRef>
-          <a:fontRef idx="minor">
-            <a:schemeClr val="lt1"/>
-          </a:fontRef>
-        </p:style>
-        <p:txBody>
-          <a:bodyPr/>
-          <a:lstStyle/>
-          <a:p>
-            <a:endParaRPr lang="it-IT"/>
-          </a:p>
-        </p:txBody>
-      </p:sp>
     </p:spTree>
     <p:extLst>
       <p:ext uri="{BB962C8B-B14F-4D97-AF65-F5344CB8AC3E}">
@@ -7384,13 +6068,303 @@
   <p:clrMapOvr>
     <a:masterClrMapping/>
   </p:clrMapOvr>
-  <p:timing>
-    <p:tnLst>
-      <p:par>
-        <p:cTn id="1" dur="indefinite" restart="never" nodeType="tmRoot"/>
-      </p:par>
-    </p:tnLst>
-  </p:timing>
+</p:sld>
+</file>
+
+<file path=ppt/slides/slide6.xml><?xml version="1.0" encoding="utf-8"?>
+<p:sld xmlns:a="http://schemas.openxmlformats.org/drawingml/2006/main" xmlns:r="http://schemas.openxmlformats.org/officeDocument/2006/relationships" xmlns:p="http://schemas.openxmlformats.org/presentationml/2006/main">
+  <p:cSld>
+    <p:spTree>
+      <p:nvGrpSpPr>
+        <p:cNvPr id="1" name=""/>
+        <p:cNvGrpSpPr/>
+        <p:nvPr/>
+      </p:nvGrpSpPr>
+      <p:grpSpPr>
+        <a:xfrm>
+          <a:off x="0" y="0"/>
+          <a:ext cx="0" cy="0"/>
+          <a:chOff x="0" y="0"/>
+          <a:chExt cx="0" cy="0"/>
+        </a:xfrm>
+      </p:grpSpPr>
+      <p:sp>
+        <p:nvSpPr>
+          <p:cNvPr id="2" name="Titolo 1">
+            <a:extLst>
+              <a:ext uri="{FF2B5EF4-FFF2-40B4-BE49-F238E27FC236}">
+                <a16:creationId xmlns:a16="http://schemas.microsoft.com/office/drawing/2014/main" id="{88019049-A877-BD6F-B449-8931FE1E5F76}"/>
+              </a:ext>
+            </a:extLst>
+          </p:cNvPr>
+          <p:cNvSpPr>
+            <a:spLocks noGrp="1"/>
+          </p:cNvSpPr>
+          <p:nvPr>
+            <p:ph type="title"/>
+          </p:nvPr>
+        </p:nvSpPr>
+        <p:spPr/>
+        <p:txBody>
+          <a:bodyPr/>
+          <a:lstStyle/>
+          <a:p>
+            <a:r>
+              <a:rPr lang="it-IT" dirty="0"/>
+              <a:t>Component-</a:t>
+            </a:r>
+            <a:r>
+              <a:rPr lang="it-IT" dirty="0" err="1"/>
+              <a:t>Based</a:t>
+            </a:r>
+            <a:r>
+              <a:rPr lang="it-IT" dirty="0"/>
+              <a:t> </a:t>
+            </a:r>
+            <a:r>
+              <a:rPr lang="it-IT" dirty="0" err="1"/>
+              <a:t>architecture</a:t>
+            </a:r>
+            <a:endParaRPr lang="it-IT" dirty="0"/>
+          </a:p>
+        </p:txBody>
+      </p:sp>
+      <p:sp>
+        <p:nvSpPr>
+          <p:cNvPr id="3" name="Segnaposto contenuto 2">
+            <a:extLst>
+              <a:ext uri="{FF2B5EF4-FFF2-40B4-BE49-F238E27FC236}">
+                <a16:creationId xmlns:a16="http://schemas.microsoft.com/office/drawing/2014/main" id="{291D7422-4888-7535-C6A3-F29DAC54C230}"/>
+              </a:ext>
+            </a:extLst>
+          </p:cNvPr>
+          <p:cNvSpPr>
+            <a:spLocks noGrp="1"/>
+          </p:cNvSpPr>
+          <p:nvPr>
+            <p:ph sz="half" idx="1"/>
+          </p:nvPr>
+        </p:nvSpPr>
+        <p:spPr/>
+        <p:txBody>
+          <a:bodyPr/>
+          <a:lstStyle/>
+          <a:p>
+            <a:pPr lvl="1"/>
+            <a:r>
+              <a:rPr lang="it-IT" dirty="0"/>
+              <a:t>Divide the </a:t>
+            </a:r>
+            <a:r>
+              <a:rPr lang="it-IT" dirty="0" err="1"/>
+              <a:t>development</a:t>
+            </a:r>
+            <a:r>
+              <a:rPr lang="it-IT" dirty="0"/>
+              <a:t> of separate parts of an </a:t>
+            </a:r>
+            <a:r>
+              <a:rPr lang="it-IT" dirty="0" err="1"/>
+              <a:t>application</a:t>
+            </a:r>
+            <a:r>
+              <a:rPr lang="it-IT" dirty="0"/>
+              <a:t> in single </a:t>
+            </a:r>
+            <a:r>
+              <a:rPr lang="it-IT" dirty="0" err="1"/>
+              <a:t>components</a:t>
+            </a:r>
+            <a:endParaRPr lang="it-IT" dirty="0"/>
+          </a:p>
+          <a:p>
+            <a:pPr lvl="1"/>
+            <a:r>
+              <a:rPr lang="it-IT" dirty="0"/>
+              <a:t>Developers work in </a:t>
+            </a:r>
+            <a:r>
+              <a:rPr lang="it-IT" dirty="0" err="1"/>
+              <a:t>parallel</a:t>
+            </a:r>
+            <a:endParaRPr lang="it-IT" dirty="0"/>
+          </a:p>
+          <a:p>
+            <a:pPr lvl="1"/>
+            <a:r>
+              <a:rPr lang="it-IT" dirty="0"/>
+              <a:t>Code </a:t>
+            </a:r>
+            <a:r>
+              <a:rPr lang="it-IT" dirty="0" err="1"/>
+              <a:t>is</a:t>
+            </a:r>
+            <a:r>
+              <a:rPr lang="it-IT" dirty="0"/>
+              <a:t> more </a:t>
+            </a:r>
+            <a:r>
+              <a:rPr lang="it-IT" dirty="0" err="1"/>
+              <a:t>readable</a:t>
+            </a:r>
+            <a:r>
+              <a:rPr lang="it-IT" dirty="0"/>
+              <a:t> and </a:t>
+            </a:r>
+            <a:r>
+              <a:rPr lang="it-IT" dirty="0" err="1"/>
+              <a:t>maintainable</a:t>
+            </a:r>
+            <a:endParaRPr lang="it-IT" dirty="0"/>
+          </a:p>
+          <a:p>
+            <a:pPr lvl="1"/>
+            <a:r>
+              <a:rPr lang="it-IT" dirty="0" err="1"/>
+              <a:t>Similiar</a:t>
+            </a:r>
+            <a:r>
+              <a:rPr lang="it-IT" dirty="0"/>
+              <a:t> </a:t>
+            </a:r>
+            <a:r>
+              <a:rPr lang="it-IT" dirty="0" err="1"/>
+              <a:t>components</a:t>
+            </a:r>
+            <a:r>
+              <a:rPr lang="it-IT" dirty="0"/>
+              <a:t> can be </a:t>
+            </a:r>
+            <a:r>
+              <a:rPr lang="it-IT" dirty="0" err="1"/>
+              <a:t>grouped</a:t>
+            </a:r>
+            <a:r>
+              <a:rPr lang="it-IT" dirty="0"/>
+              <a:t> in </a:t>
+            </a:r>
+            <a:r>
+              <a:rPr lang="it-IT" b="1" dirty="0" err="1"/>
+              <a:t>modules</a:t>
+            </a:r>
+            <a:endParaRPr lang="it-IT" b="1" dirty="0"/>
+          </a:p>
+          <a:p>
+            <a:pPr lvl="1"/>
+            <a:r>
+              <a:rPr lang="it-IT" dirty="0" err="1"/>
+              <a:t>Guided</a:t>
+            </a:r>
+            <a:r>
+              <a:rPr lang="it-IT" dirty="0"/>
+              <a:t> by:</a:t>
+            </a:r>
+          </a:p>
+          <a:p>
+            <a:pPr lvl="2"/>
+            <a:r>
+              <a:rPr lang="en-US" b="1" dirty="0"/>
+              <a:t>Single Responsibility Principle:</a:t>
+            </a:r>
+            <a:r>
+              <a:rPr lang="en-US" dirty="0"/>
+              <a:t> one component is responsible of only one thing</a:t>
+            </a:r>
+          </a:p>
+          <a:p>
+            <a:pPr lvl="2"/>
+            <a:r>
+              <a:rPr lang="it-IT" b="1" dirty="0"/>
+              <a:t>High </a:t>
+            </a:r>
+            <a:r>
+              <a:rPr lang="it-IT" b="1" dirty="0" err="1"/>
+              <a:t>Cohesion</a:t>
+            </a:r>
+            <a:r>
+              <a:rPr lang="it-IT" b="1" dirty="0"/>
+              <a:t> </a:t>
+            </a:r>
+            <a:r>
+              <a:rPr lang="it-IT" b="1" dirty="0" err="1"/>
+              <a:t>Principle</a:t>
+            </a:r>
+            <a:r>
+              <a:rPr lang="it-IT" b="1" dirty="0"/>
+              <a:t>:</a:t>
+            </a:r>
+            <a:r>
+              <a:rPr lang="it-IT" dirty="0"/>
+              <a:t> </a:t>
+            </a:r>
+            <a:r>
+              <a:rPr lang="en-US" dirty="0"/>
+              <a:t>one component must do only one thing</a:t>
+            </a:r>
+          </a:p>
+          <a:p>
+            <a:pPr lvl="2"/>
+            <a:r>
+              <a:rPr lang="en-US" b="1" dirty="0"/>
+              <a:t>Low Coupling Principle:</a:t>
+            </a:r>
+            <a:r>
+              <a:rPr lang="en-US" dirty="0"/>
+              <a:t> one component has limited access to other components</a:t>
+            </a:r>
+          </a:p>
+          <a:p>
+            <a:pPr lvl="2"/>
+            <a:endParaRPr lang="it-IT" dirty="0"/>
+          </a:p>
+          <a:p>
+            <a:pPr lvl="1"/>
+            <a:endParaRPr lang="it-IT" dirty="0"/>
+          </a:p>
+        </p:txBody>
+      </p:sp>
+      <p:pic>
+        <p:nvPicPr>
+          <p:cNvPr id="5" name="Segnaposto contenuto 4"/>
+          <p:cNvPicPr>
+            <a:picLocks noGrp="1" noChangeAspect="1"/>
+          </p:cNvPicPr>
+          <p:nvPr>
+            <p:ph sz="half" idx="2"/>
+          </p:nvPr>
+        </p:nvPicPr>
+        <p:blipFill>
+          <a:blip r:embed="rId2">
+            <a:extLst>
+              <a:ext uri="{28A0092B-C50C-407E-A947-70E740481C1C}">
+                <a14:useLocalDpi xmlns:a14="http://schemas.microsoft.com/office/drawing/2010/main" val="0"/>
+              </a:ext>
+            </a:extLst>
+          </a:blip>
+          <a:stretch>
+            <a:fillRect/>
+          </a:stretch>
+        </p:blipFill>
+        <p:spPr>
+          <a:xfrm>
+            <a:off x="6218238" y="1966130"/>
+            <a:ext cx="4937125" cy="3782991"/>
+          </a:xfrm>
+          <a:prstGeom prst="rect">
+            <a:avLst/>
+          </a:prstGeom>
+        </p:spPr>
+      </p:pic>
+    </p:spTree>
+    <p:extLst>
+      <p:ext uri="{BB962C8B-B14F-4D97-AF65-F5344CB8AC3E}">
+        <p14:creationId xmlns:p14="http://schemas.microsoft.com/office/powerpoint/2010/main" val="1300559148"/>
+      </p:ext>
+    </p:extLst>
+  </p:cSld>
+  <p:clrMapOvr>
+    <a:masterClrMapping/>
+  </p:clrMapOvr>
 </p:sld>
 </file>
 
@@ -7416,7 +6390,7 @@
           <p:cNvPr id="2" name="Titolo 1">
             <a:extLst>
               <a:ext uri="{FF2B5EF4-FFF2-40B4-BE49-F238E27FC236}">
-                <a16:creationId xmlns:a16="http://schemas.microsoft.com/office/drawing/2014/main" xmlns="" id="{819BD3AA-48CB-8E87-2AD6-A80B0F4382A9}"/>
+                <a16:creationId xmlns:a16="http://schemas.microsoft.com/office/drawing/2014/main" id="{7B014419-ED47-CFF7-5321-2A56CB8A274E}"/>
               </a:ext>
             </a:extLst>
           </p:cNvPr>
@@ -7433,22 +6407,21 @@
           <a:lstStyle/>
           <a:p>
             <a:r>
+              <a:rPr lang="it-IT" dirty="0" err="1"/>
+              <a:t>Navigation</a:t>
+            </a:r>
+            <a:r>
               <a:rPr lang="it-IT" dirty="0"/>
-              <a:t>Component-</a:t>
+              <a:t> and </a:t>
             </a:r>
             <a:r>
               <a:rPr lang="it-IT" dirty="0" err="1"/>
-              <a:t>Based</a:t>
+              <a:t>organization</a:t>
             </a:r>
             <a:r>
               <a:rPr lang="it-IT" dirty="0"/>
-              <a:t> </a:t>
-            </a:r>
-            <a:r>
-              <a:rPr lang="it-IT" dirty="0" err="1"/>
-              <a:t>architecture</a:t>
-            </a:r>
-            <a:endParaRPr lang="it-IT" dirty="0"/>
+              <a:t> of the app</a:t>
+            </a:r>
           </a:p>
         </p:txBody>
       </p:sp>
@@ -7457,7 +6430,7 @@
           <p:cNvPr id="3" name="Segnaposto contenuto 2">
             <a:extLst>
               <a:ext uri="{FF2B5EF4-FFF2-40B4-BE49-F238E27FC236}">
-                <a16:creationId xmlns:a16="http://schemas.microsoft.com/office/drawing/2014/main" xmlns="" id="{912925AF-C9AE-3071-5B3C-EB8E55D797C8}"/>
+                <a16:creationId xmlns:a16="http://schemas.microsoft.com/office/drawing/2014/main" id="{12ED9258-86CB-8589-FE91-7C6E2966BDD4}"/>
               </a:ext>
             </a:extLst>
           </p:cNvPr>
@@ -7465,21 +6438,34 @@
             <a:spLocks noGrp="1"/>
           </p:cNvSpPr>
           <p:nvPr>
-            <p:ph idx="1"/>
-          </p:nvPr>
-        </p:nvSpPr>
-        <p:spPr/>
+            <p:ph sz="half" idx="1"/>
+          </p:nvPr>
+        </p:nvSpPr>
+        <p:spPr>
+          <a:xfrm>
+            <a:off x="1097280" y="1845734"/>
+            <a:ext cx="2968693" cy="4023359"/>
+          </a:xfrm>
+        </p:spPr>
         <p:txBody>
           <a:bodyPr/>
           <a:lstStyle/>
           <a:p>
+            <a:pPr lvl="1"/>
             <a:r>
               <a:rPr lang="it-IT" dirty="0"/>
-              <a:t>In medium or large software projects </a:t>
+              <a:t>Home page</a:t>
+            </a:r>
+          </a:p>
+          <a:p>
+            <a:pPr lvl="1"/>
+            <a:r>
+              <a:rPr lang="it-IT" dirty="0"/>
+              <a:t>One </a:t>
             </a:r>
             <a:r>
               <a:rPr lang="it-IT" dirty="0" err="1"/>
-              <a:t>it’s</a:t>
+              <a:t>administration</a:t>
             </a:r>
             <a:r>
               <a:rPr lang="it-IT" dirty="0"/>
@@ -7487,330 +6473,68 @@
             </a:r>
             <a:r>
               <a:rPr lang="it-IT" dirty="0" err="1"/>
-              <a:t>always</a:t>
+              <a:t>section</a:t>
+            </a:r>
+            <a:endParaRPr lang="it-IT" dirty="0"/>
+          </a:p>
+          <a:p>
+            <a:pPr lvl="1"/>
+            <a:r>
+              <a:rPr lang="it-IT" dirty="0" err="1"/>
+              <a:t>Different</a:t>
             </a:r>
             <a:r>
               <a:rPr lang="it-IT" dirty="0"/>
-              <a:t> </a:t>
-            </a:r>
-            <a:r>
-              <a:rPr lang="it-IT" dirty="0" smtClean="0"/>
-              <a:t>best </a:t>
-            </a:r>
+              <a:t> pages for all the plays</a:t>
+            </a:r>
+          </a:p>
+          <a:p>
+            <a:pPr lvl="1"/>
             <a:r>
               <a:rPr lang="it-IT" dirty="0" err="1"/>
-              <a:t>practice</a:t>
+              <a:t>Search</a:t>
             </a:r>
             <a:r>
               <a:rPr lang="it-IT" dirty="0"/>
-              <a:t> </a:t>
-            </a:r>
-            <a:r>
-              <a:rPr lang="it-IT" dirty="0" smtClean="0"/>
-              <a:t>to divide </a:t>
+              <a:t> bar</a:t>
+            </a:r>
+          </a:p>
+          <a:p>
+            <a:pPr lvl="1"/>
+            <a:r>
+              <a:rPr lang="it-IT" dirty="0" err="1"/>
+              <a:t>Table</a:t>
             </a:r>
             <a:r>
               <a:rPr lang="it-IT" dirty="0"/>
-              <a:t>the </a:t>
+              <a:t> and </a:t>
             </a:r>
             <a:r>
               <a:rPr lang="it-IT" dirty="0" err="1"/>
-              <a:t>development</a:t>
+              <a:t>map</a:t>
             </a:r>
             <a:r>
               <a:rPr lang="it-IT" dirty="0"/>
-              <a:t> of </a:t>
-            </a:r>
-            <a:r>
-              <a:rPr lang="it-IT" dirty="0" err="1" smtClean="0"/>
-              <a:t>different</a:t>
-            </a:r>
-            <a:r>
-              <a:rPr lang="it-IT" dirty="0" smtClean="0"/>
-              <a:t> </a:t>
-            </a:r>
-            <a:r>
-              <a:rPr lang="it-IT" dirty="0" err="1" smtClean="0"/>
-              <a:t>unique</a:t>
-            </a:r>
-            <a:r>
-              <a:rPr lang="it-IT" dirty="0" smtClean="0"/>
-              <a:t> </a:t>
-            </a:r>
-            <a:r>
-              <a:rPr lang="it-IT" dirty="0" err="1" smtClean="0"/>
-              <a:t>features</a:t>
-            </a:r>
-            <a:r>
-              <a:rPr lang="it-IT" dirty="0" smtClean="0"/>
-              <a:t> </a:t>
-            </a:r>
-            <a:r>
-              <a:rPr lang="it-IT" dirty="0"/>
-              <a:t>of the </a:t>
-            </a:r>
-            <a:r>
-              <a:rPr lang="it-IT" dirty="0" err="1"/>
-              <a:t>application</a:t>
-            </a:r>
-            <a:r>
-              <a:rPr lang="it-IT" dirty="0"/>
-              <a:t> in </a:t>
-            </a:r>
-            <a:r>
-              <a:rPr lang="it-IT" dirty="0" err="1"/>
-              <a:t>many</a:t>
-            </a:r>
-            <a:r>
-              <a:rPr lang="it-IT" dirty="0"/>
-              <a:t> </a:t>
-            </a:r>
-            <a:r>
-              <a:rPr lang="it-IT" dirty="0" err="1" smtClean="0"/>
-              <a:t>components</a:t>
-            </a:r>
-            <a:r>
-              <a:rPr lang="it-IT" dirty="0" smtClean="0"/>
-              <a:t>, </a:t>
-            </a:r>
-            <a:r>
-              <a:rPr lang="it-IT" dirty="0" err="1" smtClean="0"/>
-              <a:t>doing</a:t>
-            </a:r>
-            <a:r>
-              <a:rPr lang="it-IT" dirty="0" smtClean="0"/>
-              <a:t> so </a:t>
-            </a:r>
-            <a:r>
-              <a:rPr lang="it-IT" dirty="0" err="1" smtClean="0"/>
-              <a:t>lets</a:t>
-            </a:r>
-            <a:r>
-              <a:rPr lang="it-IT" dirty="0" smtClean="0"/>
-              <a:t> the </a:t>
-            </a:r>
-            <a:r>
-              <a:rPr lang="it-IT" dirty="0" err="1" smtClean="0"/>
-              <a:t>developers</a:t>
-            </a:r>
-            <a:r>
-              <a:rPr lang="it-IT" dirty="0" smtClean="0"/>
-              <a:t> work on </a:t>
-            </a:r>
-            <a:r>
-              <a:rPr lang="it-IT" dirty="0" err="1" smtClean="0"/>
-              <a:t>different</a:t>
-            </a:r>
-            <a:r>
-              <a:rPr lang="it-IT" dirty="0" smtClean="0"/>
-              <a:t> </a:t>
-            </a:r>
-            <a:r>
-              <a:rPr lang="it-IT" dirty="0" err="1" smtClean="0"/>
-              <a:t>parts</a:t>
-            </a:r>
-            <a:r>
-              <a:rPr lang="it-IT" dirty="0" smtClean="0"/>
-              <a:t> of the code </a:t>
-            </a:r>
-            <a:r>
-              <a:rPr lang="it-IT" dirty="0" err="1" smtClean="0"/>
-              <a:t>without</a:t>
-            </a:r>
-            <a:r>
-              <a:rPr lang="it-IT" dirty="0" smtClean="0"/>
-              <a:t> </a:t>
-            </a:r>
-            <a:r>
-              <a:rPr lang="it-IT" dirty="0" err="1" smtClean="0"/>
-              <a:t>going</a:t>
-            </a:r>
-            <a:r>
-              <a:rPr lang="it-IT" dirty="0" smtClean="0"/>
-              <a:t> </a:t>
-            </a:r>
-            <a:r>
-              <a:rPr lang="it-IT" dirty="0" err="1" smtClean="0"/>
-              <a:t>into</a:t>
-            </a:r>
-            <a:r>
-              <a:rPr lang="it-IT" dirty="0" smtClean="0"/>
-              <a:t> </a:t>
-            </a:r>
-            <a:r>
-              <a:rPr lang="it-IT" dirty="0" err="1" smtClean="0"/>
-              <a:t>conflicts</a:t>
-            </a:r>
-            <a:r>
-              <a:rPr lang="it-IT" dirty="0" smtClean="0"/>
-              <a:t> and </a:t>
-            </a:r>
-            <a:r>
-              <a:rPr lang="it-IT" dirty="0" err="1" smtClean="0"/>
-              <a:t>also</a:t>
-            </a:r>
-            <a:r>
-              <a:rPr lang="it-IT" dirty="0" smtClean="0"/>
-              <a:t> </a:t>
-            </a:r>
-            <a:r>
-              <a:rPr lang="it-IT" dirty="0" err="1" smtClean="0"/>
-              <a:t>makes</a:t>
-            </a:r>
-            <a:r>
-              <a:rPr lang="it-IT" dirty="0" smtClean="0"/>
-              <a:t> the code more </a:t>
-            </a:r>
-            <a:r>
-              <a:rPr lang="it-IT" dirty="0" err="1" smtClean="0"/>
-              <a:t>readable</a:t>
-            </a:r>
-            <a:r>
-              <a:rPr lang="it-IT" dirty="0" smtClean="0"/>
-              <a:t> and </a:t>
-            </a:r>
-            <a:r>
-              <a:rPr lang="it-IT" dirty="0" err="1" smtClean="0"/>
-              <a:t>easily</a:t>
-            </a:r>
-            <a:r>
-              <a:rPr lang="it-IT" dirty="0" smtClean="0"/>
-              <a:t> </a:t>
-            </a:r>
-            <a:r>
-              <a:rPr lang="it-IT" dirty="0" err="1" smtClean="0"/>
-              <a:t>accessible</a:t>
-            </a:r>
-            <a:r>
-              <a:rPr lang="it-IT" dirty="0" smtClean="0"/>
-              <a:t> for </a:t>
-            </a:r>
-            <a:r>
-              <a:rPr lang="it-IT" dirty="0" err="1" smtClean="0"/>
-              <a:t>reuse</a:t>
-            </a:r>
-            <a:r>
-              <a:rPr lang="it-IT" dirty="0" smtClean="0"/>
-              <a:t>.</a:t>
-            </a:r>
-          </a:p>
-          <a:p>
-            <a:r>
-              <a:rPr lang="it-IT" dirty="0" smtClean="0"/>
-              <a:t>- </a:t>
-            </a:r>
-            <a:r>
-              <a:rPr lang="it-IT" b="1" dirty="0" smtClean="0"/>
-              <a:t>SRP</a:t>
-            </a:r>
-            <a:r>
-              <a:rPr lang="it-IT" dirty="0" smtClean="0"/>
-              <a:t> (single </a:t>
-            </a:r>
-            <a:r>
-              <a:rPr lang="it-IT" dirty="0" err="1" smtClean="0"/>
-              <a:t>responsibility</a:t>
-            </a:r>
-            <a:r>
-              <a:rPr lang="it-IT" dirty="0" smtClean="0"/>
-              <a:t> </a:t>
-            </a:r>
-            <a:r>
-              <a:rPr lang="it-IT" dirty="0" err="1" smtClean="0"/>
-              <a:t>principle</a:t>
-            </a:r>
-            <a:r>
-              <a:rPr lang="it-IT" dirty="0" smtClean="0"/>
-              <a:t>)</a:t>
-            </a:r>
-            <a:endParaRPr lang="it-IT" dirty="0"/>
-          </a:p>
-          <a:p>
-            <a:r>
-              <a:rPr lang="it-IT" dirty="0" smtClean="0"/>
-              <a:t>- </a:t>
-            </a:r>
-            <a:r>
-              <a:rPr lang="it-IT" b="1" dirty="0" smtClean="0"/>
-              <a:t>HIGH COHESION </a:t>
-            </a:r>
-            <a:r>
-              <a:rPr lang="it-IT" dirty="0" smtClean="0"/>
-              <a:t>(</a:t>
-            </a:r>
-            <a:r>
-              <a:rPr lang="it-IT" dirty="0" err="1" smtClean="0"/>
-              <a:t>responsibility</a:t>
-            </a:r>
-            <a:r>
-              <a:rPr lang="it-IT" dirty="0" smtClean="0"/>
-              <a:t> </a:t>
-            </a:r>
-            <a:r>
-              <a:rPr lang="it-IT" dirty="0" err="1" smtClean="0"/>
-              <a:t>distribution</a:t>
-            </a:r>
-            <a:r>
-              <a:rPr lang="it-IT" dirty="0" smtClean="0"/>
-              <a:t>)</a:t>
-            </a:r>
-            <a:endParaRPr lang="it-IT" b="1" dirty="0" smtClean="0"/>
-          </a:p>
-          <a:p>
-            <a:r>
-              <a:rPr lang="it-IT" dirty="0" smtClean="0"/>
-              <a:t>- </a:t>
-            </a:r>
-            <a:r>
-              <a:rPr lang="it-IT" b="1" dirty="0" smtClean="0"/>
-              <a:t>LOW COUPLING </a:t>
-            </a:r>
-            <a:r>
-              <a:rPr lang="it-IT" dirty="0" smtClean="0"/>
-              <a:t>(</a:t>
-            </a:r>
-            <a:r>
-              <a:rPr lang="it-IT" dirty="0" err="1" smtClean="0"/>
-              <a:t>low</a:t>
-            </a:r>
-            <a:r>
-              <a:rPr lang="it-IT" dirty="0" smtClean="0"/>
-              <a:t> </a:t>
-            </a:r>
-            <a:r>
-              <a:rPr lang="it-IT" dirty="0" err="1" smtClean="0"/>
-              <a:t>dependencies</a:t>
-            </a:r>
-            <a:r>
-              <a:rPr lang="it-IT" dirty="0" smtClean="0"/>
-              <a:t> </a:t>
-            </a:r>
-            <a:r>
-              <a:rPr lang="it-IT" dirty="0" err="1" smtClean="0"/>
-              <a:t>between</a:t>
-            </a:r>
-            <a:r>
-              <a:rPr lang="it-IT" dirty="0" smtClean="0"/>
-              <a:t> </a:t>
-            </a:r>
-            <a:r>
-              <a:rPr lang="it-IT" dirty="0" err="1" smtClean="0"/>
-              <a:t>modules</a:t>
-            </a:r>
-            <a:r>
-              <a:rPr lang="it-IT" dirty="0" smtClean="0"/>
-              <a:t>)</a:t>
+              <a:t> of</a:t>
             </a:r>
           </a:p>
         </p:txBody>
       </p:sp>
       <p:pic>
         <p:nvPicPr>
-          <p:cNvPr id="4" name="Immagine 3"/>
+          <p:cNvPr id="6" name="Segnaposto contenuto 5">
+            <a:extLst>
+              <a:ext uri="{FF2B5EF4-FFF2-40B4-BE49-F238E27FC236}">
+                <a16:creationId xmlns:a16="http://schemas.microsoft.com/office/drawing/2014/main" id="{B2FCAC4E-6F21-720C-F7E8-7E4B4190A61F}"/>
+              </a:ext>
+            </a:extLst>
+          </p:cNvPr>
           <p:cNvPicPr>
-            <a:picLocks noChangeAspect="1"/>
+            <a:picLocks noGrp="1" noChangeAspect="1"/>
           </p:cNvPicPr>
-          <p:nvPr/>
+          <p:nvPr>
+            <p:ph sz="half" idx="2"/>
+          </p:nvPr>
         </p:nvPicPr>
         <p:blipFill>
           <a:blip r:embed="rId2">
@@ -7826,8 +6550,8 @@
         </p:blipFill>
         <p:spPr>
           <a:xfrm>
-            <a:off x="7088776" y="2718427"/>
-            <a:ext cx="4615544" cy="3536585"/>
+            <a:off x="4411289" y="1845734"/>
+            <a:ext cx="6744391" cy="3173416"/>
           </a:xfrm>
           <a:prstGeom prst="rect">
             <a:avLst/>
@@ -7837,20 +6561,13 @@
     </p:spTree>
     <p:extLst>
       <p:ext uri="{BB962C8B-B14F-4D97-AF65-F5344CB8AC3E}">
-        <p14:creationId xmlns:p14="http://schemas.microsoft.com/office/powerpoint/2010/main" val="1365463796"/>
+        <p14:creationId xmlns:p14="http://schemas.microsoft.com/office/powerpoint/2010/main" val="538761304"/>
       </p:ext>
     </p:extLst>
   </p:cSld>
   <p:clrMapOvr>
     <a:masterClrMapping/>
   </p:clrMapOvr>
-  <p:timing>
-    <p:tnLst>
-      <p:par>
-        <p:cTn id="1" dur="indefinite" restart="never" nodeType="tmRoot"/>
-      </p:par>
-    </p:tnLst>
-  </p:timing>
 </p:sld>
 </file>
 
@@ -7859,7 +6576,13 @@
   <p:cSld>
     <p:spTree>
       <p:nvGrpSpPr>
-        <p:cNvPr id="1" name=""/>
+        <p:cNvPr id="1" name="">
+          <a:extLst>
+            <a:ext uri="{FF2B5EF4-FFF2-40B4-BE49-F238E27FC236}">
+              <a16:creationId xmlns:a16="http://schemas.microsoft.com/office/drawing/2014/main" id="{B339BCF8-413A-4F7F-7039-A0A5B98E9CD6}"/>
+            </a:ext>
+          </a:extLst>
+        </p:cNvPr>
         <p:cNvGrpSpPr/>
         <p:nvPr/>
       </p:nvGrpSpPr>
@@ -7873,7 +6596,13 @@
       </p:grpSpPr>
       <p:sp>
         <p:nvSpPr>
-          <p:cNvPr id="2" name="Titolo 1"/>
+          <p:cNvPr id="2" name="Titolo 1">
+            <a:extLst>
+              <a:ext uri="{FF2B5EF4-FFF2-40B4-BE49-F238E27FC236}">
+                <a16:creationId xmlns:a16="http://schemas.microsoft.com/office/drawing/2014/main" id="{2534A230-833A-6D1E-8DE7-A671D0F62CD0}"/>
+              </a:ext>
+            </a:extLst>
+          </p:cNvPr>
           <p:cNvSpPr>
             <a:spLocks noGrp="1"/>
           </p:cNvSpPr>
@@ -7887,20 +6616,16 @@
           <a:lstStyle/>
           <a:p>
             <a:r>
-              <a:rPr lang="it-IT" dirty="0" smtClean="0"/>
-              <a:t>Website </a:t>
-            </a:r>
-            <a:r>
-              <a:rPr lang="it-IT" dirty="0" err="1" smtClean="0"/>
-              <a:t>navigation</a:t>
-            </a:r>
-            <a:r>
-              <a:rPr lang="it-IT" dirty="0" smtClean="0"/>
-              <a:t> and </a:t>
-            </a:r>
-            <a:r>
-              <a:rPr lang="it-IT" dirty="0" err="1" smtClean="0"/>
-              <a:t>organization</a:t>
+              <a:rPr lang="it-IT" dirty="0" err="1"/>
+              <a:t>Searching</a:t>
+            </a:r>
+            <a:r>
+              <a:rPr lang="it-IT" dirty="0"/>
+              <a:t> </a:t>
+            </a:r>
+            <a:r>
+              <a:rPr lang="it-IT" dirty="0" err="1"/>
+              <a:t>articles</a:t>
             </a:r>
             <a:endParaRPr lang="it-IT" dirty="0"/>
           </a:p>
@@ -7908,287 +6633,91 @@
       </p:sp>
       <p:sp>
         <p:nvSpPr>
-          <p:cNvPr id="3" name="Segnaposto contenuto 2"/>
-          <p:cNvSpPr>
-            <a:spLocks noGrp="1"/>
-          </p:cNvSpPr>
-          <p:nvPr>
-            <p:ph idx="1"/>
-          </p:nvPr>
-        </p:nvSpPr>
-        <p:spPr/>
+          <p:cNvPr id="3" name="Segnaposto contenuto 2">
+            <a:extLst>
+              <a:ext uri="{FF2B5EF4-FFF2-40B4-BE49-F238E27FC236}">
+                <a16:creationId xmlns:a16="http://schemas.microsoft.com/office/drawing/2014/main" id="{7C9CA53C-F72C-F2AB-2D32-53D7E630C876}"/>
+              </a:ext>
+            </a:extLst>
+          </p:cNvPr>
+          <p:cNvSpPr>
+            <a:spLocks noGrp="1"/>
+          </p:cNvSpPr>
+          <p:nvPr>
+            <p:ph sz="half" idx="1"/>
+          </p:nvPr>
+        </p:nvSpPr>
+        <p:spPr>
+          <a:xfrm>
+            <a:off x="1097280" y="1845734"/>
+            <a:ext cx="2968693" cy="4023359"/>
+          </a:xfrm>
+        </p:spPr>
         <p:txBody>
           <a:bodyPr/>
           <a:lstStyle/>
           <a:p>
-            <a:r>
-              <a:rPr lang="it-IT" dirty="0" err="1" smtClean="0"/>
-              <a:t>Our</a:t>
-            </a:r>
-            <a:r>
-              <a:rPr lang="it-IT" dirty="0" smtClean="0"/>
-              <a:t> website </a:t>
-            </a:r>
-            <a:r>
-              <a:rPr lang="it-IT" dirty="0" err="1" smtClean="0"/>
-              <a:t>is</a:t>
-            </a:r>
-            <a:r>
-              <a:rPr lang="it-IT" dirty="0" smtClean="0"/>
+            <a:pPr lvl="1"/>
+            <a:r>
+              <a:rPr lang="it-IT" dirty="0" err="1"/>
+              <a:t>Search</a:t>
+            </a:r>
+            <a:r>
+              <a:rPr lang="it-IT" dirty="0"/>
+              <a:t> by </a:t>
+            </a:r>
+            <a:r>
+              <a:rPr lang="it-IT" dirty="0" err="1"/>
+              <a:t>play’s</a:t>
+            </a:r>
+            <a:r>
+              <a:rPr lang="it-IT" dirty="0"/>
               <a:t> </a:t>
             </a:r>
             <a:r>
-              <a:rPr lang="it-IT" dirty="0" err="1" smtClean="0"/>
-              <a:t>mainly</a:t>
-            </a:r>
-            <a:r>
-              <a:rPr lang="it-IT" dirty="0" smtClean="0"/>
-              <a:t> </a:t>
-            </a:r>
-            <a:r>
-              <a:rPr lang="it-IT" dirty="0" err="1" smtClean="0"/>
-              <a:t>divided</a:t>
-            </a:r>
-            <a:r>
-              <a:rPr lang="it-IT" dirty="0" smtClean="0"/>
-              <a:t> in 3 </a:t>
-            </a:r>
-            <a:r>
-              <a:rPr lang="it-IT" dirty="0" err="1" smtClean="0"/>
-              <a:t>pages</a:t>
-            </a:r>
-            <a:r>
-              <a:rPr lang="it-IT" dirty="0" smtClean="0"/>
-              <a:t>, 2 for the </a:t>
-            </a:r>
-            <a:r>
-              <a:rPr lang="it-IT" dirty="0" err="1" smtClean="0"/>
-              <a:t>user</a:t>
-            </a:r>
-            <a:r>
-              <a:rPr lang="it-IT" dirty="0" smtClean="0"/>
-              <a:t> and 1 for the </a:t>
-            </a:r>
-            <a:r>
-              <a:rPr lang="it-IT" dirty="0" err="1" smtClean="0"/>
-              <a:t>admin</a:t>
-            </a:r>
-            <a:r>
-              <a:rPr lang="it-IT" dirty="0" smtClean="0"/>
-              <a:t>, the first page </a:t>
-            </a:r>
-            <a:r>
-              <a:rPr lang="it-IT" dirty="0" err="1" smtClean="0"/>
-              <a:t>is</a:t>
-            </a:r>
-            <a:r>
-              <a:rPr lang="it-IT" dirty="0" smtClean="0"/>
-              <a:t> </a:t>
-            </a:r>
-            <a:r>
-              <a:rPr lang="it-IT" dirty="0" err="1" smtClean="0"/>
-              <a:t>loaded</a:t>
-            </a:r>
-            <a:r>
-              <a:rPr lang="it-IT" dirty="0" smtClean="0"/>
-              <a:t> </a:t>
-            </a:r>
-            <a:r>
-              <a:rPr lang="it-IT" dirty="0" err="1" smtClean="0"/>
-              <a:t>when</a:t>
-            </a:r>
-            <a:r>
-              <a:rPr lang="it-IT" dirty="0" smtClean="0"/>
-              <a:t> </a:t>
-            </a:r>
-            <a:r>
-              <a:rPr lang="it-IT" dirty="0" err="1" smtClean="0"/>
-              <a:t>we</a:t>
-            </a:r>
-            <a:r>
-              <a:rPr lang="it-IT" dirty="0" smtClean="0"/>
-              <a:t> open the website, from </a:t>
-            </a:r>
-            <a:r>
-              <a:rPr lang="it-IT" dirty="0" err="1" smtClean="0"/>
-              <a:t>here</a:t>
-            </a:r>
-            <a:r>
-              <a:rPr lang="it-IT" dirty="0" smtClean="0"/>
-              <a:t> </a:t>
-            </a:r>
-            <a:r>
-              <a:rPr lang="it-IT" dirty="0" err="1" smtClean="0"/>
-              <a:t>we</a:t>
-            </a:r>
-            <a:r>
-              <a:rPr lang="it-IT" dirty="0" smtClean="0"/>
-              <a:t> can </a:t>
-            </a:r>
-            <a:r>
-              <a:rPr lang="it-IT" dirty="0" err="1" smtClean="0"/>
-              <a:t>see</a:t>
-            </a:r>
-            <a:r>
-              <a:rPr lang="it-IT" dirty="0" smtClean="0"/>
-              <a:t> </a:t>
-            </a:r>
-            <a:r>
-              <a:rPr lang="it-IT" dirty="0" err="1" smtClean="0"/>
-              <a:t>all</a:t>
-            </a:r>
-            <a:r>
-              <a:rPr lang="it-IT" dirty="0" smtClean="0"/>
-              <a:t> the </a:t>
-            </a:r>
-            <a:r>
-              <a:rPr lang="it-IT" dirty="0" err="1" smtClean="0"/>
-              <a:t>features</a:t>
-            </a:r>
-            <a:r>
-              <a:rPr lang="it-IT" dirty="0" smtClean="0"/>
-              <a:t>, </a:t>
-            </a:r>
-            <a:r>
-              <a:rPr lang="it-IT" dirty="0" err="1" smtClean="0"/>
-              <a:t>starting</a:t>
-            </a:r>
-            <a:r>
-              <a:rPr lang="it-IT" dirty="0" smtClean="0"/>
-              <a:t> from the top </a:t>
-            </a:r>
-            <a:r>
-              <a:rPr lang="it-IT" dirty="0" err="1" smtClean="0"/>
-              <a:t>there</a:t>
-            </a:r>
-            <a:r>
-              <a:rPr lang="it-IT" dirty="0" smtClean="0"/>
-              <a:t> </a:t>
-            </a:r>
-            <a:r>
-              <a:rPr lang="it-IT" dirty="0" err="1" smtClean="0"/>
-              <a:t>is</a:t>
-            </a:r>
-            <a:r>
-              <a:rPr lang="it-IT" dirty="0" smtClean="0"/>
-              <a:t> </a:t>
-            </a:r>
-            <a:r>
-              <a:rPr lang="it-IT" dirty="0" smtClean="0"/>
-              <a:t>a </a:t>
-            </a:r>
-            <a:r>
-              <a:rPr lang="it-IT" dirty="0" err="1" smtClean="0"/>
-              <a:t>searchbar</a:t>
-            </a:r>
-            <a:r>
-              <a:rPr lang="it-IT" dirty="0" smtClean="0"/>
-              <a:t> </a:t>
-            </a:r>
-            <a:r>
-              <a:rPr lang="it-IT" dirty="0" err="1" smtClean="0"/>
-              <a:t>that</a:t>
-            </a:r>
-            <a:r>
-              <a:rPr lang="it-IT" dirty="0" smtClean="0"/>
-              <a:t> </a:t>
-            </a:r>
-            <a:r>
-              <a:rPr lang="it-IT" dirty="0" err="1" smtClean="0"/>
-              <a:t>lets</a:t>
-            </a:r>
-            <a:r>
-              <a:rPr lang="it-IT" dirty="0" smtClean="0"/>
-              <a:t> </a:t>
-            </a:r>
-            <a:r>
-              <a:rPr lang="it-IT" dirty="0" err="1" smtClean="0"/>
-              <a:t>us</a:t>
-            </a:r>
-            <a:r>
-              <a:rPr lang="it-IT" dirty="0" smtClean="0"/>
-              <a:t> look up </a:t>
-            </a:r>
-            <a:r>
-              <a:rPr lang="it-IT" dirty="0" err="1" smtClean="0"/>
-              <a:t>any</a:t>
-            </a:r>
-            <a:r>
-              <a:rPr lang="it-IT" dirty="0" smtClean="0"/>
-              <a:t> </a:t>
-            </a:r>
-            <a:r>
-              <a:rPr lang="it-IT" dirty="0" err="1" smtClean="0"/>
-              <a:t>article</a:t>
-            </a:r>
-            <a:r>
-              <a:rPr lang="it-IT" dirty="0" smtClean="0"/>
-              <a:t> </a:t>
-            </a:r>
-            <a:r>
-              <a:rPr lang="it-IT" dirty="0" err="1" smtClean="0"/>
-              <a:t>we</a:t>
-            </a:r>
-            <a:r>
-              <a:rPr lang="it-IT" dirty="0" smtClean="0"/>
-              <a:t> </a:t>
-            </a:r>
-            <a:r>
-              <a:rPr lang="it-IT" dirty="0" err="1" smtClean="0"/>
-              <a:t>want</a:t>
-            </a:r>
-            <a:r>
-              <a:rPr lang="it-IT" dirty="0" smtClean="0"/>
-              <a:t> and in the top right a </a:t>
-            </a:r>
-            <a:r>
-              <a:rPr lang="it-IT" dirty="0" err="1" smtClean="0"/>
-              <a:t>button</a:t>
-            </a:r>
-            <a:r>
-              <a:rPr lang="it-IT" dirty="0" smtClean="0"/>
-              <a:t> to </a:t>
-            </a:r>
-            <a:r>
-              <a:rPr lang="it-IT" dirty="0" err="1" smtClean="0"/>
-              <a:t>access</a:t>
-            </a:r>
-            <a:r>
-              <a:rPr lang="it-IT" dirty="0" smtClean="0"/>
-              <a:t> </a:t>
-            </a:r>
-            <a:r>
-              <a:rPr lang="it-IT" dirty="0" err="1" smtClean="0"/>
-              <a:t>administration</a:t>
+              <a:rPr lang="it-IT" dirty="0" err="1"/>
+              <a:t>title</a:t>
             </a:r>
             <a:endParaRPr lang="it-IT" dirty="0"/>
+          </a:p>
+          <a:p>
+            <a:pPr lvl="1"/>
+            <a:r>
+              <a:rPr lang="it-IT" dirty="0" err="1"/>
+              <a:t>Search</a:t>
+            </a:r>
+            <a:r>
+              <a:rPr lang="it-IT" dirty="0"/>
+              <a:t> by place name</a:t>
+            </a:r>
           </a:p>
         </p:txBody>
       </p:sp>
       <p:pic>
         <p:nvPicPr>
-          <p:cNvPr id="5" name="Immagine 4"/>
+          <p:cNvPr id="6" name="Segnaposto contenuto 5">
+            <a:extLst>
+              <a:ext uri="{FF2B5EF4-FFF2-40B4-BE49-F238E27FC236}">
+                <a16:creationId xmlns:a16="http://schemas.microsoft.com/office/drawing/2014/main" id="{075863F2-7D14-29BA-D87E-D497A1DBAEC2}"/>
+              </a:ext>
+            </a:extLst>
+          </p:cNvPr>
           <p:cNvPicPr>
-            <a:picLocks noChangeAspect="1"/>
+            <a:picLocks noGrp="1" noChangeAspect="1"/>
           </p:cNvPicPr>
-          <p:nvPr/>
+          <p:nvPr>
+            <p:ph sz="half" idx="2"/>
+          </p:nvPr>
         </p:nvPicPr>
         <p:blipFill>
-          <a:blip r:embed="rId2">
-            <a:extLst>
-              <a:ext uri="{28A0092B-C50C-407E-A947-70E740481C1C}">
-                <a14:useLocalDpi xmlns:a14="http://schemas.microsoft.com/office/drawing/2010/main" val="0"/>
-              </a:ext>
-            </a:extLst>
-          </a:blip>
-          <a:stretch>
-            <a:fillRect/>
-          </a:stretch>
+          <a:blip r:embed="rId2"/>
+          <a:srcRect/>
+          <a:stretch/>
         </p:blipFill>
         <p:spPr>
           <a:xfrm>
-            <a:off x="2565400" y="2996908"/>
-            <a:ext cx="6590030" cy="3100786"/>
+            <a:off x="4411289" y="1845734"/>
+            <a:ext cx="6744391" cy="3173416"/>
           </a:xfrm>
           <a:prstGeom prst="rect">
             <a:avLst/>
@@ -8198,20 +6727,13 @@
     </p:spTree>
     <p:extLst>
       <p:ext uri="{BB962C8B-B14F-4D97-AF65-F5344CB8AC3E}">
-        <p14:creationId xmlns:p14="http://schemas.microsoft.com/office/powerpoint/2010/main" val="1377868381"/>
+        <p14:creationId xmlns:p14="http://schemas.microsoft.com/office/powerpoint/2010/main" val="1003629124"/>
       </p:ext>
     </p:extLst>
   </p:cSld>
   <p:clrMapOvr>
     <a:masterClrMapping/>
   </p:clrMapOvr>
-  <p:timing>
-    <p:tnLst>
-      <p:par>
-        <p:cTn id="1" dur="indefinite" restart="never" nodeType="tmRoot"/>
-      </p:par>
-    </p:tnLst>
-  </p:timing>
 </p:sld>
 </file>
 
@@ -8220,7 +6742,13 @@
   <p:cSld>
     <p:spTree>
       <p:nvGrpSpPr>
-        <p:cNvPr id="1" name=""/>
+        <p:cNvPr id="1" name="">
+          <a:extLst>
+            <a:ext uri="{FF2B5EF4-FFF2-40B4-BE49-F238E27FC236}">
+              <a16:creationId xmlns:a16="http://schemas.microsoft.com/office/drawing/2014/main" id="{B7DFBB3A-7910-7B99-8150-2925D3E3E570}"/>
+            </a:ext>
+          </a:extLst>
+        </p:cNvPr>
         <p:cNvGrpSpPr/>
         <p:nvPr/>
       </p:nvGrpSpPr>
@@ -8234,730 +6762,166 @@
       </p:grpSpPr>
       <p:sp>
         <p:nvSpPr>
-          <p:cNvPr id="3" name="Segnaposto contenuto 2"/>
-          <p:cNvSpPr>
-            <a:spLocks noGrp="1"/>
-          </p:cNvSpPr>
-          <p:nvPr>
-            <p:ph idx="4294967295"/>
+          <p:cNvPr id="2" name="Titolo 1">
+            <a:extLst>
+              <a:ext uri="{FF2B5EF4-FFF2-40B4-BE49-F238E27FC236}">
+                <a16:creationId xmlns:a16="http://schemas.microsoft.com/office/drawing/2014/main" id="{1CF76B38-A87B-E509-1C98-9F9DC68287F5}"/>
+              </a:ext>
+            </a:extLst>
+          </p:cNvPr>
+          <p:cNvSpPr>
+            <a:spLocks noGrp="1"/>
+          </p:cNvSpPr>
+          <p:nvPr>
+            <p:ph type="title"/>
+          </p:nvPr>
+        </p:nvSpPr>
+        <p:spPr/>
+        <p:txBody>
+          <a:bodyPr/>
+          <a:lstStyle/>
+          <a:p>
+            <a:r>
+              <a:rPr lang="it-IT" dirty="0" err="1"/>
+              <a:t>Play’s</a:t>
+            </a:r>
+            <a:r>
+              <a:rPr lang="it-IT" dirty="0"/>
+              <a:t> </a:t>
+            </a:r>
+            <a:r>
+              <a:rPr lang="it-IT" dirty="0" err="1"/>
+              <a:t>article</a:t>
+            </a:r>
+            <a:endParaRPr lang="it-IT" dirty="0"/>
+          </a:p>
+        </p:txBody>
+      </p:sp>
+      <p:sp>
+        <p:nvSpPr>
+          <p:cNvPr id="3" name="Segnaposto contenuto 2">
+            <a:extLst>
+              <a:ext uri="{FF2B5EF4-FFF2-40B4-BE49-F238E27FC236}">
+                <a16:creationId xmlns:a16="http://schemas.microsoft.com/office/drawing/2014/main" id="{0DE186AF-458F-5BD6-EC8B-17E9C7C04919}"/>
+              </a:ext>
+            </a:extLst>
+          </p:cNvPr>
+          <p:cNvSpPr>
+            <a:spLocks noGrp="1"/>
+          </p:cNvSpPr>
+          <p:nvPr>
+            <p:ph sz="half" idx="1"/>
           </p:nvPr>
         </p:nvSpPr>
         <p:spPr>
           <a:xfrm>
-            <a:off x="243841" y="197600"/>
-            <a:ext cx="11831780" cy="4022725"/>
+            <a:off x="1097280" y="1845734"/>
+            <a:ext cx="2968693" cy="4023359"/>
           </a:xfrm>
         </p:spPr>
         <p:txBody>
           <a:bodyPr/>
           <a:lstStyle/>
           <a:p>
-            <a:pPr algn="ctr"/>
-            <a:r>
-              <a:rPr lang="it-IT" dirty="0" err="1" smtClean="0"/>
-              <a:t>Starting</a:t>
-            </a:r>
-            <a:r>
-              <a:rPr lang="it-IT" dirty="0" smtClean="0"/>
-              <a:t> from the </a:t>
-            </a:r>
-            <a:r>
-              <a:rPr lang="it-IT" dirty="0" err="1" smtClean="0"/>
-              <a:t>searchbar</a:t>
-            </a:r>
-            <a:r>
-              <a:rPr lang="it-IT" dirty="0" smtClean="0"/>
-              <a:t>, </a:t>
-            </a:r>
-            <a:r>
-              <a:rPr lang="it-IT" dirty="0" err="1" smtClean="0"/>
-              <a:t>we</a:t>
-            </a:r>
-            <a:r>
-              <a:rPr lang="it-IT" dirty="0" smtClean="0"/>
-              <a:t> can </a:t>
-            </a:r>
-            <a:r>
-              <a:rPr lang="it-IT" dirty="0" smtClean="0"/>
-              <a:t>look up and </a:t>
-            </a:r>
-            <a:r>
-              <a:rPr lang="it-IT" dirty="0" err="1" smtClean="0"/>
-              <a:t>filter</a:t>
-            </a:r>
-            <a:r>
-              <a:rPr lang="it-IT" dirty="0" smtClean="0"/>
+            <a:pPr lvl="1"/>
+            <a:r>
+              <a:rPr lang="en-US" dirty="0"/>
+              <a:t>Location</a:t>
+            </a:r>
+          </a:p>
+          <a:p>
+            <a:pPr lvl="1"/>
+            <a:r>
+              <a:rPr lang="en-US" dirty="0"/>
+              <a:t>Year of publication</a:t>
+            </a:r>
+          </a:p>
+          <a:p>
+            <a:pPr lvl="1"/>
+            <a:r>
+              <a:rPr lang="en-US" dirty="0"/>
+              <a:t>Era</a:t>
+            </a:r>
+          </a:p>
+          <a:p>
+            <a:pPr lvl="1"/>
+            <a:r>
+              <a:rPr lang="en-US" dirty="0"/>
+              <a:t>Images</a:t>
+            </a:r>
+          </a:p>
+          <a:p>
+            <a:pPr lvl="1"/>
+            <a:r>
+              <a:rPr lang="en-US" dirty="0"/>
+              <a:t>Resume</a:t>
+            </a:r>
+          </a:p>
+          <a:p>
+            <a:pPr lvl="1"/>
+            <a:r>
+              <a:rPr lang="en-US" dirty="0"/>
+              <a:t>Main characters</a:t>
+            </a:r>
+          </a:p>
+          <a:p>
+            <a:pPr lvl="1"/>
+            <a:r>
+              <a:rPr lang="en-US" dirty="0"/>
+              <a:t>Despite the being an SPA e</a:t>
+            </a:r>
+            <a:r>
+              <a:rPr lang="it-IT" dirty="0" err="1"/>
+              <a:t>very</a:t>
+            </a:r>
+            <a:r>
+              <a:rPr lang="it-IT" dirty="0"/>
+              <a:t> play has </a:t>
+            </a:r>
+            <a:r>
+              <a:rPr lang="it-IT" dirty="0" err="1"/>
+              <a:t>his</a:t>
+            </a:r>
+            <a:r>
+              <a:rPr lang="it-IT" dirty="0"/>
               <a:t> </a:t>
             </a:r>
             <a:r>
-              <a:rPr lang="it-IT" dirty="0" err="1" smtClean="0"/>
-              <a:t>any</a:t>
-            </a:r>
-            <a:r>
-              <a:rPr lang="it-IT" dirty="0" smtClean="0"/>
-              <a:t> </a:t>
-            </a:r>
-            <a:r>
-              <a:rPr lang="it-IT" dirty="0" err="1" smtClean="0"/>
-              <a:t>article</a:t>
-            </a:r>
-            <a:r>
-              <a:rPr lang="it-IT" dirty="0" smtClean="0"/>
-              <a:t> </a:t>
-            </a:r>
-            <a:r>
-              <a:rPr lang="it-IT" dirty="0" err="1" smtClean="0"/>
-              <a:t>present</a:t>
-            </a:r>
-            <a:r>
-              <a:rPr lang="it-IT" dirty="0" smtClean="0"/>
-              <a:t> in the list </a:t>
-            </a:r>
-            <a:r>
-              <a:rPr lang="it-IT" dirty="0" err="1" smtClean="0"/>
-              <a:t>below</a:t>
-            </a:r>
-            <a:r>
-              <a:rPr lang="it-IT" dirty="0" smtClean="0"/>
-              <a:t>, </a:t>
-            </a:r>
-            <a:r>
-              <a:rPr lang="it-IT" dirty="0" err="1" smtClean="0"/>
-              <a:t>we</a:t>
-            </a:r>
-            <a:r>
-              <a:rPr lang="it-IT" dirty="0" smtClean="0"/>
-              <a:t> can </a:t>
-            </a:r>
-            <a:r>
-              <a:rPr lang="it-IT" dirty="0" err="1" smtClean="0"/>
-              <a:t>also</a:t>
-            </a:r>
-            <a:r>
-              <a:rPr lang="it-IT" dirty="0" smtClean="0"/>
-              <a:t> </a:t>
-            </a:r>
-            <a:r>
-              <a:rPr lang="it-IT" dirty="0" err="1" smtClean="0"/>
-              <a:t>select</a:t>
-            </a:r>
-            <a:r>
-              <a:rPr lang="it-IT" dirty="0" smtClean="0"/>
-              <a:t> an </a:t>
-            </a:r>
-            <a:r>
-              <a:rPr lang="it-IT" dirty="0" err="1" smtClean="0"/>
-              <a:t>article</a:t>
-            </a:r>
-            <a:r>
-              <a:rPr lang="it-IT" dirty="0" smtClean="0"/>
-              <a:t> </a:t>
-            </a:r>
-            <a:r>
-              <a:rPr lang="it-IT" dirty="0" err="1" smtClean="0"/>
-              <a:t>directly</a:t>
-            </a:r>
-            <a:r>
-              <a:rPr lang="it-IT" dirty="0" smtClean="0"/>
-              <a:t> from the list to </a:t>
-            </a:r>
-            <a:r>
-              <a:rPr lang="it-IT" dirty="0" err="1" smtClean="0"/>
-              <a:t>move</a:t>
-            </a:r>
-            <a:r>
-              <a:rPr lang="it-IT" dirty="0" smtClean="0"/>
-              <a:t> the </a:t>
-            </a:r>
-            <a:r>
-              <a:rPr lang="it-IT" dirty="0" err="1" smtClean="0"/>
-              <a:t>map</a:t>
-            </a:r>
-            <a:r>
-              <a:rPr lang="it-IT" dirty="0" smtClean="0"/>
-              <a:t> to the location of the </a:t>
-            </a:r>
-            <a:r>
-              <a:rPr lang="it-IT" dirty="0" err="1" smtClean="0"/>
-              <a:t>selected</a:t>
-            </a:r>
-            <a:r>
-              <a:rPr lang="it-IT" dirty="0" smtClean="0"/>
-              <a:t> </a:t>
-            </a:r>
-            <a:r>
-              <a:rPr lang="it-IT" dirty="0" err="1" smtClean="0"/>
-              <a:t>article</a:t>
-            </a:r>
-            <a:r>
-              <a:rPr lang="it-IT" dirty="0" smtClean="0"/>
-              <a:t>; by pressing on the </a:t>
-            </a:r>
-            <a:r>
-              <a:rPr lang="it-IT" dirty="0" err="1" smtClean="0"/>
-              <a:t>pointer</a:t>
-            </a:r>
-            <a:r>
-              <a:rPr lang="it-IT" dirty="0" smtClean="0"/>
-              <a:t> of a location, a small </a:t>
-            </a:r>
-            <a:r>
-              <a:rPr lang="it-IT" dirty="0" err="1" smtClean="0"/>
-              <a:t>description</a:t>
-            </a:r>
-            <a:r>
-              <a:rPr lang="it-IT" dirty="0" smtClean="0"/>
-              <a:t> of </a:t>
-            </a:r>
-            <a:r>
-              <a:rPr lang="it-IT" dirty="0" err="1" smtClean="0"/>
-              <a:t>it</a:t>
-            </a:r>
-            <a:r>
-              <a:rPr lang="it-IT" dirty="0" smtClean="0"/>
-              <a:t> </a:t>
-            </a:r>
-            <a:r>
-              <a:rPr lang="it-IT" dirty="0" err="1" smtClean="0"/>
-              <a:t>will</a:t>
-            </a:r>
-            <a:r>
-              <a:rPr lang="it-IT" dirty="0" smtClean="0"/>
-              <a:t> </a:t>
-            </a:r>
-            <a:r>
-              <a:rPr lang="it-IT" dirty="0" err="1" smtClean="0"/>
-              <a:t>appear</a:t>
-            </a:r>
-            <a:r>
-              <a:rPr lang="it-IT" dirty="0" smtClean="0"/>
-              <a:t>.</a:t>
-            </a:r>
-          </a:p>
-          <a:p>
-            <a:pPr algn="ctr"/>
-            <a:r>
-              <a:rPr lang="it-IT" dirty="0" smtClean="0"/>
-              <a:t>By </a:t>
-            </a:r>
-            <a:r>
-              <a:rPr lang="it-IT" dirty="0" err="1" smtClean="0"/>
-              <a:t>selecting</a:t>
-            </a:r>
-            <a:r>
-              <a:rPr lang="it-IT" dirty="0" smtClean="0"/>
-              <a:t> an </a:t>
-            </a:r>
-            <a:r>
-              <a:rPr lang="it-IT" dirty="0" err="1" smtClean="0"/>
-              <a:t>article</a:t>
-            </a:r>
-            <a:r>
-              <a:rPr lang="it-IT" dirty="0" smtClean="0"/>
-              <a:t> in the </a:t>
-            </a:r>
-            <a:r>
-              <a:rPr lang="it-IT" dirty="0" err="1" smtClean="0"/>
-              <a:t>table</a:t>
-            </a:r>
-            <a:r>
-              <a:rPr lang="it-IT" dirty="0" smtClean="0"/>
-              <a:t> </a:t>
-            </a:r>
-            <a:r>
-              <a:rPr lang="it-IT" dirty="0" err="1" smtClean="0"/>
-              <a:t>below</a:t>
-            </a:r>
-            <a:r>
-              <a:rPr lang="it-IT" dirty="0" smtClean="0"/>
-              <a:t> </a:t>
-            </a:r>
-            <a:r>
-              <a:rPr lang="it-IT" dirty="0" err="1" smtClean="0"/>
-              <a:t>we</a:t>
-            </a:r>
-            <a:r>
-              <a:rPr lang="it-IT" dirty="0" smtClean="0"/>
-              <a:t> </a:t>
-            </a:r>
-            <a:r>
-              <a:rPr lang="it-IT" dirty="0" err="1" smtClean="0"/>
-              <a:t>will</a:t>
-            </a:r>
-            <a:r>
-              <a:rPr lang="it-IT" dirty="0" smtClean="0"/>
-              <a:t> </a:t>
-            </a:r>
-            <a:r>
-              <a:rPr lang="it-IT" dirty="0" err="1" smtClean="0"/>
-              <a:t>access</a:t>
-            </a:r>
-            <a:r>
-              <a:rPr lang="it-IT" dirty="0" smtClean="0"/>
-              <a:t> the </a:t>
-            </a:r>
-            <a:r>
-              <a:rPr lang="it-IT" dirty="0" err="1" smtClean="0"/>
-              <a:t>article’s</a:t>
-            </a:r>
-            <a:r>
-              <a:rPr lang="it-IT" dirty="0" smtClean="0"/>
-              <a:t> page</a:t>
-            </a:r>
-            <a:endParaRPr lang="it-IT" dirty="0"/>
+              <a:rPr lang="it-IT" dirty="0" err="1"/>
+              <a:t>own</a:t>
+            </a:r>
+            <a:r>
+              <a:rPr lang="it-IT" dirty="0"/>
+              <a:t> URL</a:t>
+            </a:r>
           </a:p>
         </p:txBody>
       </p:sp>
       <p:pic>
         <p:nvPicPr>
-          <p:cNvPr id="2" name="Immagine 1"/>
+          <p:cNvPr id="6" name="Segnaposto contenuto 5">
+            <a:extLst>
+              <a:ext uri="{FF2B5EF4-FFF2-40B4-BE49-F238E27FC236}">
+                <a16:creationId xmlns:a16="http://schemas.microsoft.com/office/drawing/2014/main" id="{18003512-9DEA-E4D7-B941-A44A32551A11}"/>
+              </a:ext>
+            </a:extLst>
+          </p:cNvPr>
           <p:cNvPicPr>
-            <a:picLocks noChangeAspect="1"/>
+            <a:picLocks noGrp="1" noChangeAspect="1"/>
           </p:cNvPicPr>
-          <p:nvPr/>
+          <p:nvPr>
+            <p:ph sz="half" idx="2"/>
+          </p:nvPr>
         </p:nvPicPr>
         <p:blipFill>
-          <a:blip r:embed="rId2">
-            <a:extLst>
-              <a:ext uri="{28A0092B-C50C-407E-A947-70E740481C1C}">
-                <a14:useLocalDpi xmlns:a14="http://schemas.microsoft.com/office/drawing/2010/main" val="0"/>
-              </a:ext>
-            </a:extLst>
-          </a:blip>
-          <a:stretch>
-            <a:fillRect/>
-          </a:stretch>
+          <a:blip r:embed="rId2"/>
+          <a:srcRect/>
+          <a:stretch/>
         </p:blipFill>
         <p:spPr>
           <a:xfrm>
-            <a:off x="6108932" y="2362355"/>
-            <a:ext cx="5966689" cy="1982705"/>
-          </a:xfrm>
-          <a:prstGeom prst="rect">
-            <a:avLst/>
-          </a:prstGeom>
-        </p:spPr>
-      </p:pic>
-      <p:pic>
-        <p:nvPicPr>
-          <p:cNvPr id="6" name="Immagine 5"/>
-          <p:cNvPicPr>
-            <a:picLocks noChangeAspect="1"/>
-          </p:cNvPicPr>
-          <p:nvPr/>
-        </p:nvPicPr>
-        <p:blipFill>
-          <a:blip r:embed="rId3">
-            <a:extLst>
-              <a:ext uri="{28A0092B-C50C-407E-A947-70E740481C1C}">
-                <a14:useLocalDpi xmlns:a14="http://schemas.microsoft.com/office/drawing/2010/main" val="0"/>
-              </a:ext>
-            </a:extLst>
-          </a:blip>
-          <a:stretch>
-            <a:fillRect/>
-          </a:stretch>
-        </p:blipFill>
-        <p:spPr>
-          <a:xfrm>
-            <a:off x="92725" y="1776020"/>
-            <a:ext cx="6067006" cy="2872180"/>
-          </a:xfrm>
-          <a:prstGeom prst="rect">
-            <a:avLst/>
-          </a:prstGeom>
-        </p:spPr>
-      </p:pic>
-      <p:sp>
-        <p:nvSpPr>
-          <p:cNvPr id="7" name="Segnaposto contenuto 2"/>
-          <p:cNvSpPr txBox="1">
-            <a:spLocks/>
-          </p:cNvSpPr>
-          <p:nvPr/>
-        </p:nvSpPr>
-        <p:spPr>
-          <a:xfrm>
-            <a:off x="1284546" y="5364419"/>
-            <a:ext cx="5852853" cy="416471"/>
-          </a:xfrm>
-          <a:prstGeom prst="rect">
-            <a:avLst/>
-          </a:prstGeom>
-        </p:spPr>
-        <p:txBody>
-          <a:bodyPr vert="horz" lIns="0" tIns="45720" rIns="0" bIns="45720" rtlCol="0">
-            <a:normAutofit fontScale="70000" lnSpcReduction="20000"/>
-          </a:bodyPr>
-          <a:lstStyle>
-            <a:lvl1pPr marL="91440" indent="-91440" algn="l" defTabSz="914400" rtl="0" eaLnBrk="1" latinLnBrk="0" hangingPunct="1">
-              <a:lnSpc>
-                <a:spcPct val="90000"/>
-              </a:lnSpc>
-              <a:spcBef>
-                <a:spcPts val="1200"/>
-              </a:spcBef>
-              <a:spcAft>
-                <a:spcPts val="200"/>
-              </a:spcAft>
-              <a:buClr>
-                <a:schemeClr val="accent1"/>
-              </a:buClr>
-              <a:buSzPct val="100000"/>
-              <a:buFont typeface="Calibri" panose="020F0502020204030204" pitchFamily="34" charset="0"/>
-              <a:buChar char=" "/>
-              <a:defRPr sz="2000" kern="1200">
-                <a:solidFill>
-                  <a:schemeClr val="tx1">
-                    <a:lumMod val="75000"/>
-                    <a:lumOff val="25000"/>
-                  </a:schemeClr>
-                </a:solidFill>
-                <a:latin typeface="+mn-lt"/>
-                <a:ea typeface="+mn-ea"/>
-                <a:cs typeface="+mn-cs"/>
-              </a:defRPr>
-            </a:lvl1pPr>
-            <a:lvl2pPr marL="384048" indent="-182880" algn="l" defTabSz="914400" rtl="0" eaLnBrk="1" latinLnBrk="0" hangingPunct="1">
-              <a:lnSpc>
-                <a:spcPct val="90000"/>
-              </a:lnSpc>
-              <a:spcBef>
-                <a:spcPts val="200"/>
-              </a:spcBef>
-              <a:spcAft>
-                <a:spcPts val="400"/>
-              </a:spcAft>
-              <a:buClr>
-                <a:schemeClr val="accent1"/>
-              </a:buClr>
-              <a:buFont typeface="Calibri" pitchFamily="34" charset="0"/>
-              <a:buChar char="◦"/>
-              <a:defRPr sz="1800" kern="1200">
-                <a:solidFill>
-                  <a:schemeClr val="tx1">
-                    <a:lumMod val="75000"/>
-                    <a:lumOff val="25000"/>
-                  </a:schemeClr>
-                </a:solidFill>
-                <a:latin typeface="+mn-lt"/>
-                <a:ea typeface="+mn-ea"/>
-                <a:cs typeface="+mn-cs"/>
-              </a:defRPr>
-            </a:lvl2pPr>
-            <a:lvl3pPr marL="566928" indent="-182880" algn="l" defTabSz="914400" rtl="0" eaLnBrk="1" latinLnBrk="0" hangingPunct="1">
-              <a:lnSpc>
-                <a:spcPct val="90000"/>
-              </a:lnSpc>
-              <a:spcBef>
-                <a:spcPts val="200"/>
-              </a:spcBef>
-              <a:spcAft>
-                <a:spcPts val="400"/>
-              </a:spcAft>
-              <a:buClr>
-                <a:schemeClr val="accent1"/>
-              </a:buClr>
-              <a:buFont typeface="Calibri" pitchFamily="34" charset="0"/>
-              <a:buChar char="◦"/>
-              <a:defRPr sz="1400" kern="1200">
-                <a:solidFill>
-                  <a:schemeClr val="tx1">
-                    <a:lumMod val="75000"/>
-                    <a:lumOff val="25000"/>
-                  </a:schemeClr>
-                </a:solidFill>
-                <a:latin typeface="+mn-lt"/>
-                <a:ea typeface="+mn-ea"/>
-                <a:cs typeface="+mn-cs"/>
-              </a:defRPr>
-            </a:lvl3pPr>
-            <a:lvl4pPr marL="749808" indent="-182880" algn="l" defTabSz="914400" rtl="0" eaLnBrk="1" latinLnBrk="0" hangingPunct="1">
-              <a:lnSpc>
-                <a:spcPct val="90000"/>
-              </a:lnSpc>
-              <a:spcBef>
-                <a:spcPts val="200"/>
-              </a:spcBef>
-              <a:spcAft>
-                <a:spcPts val="400"/>
-              </a:spcAft>
-              <a:buClr>
-                <a:schemeClr val="accent1"/>
-              </a:buClr>
-              <a:buFont typeface="Calibri" pitchFamily="34" charset="0"/>
-              <a:buChar char="◦"/>
-              <a:defRPr sz="1400" kern="1200">
-                <a:solidFill>
-                  <a:schemeClr val="tx1">
-                    <a:lumMod val="75000"/>
-                    <a:lumOff val="25000"/>
-                  </a:schemeClr>
-                </a:solidFill>
-                <a:latin typeface="+mn-lt"/>
-                <a:ea typeface="+mn-ea"/>
-                <a:cs typeface="+mn-cs"/>
-              </a:defRPr>
-            </a:lvl4pPr>
-            <a:lvl5pPr marL="932688" indent="-182880" algn="l" defTabSz="914400" rtl="0" eaLnBrk="1" latinLnBrk="0" hangingPunct="1">
-              <a:lnSpc>
-                <a:spcPct val="90000"/>
-              </a:lnSpc>
-              <a:spcBef>
-                <a:spcPts val="200"/>
-              </a:spcBef>
-              <a:spcAft>
-                <a:spcPts val="400"/>
-              </a:spcAft>
-              <a:buClr>
-                <a:schemeClr val="accent1"/>
-              </a:buClr>
-              <a:buFont typeface="Calibri" pitchFamily="34" charset="0"/>
-              <a:buChar char="◦"/>
-              <a:defRPr sz="1400" kern="1200">
-                <a:solidFill>
-                  <a:schemeClr val="tx1">
-                    <a:lumMod val="75000"/>
-                    <a:lumOff val="25000"/>
-                  </a:schemeClr>
-                </a:solidFill>
-                <a:latin typeface="+mn-lt"/>
-                <a:ea typeface="+mn-ea"/>
-                <a:cs typeface="+mn-cs"/>
-              </a:defRPr>
-            </a:lvl5pPr>
-            <a:lvl6pPr marL="1100000" indent="-228600" algn="l" defTabSz="914400" rtl="0" eaLnBrk="1" latinLnBrk="0" hangingPunct="1">
-              <a:lnSpc>
-                <a:spcPct val="90000"/>
-              </a:lnSpc>
-              <a:spcBef>
-                <a:spcPts val="200"/>
-              </a:spcBef>
-              <a:spcAft>
-                <a:spcPts val="400"/>
-              </a:spcAft>
-              <a:buClr>
-                <a:schemeClr val="accent1"/>
-              </a:buClr>
-              <a:buFont typeface="Calibri" pitchFamily="34" charset="0"/>
-              <a:buChar char="◦"/>
-              <a:defRPr sz="1400" kern="1200">
-                <a:solidFill>
-                  <a:schemeClr val="tx1">
-                    <a:lumMod val="75000"/>
-                    <a:lumOff val="25000"/>
-                  </a:schemeClr>
-                </a:solidFill>
-                <a:latin typeface="+mn-lt"/>
-                <a:ea typeface="+mn-ea"/>
-                <a:cs typeface="+mn-cs"/>
-              </a:defRPr>
-            </a:lvl6pPr>
-            <a:lvl7pPr marL="1300000" indent="-228600" algn="l" defTabSz="914400" rtl="0" eaLnBrk="1" latinLnBrk="0" hangingPunct="1">
-              <a:lnSpc>
-                <a:spcPct val="90000"/>
-              </a:lnSpc>
-              <a:spcBef>
-                <a:spcPts val="200"/>
-              </a:spcBef>
-              <a:spcAft>
-                <a:spcPts val="400"/>
-              </a:spcAft>
-              <a:buClr>
-                <a:schemeClr val="accent1"/>
-              </a:buClr>
-              <a:buFont typeface="Calibri" pitchFamily="34" charset="0"/>
-              <a:buChar char="◦"/>
-              <a:defRPr sz="1400" kern="1200">
-                <a:solidFill>
-                  <a:schemeClr val="tx1">
-                    <a:lumMod val="75000"/>
-                    <a:lumOff val="25000"/>
-                  </a:schemeClr>
-                </a:solidFill>
-                <a:latin typeface="+mn-lt"/>
-                <a:ea typeface="+mn-ea"/>
-                <a:cs typeface="+mn-cs"/>
-              </a:defRPr>
-            </a:lvl7pPr>
-            <a:lvl8pPr marL="1500000" indent="-228600" algn="l" defTabSz="914400" rtl="0" eaLnBrk="1" latinLnBrk="0" hangingPunct="1">
-              <a:lnSpc>
-                <a:spcPct val="90000"/>
-              </a:lnSpc>
-              <a:spcBef>
-                <a:spcPts val="200"/>
-              </a:spcBef>
-              <a:spcAft>
-                <a:spcPts val="400"/>
-              </a:spcAft>
-              <a:buClr>
-                <a:schemeClr val="accent1"/>
-              </a:buClr>
-              <a:buFont typeface="Calibri" pitchFamily="34" charset="0"/>
-              <a:buChar char="◦"/>
-              <a:defRPr sz="1400" kern="1200">
-                <a:solidFill>
-                  <a:schemeClr val="tx1">
-                    <a:lumMod val="75000"/>
-                    <a:lumOff val="25000"/>
-                  </a:schemeClr>
-                </a:solidFill>
-                <a:latin typeface="+mn-lt"/>
-                <a:ea typeface="+mn-ea"/>
-                <a:cs typeface="+mn-cs"/>
-              </a:defRPr>
-            </a:lvl8pPr>
-            <a:lvl9pPr marL="1700000" indent="-228600" algn="l" defTabSz="914400" rtl="0" eaLnBrk="1" latinLnBrk="0" hangingPunct="1">
-              <a:lnSpc>
-                <a:spcPct val="90000"/>
-              </a:lnSpc>
-              <a:spcBef>
-                <a:spcPts val="200"/>
-              </a:spcBef>
-              <a:spcAft>
-                <a:spcPts val="400"/>
-              </a:spcAft>
-              <a:buClr>
-                <a:schemeClr val="accent1"/>
-              </a:buClr>
-              <a:buFont typeface="Calibri" pitchFamily="34" charset="0"/>
-              <a:buChar char="◦"/>
-              <a:defRPr sz="1400" kern="1200">
-                <a:solidFill>
-                  <a:schemeClr val="tx1">
-                    <a:lumMod val="75000"/>
-                    <a:lumOff val="25000"/>
-                  </a:schemeClr>
-                </a:solidFill>
-                <a:latin typeface="+mn-lt"/>
-                <a:ea typeface="+mn-ea"/>
-                <a:cs typeface="+mn-cs"/>
-              </a:defRPr>
-            </a:lvl9pPr>
-          </a:lstStyle>
-          <a:p>
-            <a:pPr marL="0" indent="0" algn="ctr">
-              <a:buNone/>
-            </a:pPr>
-            <a:r>
-              <a:rPr lang="it-IT" i="1" dirty="0" err="1" smtClean="0"/>
-              <a:t>You</a:t>
-            </a:r>
-            <a:r>
-              <a:rPr lang="it-IT" i="1" dirty="0" smtClean="0"/>
-              <a:t> can </a:t>
-            </a:r>
-            <a:r>
-              <a:rPr lang="it-IT" i="1" dirty="0" err="1" smtClean="0"/>
-              <a:t>also</a:t>
-            </a:r>
-            <a:r>
-              <a:rPr lang="it-IT" i="1" dirty="0" smtClean="0"/>
-              <a:t> </a:t>
-            </a:r>
-            <a:r>
-              <a:rPr lang="it-IT" i="1" dirty="0" err="1" smtClean="0"/>
-              <a:t>save</a:t>
-            </a:r>
-            <a:r>
-              <a:rPr lang="it-IT" i="1" dirty="0" smtClean="0"/>
-              <a:t> a page for </a:t>
-            </a:r>
-            <a:r>
-              <a:rPr lang="it-IT" i="1" dirty="0" err="1" smtClean="0"/>
-              <a:t>later</a:t>
-            </a:r>
-            <a:r>
-              <a:rPr lang="it-IT" i="1" dirty="0" smtClean="0"/>
-              <a:t> </a:t>
-            </a:r>
-            <a:r>
-              <a:rPr lang="it-IT" i="1" dirty="0" err="1" smtClean="0"/>
-              <a:t>thanks</a:t>
-            </a:r>
-            <a:r>
-              <a:rPr lang="it-IT" i="1" dirty="0" smtClean="0"/>
-              <a:t> to the </a:t>
-            </a:r>
-            <a:r>
-              <a:rPr lang="it-IT" i="1" dirty="0" err="1" smtClean="0"/>
-              <a:t>different</a:t>
-            </a:r>
-            <a:r>
-              <a:rPr lang="it-IT" i="1" dirty="0" smtClean="0"/>
-              <a:t> </a:t>
-            </a:r>
-            <a:r>
-              <a:rPr lang="it-IT" i="1" dirty="0" err="1" smtClean="0"/>
-              <a:t>links</a:t>
-            </a:r>
-            <a:r>
-              <a:rPr lang="it-IT" i="1" dirty="0" smtClean="0"/>
-              <a:t> of </a:t>
-            </a:r>
-            <a:r>
-              <a:rPr lang="it-IT" i="1" dirty="0" err="1" smtClean="0"/>
-              <a:t>each</a:t>
-            </a:r>
-            <a:r>
-              <a:rPr lang="it-IT" i="1" dirty="0" smtClean="0"/>
-              <a:t> </a:t>
-            </a:r>
-            <a:r>
-              <a:rPr lang="it-IT" i="1" dirty="0" err="1" smtClean="0"/>
-              <a:t>article</a:t>
-            </a:r>
-            <a:r>
-              <a:rPr lang="it-IT" i="1" dirty="0" smtClean="0"/>
-              <a:t> </a:t>
-            </a:r>
-            <a:r>
-              <a:rPr lang="it-IT" i="1" dirty="0" err="1" smtClean="0"/>
-              <a:t>despite</a:t>
-            </a:r>
-            <a:r>
-              <a:rPr lang="it-IT" i="1" dirty="0" smtClean="0"/>
-              <a:t> the website </a:t>
-            </a:r>
-            <a:r>
-              <a:rPr lang="it-IT" i="1" dirty="0" err="1" smtClean="0"/>
-              <a:t>being</a:t>
-            </a:r>
-            <a:r>
-              <a:rPr lang="it-IT" i="1" dirty="0" smtClean="0"/>
-              <a:t> an SPA </a:t>
-            </a:r>
-          </a:p>
-          <a:p>
-            <a:pPr algn="ctr"/>
-            <a:endParaRPr lang="it-IT" dirty="0"/>
-          </a:p>
-        </p:txBody>
-      </p:sp>
-      <p:pic>
-        <p:nvPicPr>
-          <p:cNvPr id="8" name="Immagine 7"/>
-          <p:cNvPicPr>
-            <a:picLocks noChangeAspect="1"/>
-          </p:cNvPicPr>
-          <p:nvPr/>
-        </p:nvPicPr>
-        <p:blipFill>
-          <a:blip r:embed="rId4">
-            <a:extLst>
-              <a:ext uri="{28A0092B-C50C-407E-A947-70E740481C1C}">
-                <a14:useLocalDpi xmlns:a14="http://schemas.microsoft.com/office/drawing/2010/main" val="0"/>
-              </a:ext>
-            </a:extLst>
-          </a:blip>
-          <a:stretch>
-            <a:fillRect/>
-          </a:stretch>
-        </p:blipFill>
-        <p:spPr>
-          <a:xfrm>
-            <a:off x="7137399" y="4648200"/>
-            <a:ext cx="3565337" cy="1594742"/>
+            <a:off x="4411289" y="1845734"/>
+            <a:ext cx="6744391" cy="3173416"/>
           </a:xfrm>
           <a:prstGeom prst="rect">
             <a:avLst/>
@@ -8967,27 +6931,20 @@
     </p:spTree>
     <p:extLst>
       <p:ext uri="{BB962C8B-B14F-4D97-AF65-F5344CB8AC3E}">
-        <p14:creationId xmlns:p14="http://schemas.microsoft.com/office/powerpoint/2010/main" val="1251065460"/>
+        <p14:creationId xmlns:p14="http://schemas.microsoft.com/office/powerpoint/2010/main" val="1991460135"/>
       </p:ext>
     </p:extLst>
   </p:cSld>
   <p:clrMapOvr>
     <a:masterClrMapping/>
   </p:clrMapOvr>
-  <p:timing>
-    <p:tnLst>
-      <p:par>
-        <p:cTn id="1" dur="indefinite" restart="never" nodeType="tmRoot"/>
-      </p:par>
-    </p:tnLst>
-  </p:timing>
 </p:sld>
 </file>
 
 <file path=ppt/theme/theme1.xml><?xml version="1.0" encoding="utf-8"?>
 <a:theme xmlns:a="http://schemas.openxmlformats.org/drawingml/2006/main" name="Retrospettivo">
   <a:themeElements>
-    <a:clrScheme name="Retrospect">
+    <a:clrScheme name="Arancione rosso">
       <a:dk1>
         <a:sysClr val="windowText" lastClr="000000"/>
       </a:dk1>
@@ -8995,34 +6952,34 @@
         <a:sysClr val="window" lastClr="FFFFFF"/>
       </a:lt1>
       <a:dk2>
-        <a:srgbClr val="344068"/>
+        <a:srgbClr val="696464"/>
       </a:dk2>
       <a:lt2>
-        <a:srgbClr val="D9E0E6"/>
+        <a:srgbClr val="E9E5DC"/>
       </a:lt2>
       <a:accent1>
-        <a:srgbClr val="1CADE4"/>
+        <a:srgbClr val="D34817"/>
       </a:accent1>
       <a:accent2>
-        <a:srgbClr val="2683C6"/>
+        <a:srgbClr val="9B2D1F"/>
       </a:accent2>
       <a:accent3>
-        <a:srgbClr val="28C4CC"/>
+        <a:srgbClr val="A28E6A"/>
       </a:accent3>
       <a:accent4>
-        <a:srgbClr val="42BA97"/>
+        <a:srgbClr val="956251"/>
       </a:accent4>
       <a:accent5>
-        <a:srgbClr val="3E8853"/>
+        <a:srgbClr val="918485"/>
       </a:accent5>
       <a:accent6>
-        <a:srgbClr val="62A39F"/>
+        <a:srgbClr val="855D5D"/>
       </a:accent6>
       <a:hlink>
-        <a:srgbClr val="6EAC1C"/>
+        <a:srgbClr val="CC9900"/>
       </a:hlink>
       <a:folHlink>
-        <a:srgbClr val="B26B02"/>
+        <a:srgbClr val="96A9A9"/>
       </a:folHlink>
     </a:clrScheme>
     <a:fontScheme name="Retrospect">

--- a/public/shakespeare_places/docs/slides/Shakespeare_s Places.pptx
+++ b/public/shakespeare_places/docs/slides/Shakespeare_s Places.pptx
@@ -125,7 +125,7 @@
 <file path=ppt/revisionInfo.xml><?xml version="1.0" encoding="utf-8"?>
 <p1510:revInfo xmlns:a="http://schemas.openxmlformats.org/drawingml/2006/main" xmlns:r="http://schemas.openxmlformats.org/officeDocument/2006/relationships" xmlns:p1510="http://schemas.microsoft.com/office/powerpoint/2015/10/main">
   <p1510:revLst>
-    <p1510:client id="{2DD3C612-5461-4CCE-AA49-88A8DEDF7D3D}" v="10" dt="2025-01-30T09:19:58.575"/>
+    <p1510:client id="{08479A0F-697F-4822-8E42-F188956A3EBE}" v="2" dt="2025-02-04T10:36:46.766"/>
   </p1510:revLst>
 </p1510:revInfo>
 </file>
@@ -214,86 +214,6 @@
             <ac:spMk id="2" creationId="{950A12F7-EFE2-D580-E062-4FF0BAC2C921}"/>
           </ac:spMkLst>
         </pc:spChg>
-        <pc:spChg chg="del">
-          <ac:chgData name="Simone Cecire" userId="c58f73d820186008" providerId="LiveId" clId="{2DD3C612-5461-4CCE-AA49-88A8DEDF7D3D}" dt="2025-01-30T09:17:30.367" v="2841"/>
-          <ac:spMkLst>
-            <pc:docMk/>
-            <pc:sldMk cId="1200927252" sldId="259"/>
-            <ac:spMk id="3" creationId="{57E75401-8D22-80DD-0181-4E4314DD3523}"/>
-          </ac:spMkLst>
-        </pc:spChg>
-        <pc:spChg chg="add del mod">
-          <ac:chgData name="Simone Cecire" userId="c58f73d820186008" providerId="LiveId" clId="{2DD3C612-5461-4CCE-AA49-88A8DEDF7D3D}" dt="2025-01-30T09:19:58.575" v="2863"/>
-          <ac:spMkLst>
-            <pc:docMk/>
-            <pc:sldMk cId="1200927252" sldId="259"/>
-            <ac:spMk id="7" creationId="{413410CD-AF65-85CA-346A-166563F2F70F}"/>
-          </ac:spMkLst>
-        </pc:spChg>
-        <pc:spChg chg="add del">
-          <ac:chgData name="Simone Cecire" userId="c58f73d820186008" providerId="LiveId" clId="{2DD3C612-5461-4CCE-AA49-88A8DEDF7D3D}" dt="2025-01-30T09:18:50.722" v="2847" actId="26606"/>
-          <ac:spMkLst>
-            <pc:docMk/>
-            <pc:sldMk cId="1200927252" sldId="259"/>
-            <ac:spMk id="13" creationId="{D829E218-74FB-4455-98BE-F2C5BA8978BE}"/>
-          </ac:spMkLst>
-        </pc:spChg>
-        <pc:spChg chg="add del">
-          <ac:chgData name="Simone Cecire" userId="c58f73d820186008" providerId="LiveId" clId="{2DD3C612-5461-4CCE-AA49-88A8DEDF7D3D}" dt="2025-01-30T09:18:50.722" v="2847" actId="26606"/>
-          <ac:spMkLst>
-            <pc:docMk/>
-            <pc:sldMk cId="1200927252" sldId="259"/>
-            <ac:spMk id="15" creationId="{7E8D75FD-D4F9-4D11-B70D-82EFCB4CFA5B}"/>
-          </ac:spMkLst>
-        </pc:spChg>
-        <pc:spChg chg="add del">
-          <ac:chgData name="Simone Cecire" userId="c58f73d820186008" providerId="LiveId" clId="{2DD3C612-5461-4CCE-AA49-88A8DEDF7D3D}" dt="2025-01-30T09:18:50.722" v="2847" actId="26606"/>
-          <ac:spMkLst>
-            <pc:docMk/>
-            <pc:sldMk cId="1200927252" sldId="259"/>
-            <ac:spMk id="19" creationId="{548B4202-DCD5-4F8C-B481-743A989A9DFF}"/>
-          </ac:spMkLst>
-        </pc:spChg>
-        <pc:spChg chg="add del">
-          <ac:chgData name="Simone Cecire" userId="c58f73d820186008" providerId="LiveId" clId="{2DD3C612-5461-4CCE-AA49-88A8DEDF7D3D}" dt="2025-01-30T09:18:50.722" v="2847" actId="26606"/>
-          <ac:spMkLst>
-            <pc:docMk/>
-            <pc:sldMk cId="1200927252" sldId="259"/>
-            <ac:spMk id="23" creationId="{7CFB8C0F-4E01-4C10-A861-0C16EB92D23E}"/>
-          </ac:spMkLst>
-        </pc:spChg>
-        <pc:spChg chg="add del">
-          <ac:chgData name="Simone Cecire" userId="c58f73d820186008" providerId="LiveId" clId="{2DD3C612-5461-4CCE-AA49-88A8DEDF7D3D}" dt="2025-01-30T09:18:50.722" v="2847" actId="26606"/>
-          <ac:spMkLst>
-            <pc:docMk/>
-            <pc:sldMk cId="1200927252" sldId="259"/>
-            <ac:spMk id="25" creationId="{8EE702CF-91CE-4661-ACBF-3C8160D1B433}"/>
-          </ac:spMkLst>
-        </pc:spChg>
-        <pc:picChg chg="add del mod">
-          <ac:chgData name="Simone Cecire" userId="c58f73d820186008" providerId="LiveId" clId="{2DD3C612-5461-4CCE-AA49-88A8DEDF7D3D}" dt="2025-01-30T09:18:14.749" v="2842" actId="21"/>
-          <ac:picMkLst>
-            <pc:docMk/>
-            <pc:sldMk cId="1200927252" sldId="259"/>
-            <ac:picMk id="5" creationId="{DBA8C806-C665-E9CA-6D4F-25FCF66BD679}"/>
-          </ac:picMkLst>
-        </pc:picChg>
-        <pc:picChg chg="add mod modCrop">
-          <ac:chgData name="Simone Cecire" userId="c58f73d820186008" providerId="LiveId" clId="{2DD3C612-5461-4CCE-AA49-88A8DEDF7D3D}" dt="2025-01-30T09:18:50.722" v="2847" actId="26606"/>
-          <ac:picMkLst>
-            <pc:docMk/>
-            <pc:sldMk cId="1200927252" sldId="259"/>
-            <ac:picMk id="8" creationId="{DBA8C806-C665-E9CA-6D4F-25FCF66BD679}"/>
-          </ac:picMkLst>
-        </pc:picChg>
-        <pc:picChg chg="add mod">
-          <ac:chgData name="Simone Cecire" userId="c58f73d820186008" providerId="LiveId" clId="{2DD3C612-5461-4CCE-AA49-88A8DEDF7D3D}" dt="2025-01-30T09:19:57.324" v="2861" actId="14100"/>
-          <ac:picMkLst>
-            <pc:docMk/>
-            <pc:sldMk cId="1200927252" sldId="259"/>
-            <ac:picMk id="9" creationId="{15B9927C-8B3D-261D-9F5A-871A47194A1C}"/>
-          </ac:picMkLst>
-        </pc:picChg>
         <pc:picChg chg="add mod">
           <ac:chgData name="Simone Cecire" userId="c58f73d820186008" providerId="LiveId" clId="{2DD3C612-5461-4CCE-AA49-88A8DEDF7D3D}" dt="2025-01-30T09:20:10.081" v="2864" actId="1076"/>
           <ac:picMkLst>
@@ -302,22 +222,6 @@
             <ac:picMk id="10" creationId="{5F58AEC5-43D6-E068-BBE1-A595E09DEFC6}"/>
           </ac:picMkLst>
         </pc:picChg>
-        <pc:cxnChg chg="add del">
-          <ac:chgData name="Simone Cecire" userId="c58f73d820186008" providerId="LiveId" clId="{2DD3C612-5461-4CCE-AA49-88A8DEDF7D3D}" dt="2025-01-30T09:18:50.722" v="2847" actId="26606"/>
-          <ac:cxnSpMkLst>
-            <pc:docMk/>
-            <pc:sldMk cId="1200927252" sldId="259"/>
-            <ac:cxnSpMk id="17" creationId="{1F5DC8C3-BA5F-4EED-BB9A-A14272BD82A1}"/>
-          </ac:cxnSpMkLst>
-        </pc:cxnChg>
-        <pc:cxnChg chg="add del">
-          <ac:chgData name="Simone Cecire" userId="c58f73d820186008" providerId="LiveId" clId="{2DD3C612-5461-4CCE-AA49-88A8DEDF7D3D}" dt="2025-01-30T09:18:50.722" v="2847" actId="26606"/>
-          <ac:cxnSpMkLst>
-            <pc:docMk/>
-            <pc:sldMk cId="1200927252" sldId="259"/>
-            <ac:cxnSpMk id="21" creationId="{F7F57F6B-E621-4E40-A34D-2FE12902AA20}"/>
-          </ac:cxnSpMkLst>
-        </pc:cxnChg>
       </pc:sldChg>
       <pc:sldChg chg="modSp new mod">
         <pc:chgData name="Simone Cecire" userId="c58f73d820186008" providerId="LiveId" clId="{2DD3C612-5461-4CCE-AA49-88A8DEDF7D3D}" dt="2025-01-29T18:17:29.675" v="2840" actId="20577"/>
@@ -325,22 +229,6 @@
           <pc:docMk/>
           <pc:sldMk cId="427733898" sldId="260"/>
         </pc:sldMkLst>
-        <pc:spChg chg="mod">
-          <ac:chgData name="Simone Cecire" userId="c58f73d820186008" providerId="LiveId" clId="{2DD3C612-5461-4CCE-AA49-88A8DEDF7D3D}" dt="2025-01-29T16:57:38.156" v="1472" actId="20577"/>
-          <ac:spMkLst>
-            <pc:docMk/>
-            <pc:sldMk cId="427733898" sldId="260"/>
-            <ac:spMk id="2" creationId="{8A2BAB9E-D5F8-5DA6-0818-459FAB71B314}"/>
-          </ac:spMkLst>
-        </pc:spChg>
-        <pc:spChg chg="mod">
-          <ac:chgData name="Simone Cecire" userId="c58f73d820186008" providerId="LiveId" clId="{2DD3C612-5461-4CCE-AA49-88A8DEDF7D3D}" dt="2025-01-29T18:17:29.675" v="2840" actId="20577"/>
-          <ac:spMkLst>
-            <pc:docMk/>
-            <pc:sldMk cId="427733898" sldId="260"/>
-            <ac:spMk id="3" creationId="{97DE8D40-32F7-71B2-1FEE-05623983497F}"/>
-          </ac:spMkLst>
-        </pc:spChg>
       </pc:sldChg>
       <pc:sldChg chg="addSp delSp modSp new mod setBg">
         <pc:chgData name="Simone Cecire" userId="c58f73d820186008" providerId="LiveId" clId="{2DD3C612-5461-4CCE-AA49-88A8DEDF7D3D}" dt="2025-01-29T17:49:02.397" v="2183" actId="26606"/>
@@ -356,174 +244,6 @@
             <ac:spMk id="2" creationId="{95504341-239D-A30A-A345-A1DFE46AD5A9}"/>
           </ac:spMkLst>
         </pc:spChg>
-        <pc:spChg chg="del">
-          <ac:chgData name="Simone Cecire" userId="c58f73d820186008" providerId="LiveId" clId="{2DD3C612-5461-4CCE-AA49-88A8DEDF7D3D}" dt="2025-01-29T17:43:59.753" v="2139" actId="478"/>
-          <ac:spMkLst>
-            <pc:docMk/>
-            <pc:sldMk cId="3280784441" sldId="261"/>
-            <ac:spMk id="3" creationId="{829215D0-2E6D-F476-7DBE-5527D6EA3DEF}"/>
-          </ac:spMkLst>
-        </pc:spChg>
-        <pc:spChg chg="add del">
-          <ac:chgData name="Simone Cecire" userId="c58f73d820186008" providerId="LiveId" clId="{2DD3C612-5461-4CCE-AA49-88A8DEDF7D3D}" dt="2025-01-29T17:44:32.537" v="2177" actId="26606"/>
-          <ac:spMkLst>
-            <pc:docMk/>
-            <pc:sldMk cId="3280784441" sldId="261"/>
-            <ac:spMk id="10" creationId="{F240A2FC-E2C3-458D-96B4-5DF9028D93A5}"/>
-          </ac:spMkLst>
-        </pc:spChg>
-        <pc:spChg chg="add del">
-          <ac:chgData name="Simone Cecire" userId="c58f73d820186008" providerId="LiveId" clId="{2DD3C612-5461-4CCE-AA49-88A8DEDF7D3D}" dt="2025-01-29T17:44:32.537" v="2177" actId="26606"/>
-          <ac:spMkLst>
-            <pc:docMk/>
-            <pc:sldMk cId="3280784441" sldId="261"/>
-            <ac:spMk id="12" creationId="{5F097929-F3D6-4D1F-8AFC-CF348171A9E1}"/>
-          </ac:spMkLst>
-        </pc:spChg>
-        <pc:spChg chg="add del">
-          <ac:chgData name="Simone Cecire" userId="c58f73d820186008" providerId="LiveId" clId="{2DD3C612-5461-4CCE-AA49-88A8DEDF7D3D}" dt="2025-01-29T17:44:32.537" v="2177" actId="26606"/>
-          <ac:spMkLst>
-            <pc:docMk/>
-            <pc:sldMk cId="3280784441" sldId="261"/>
-            <ac:spMk id="16" creationId="{33428ACC-71EC-4171-9527-10983BA6B41D}"/>
-          </ac:spMkLst>
-        </pc:spChg>
-        <pc:spChg chg="add del">
-          <ac:chgData name="Simone Cecire" userId="c58f73d820186008" providerId="LiveId" clId="{2DD3C612-5461-4CCE-AA49-88A8DEDF7D3D}" dt="2025-01-29T17:44:32.537" v="2177" actId="26606"/>
-          <ac:spMkLst>
-            <pc:docMk/>
-            <pc:sldMk cId="3280784441" sldId="261"/>
-            <ac:spMk id="20" creationId="{2B9BBBC4-97A3-47D2-BFFE-A68530CDB9DC}"/>
-          </ac:spMkLst>
-        </pc:spChg>
-        <pc:spChg chg="add del">
-          <ac:chgData name="Simone Cecire" userId="c58f73d820186008" providerId="LiveId" clId="{2DD3C612-5461-4CCE-AA49-88A8DEDF7D3D}" dt="2025-01-29T17:44:32.537" v="2177" actId="26606"/>
-          <ac:spMkLst>
-            <pc:docMk/>
-            <pc:sldMk cId="3280784441" sldId="261"/>
-            <ac:spMk id="22" creationId="{78967BEA-EA6A-4FF1-94E2-B010B61A36A9}"/>
-          </ac:spMkLst>
-        </pc:spChg>
-        <pc:spChg chg="del">
-          <ac:chgData name="Simone Cecire" userId="c58f73d820186008" providerId="LiveId" clId="{2DD3C612-5461-4CCE-AA49-88A8DEDF7D3D}" dt="2025-01-29T17:49:02.397" v="2183" actId="26606"/>
-          <ac:spMkLst>
-            <pc:docMk/>
-            <pc:sldMk cId="3280784441" sldId="261"/>
-            <ac:spMk id="27" creationId="{F240A2FC-E2C3-458D-96B4-5DF9028D93A5}"/>
-          </ac:spMkLst>
-        </pc:spChg>
-        <pc:spChg chg="add del">
-          <ac:chgData name="Simone Cecire" userId="c58f73d820186008" providerId="LiveId" clId="{2DD3C612-5461-4CCE-AA49-88A8DEDF7D3D}" dt="2025-01-29T17:49:02.397" v="2183" actId="26606"/>
-          <ac:spMkLst>
-            <pc:docMk/>
-            <pc:sldMk cId="3280784441" sldId="261"/>
-            <ac:spMk id="29" creationId="{5F097929-F3D6-4D1F-8AFC-CF348171A9E1}"/>
-          </ac:spMkLst>
-        </pc:spChg>
-        <pc:spChg chg="add del">
-          <ac:chgData name="Simone Cecire" userId="c58f73d820186008" providerId="LiveId" clId="{2DD3C612-5461-4CCE-AA49-88A8DEDF7D3D}" dt="2025-01-29T17:49:02.397" v="2183" actId="26606"/>
-          <ac:spMkLst>
-            <pc:docMk/>
-            <pc:sldMk cId="3280784441" sldId="261"/>
-            <ac:spMk id="33" creationId="{33428ACC-71EC-4171-9527-10983BA6B41D}"/>
-          </ac:spMkLst>
-        </pc:spChg>
-        <pc:spChg chg="add del">
-          <ac:chgData name="Simone Cecire" userId="c58f73d820186008" providerId="LiveId" clId="{2DD3C612-5461-4CCE-AA49-88A8DEDF7D3D}" dt="2025-01-29T17:49:02.397" v="2183" actId="26606"/>
-          <ac:spMkLst>
-            <pc:docMk/>
-            <pc:sldMk cId="3280784441" sldId="261"/>
-            <ac:spMk id="37" creationId="{2B9BBBC4-97A3-47D2-BFFE-A68530CDB9DC}"/>
-          </ac:spMkLst>
-        </pc:spChg>
-        <pc:spChg chg="add del">
-          <ac:chgData name="Simone Cecire" userId="c58f73d820186008" providerId="LiveId" clId="{2DD3C612-5461-4CCE-AA49-88A8DEDF7D3D}" dt="2025-01-29T17:49:02.397" v="2183" actId="26606"/>
-          <ac:spMkLst>
-            <pc:docMk/>
-            <pc:sldMk cId="3280784441" sldId="261"/>
-            <ac:spMk id="39" creationId="{78967BEA-EA6A-4FF1-94E2-B010B61A36A9}"/>
-          </ac:spMkLst>
-        </pc:spChg>
-        <pc:spChg chg="add">
-          <ac:chgData name="Simone Cecire" userId="c58f73d820186008" providerId="LiveId" clId="{2DD3C612-5461-4CCE-AA49-88A8DEDF7D3D}" dt="2025-01-29T17:49:02.397" v="2183" actId="26606"/>
-          <ac:spMkLst>
-            <pc:docMk/>
-            <pc:sldMk cId="3280784441" sldId="261"/>
-            <ac:spMk id="44" creationId="{F240A2FC-E2C3-458D-96B4-5DF9028D93A5}"/>
-          </ac:spMkLst>
-        </pc:spChg>
-        <pc:spChg chg="add">
-          <ac:chgData name="Simone Cecire" userId="c58f73d820186008" providerId="LiveId" clId="{2DD3C612-5461-4CCE-AA49-88A8DEDF7D3D}" dt="2025-01-29T17:49:02.397" v="2183" actId="26606"/>
-          <ac:spMkLst>
-            <pc:docMk/>
-            <pc:sldMk cId="3280784441" sldId="261"/>
-            <ac:spMk id="46" creationId="{5F097929-F3D6-4D1F-8AFC-CF348171A9E1}"/>
-          </ac:spMkLst>
-        </pc:spChg>
-        <pc:spChg chg="add">
-          <ac:chgData name="Simone Cecire" userId="c58f73d820186008" providerId="LiveId" clId="{2DD3C612-5461-4CCE-AA49-88A8DEDF7D3D}" dt="2025-01-29T17:49:02.397" v="2183" actId="26606"/>
-          <ac:spMkLst>
-            <pc:docMk/>
-            <pc:sldMk cId="3280784441" sldId="261"/>
-            <ac:spMk id="50" creationId="{33428ACC-71EC-4171-9527-10983BA6B41D}"/>
-          </ac:spMkLst>
-        </pc:spChg>
-        <pc:spChg chg="add">
-          <ac:chgData name="Simone Cecire" userId="c58f73d820186008" providerId="LiveId" clId="{2DD3C612-5461-4CCE-AA49-88A8DEDF7D3D}" dt="2025-01-29T17:49:02.397" v="2183" actId="26606"/>
-          <ac:spMkLst>
-            <pc:docMk/>
-            <pc:sldMk cId="3280784441" sldId="261"/>
-            <ac:spMk id="54" creationId="{2B9BBBC4-97A3-47D2-BFFE-A68530CDB9DC}"/>
-          </ac:spMkLst>
-        </pc:spChg>
-        <pc:spChg chg="add">
-          <ac:chgData name="Simone Cecire" userId="c58f73d820186008" providerId="LiveId" clId="{2DD3C612-5461-4CCE-AA49-88A8DEDF7D3D}" dt="2025-01-29T17:49:02.397" v="2183" actId="26606"/>
-          <ac:spMkLst>
-            <pc:docMk/>
-            <pc:sldMk cId="3280784441" sldId="261"/>
-            <ac:spMk id="56" creationId="{78967BEA-EA6A-4FF1-94E2-B010B61A36A9}"/>
-          </ac:spMkLst>
-        </pc:spChg>
-        <pc:picChg chg="add del mod">
-          <ac:chgData name="Simone Cecire" userId="c58f73d820186008" providerId="LiveId" clId="{2DD3C612-5461-4CCE-AA49-88A8DEDF7D3D}" dt="2025-01-29T17:49:00.680" v="2179" actId="478"/>
-          <ac:picMkLst>
-            <pc:docMk/>
-            <pc:sldMk cId="3280784441" sldId="261"/>
-            <ac:picMk id="5" creationId="{BF15841B-60F8-4688-EF71-EB3057725355}"/>
-          </ac:picMkLst>
-        </pc:picChg>
-        <pc:picChg chg="add mod">
-          <ac:chgData name="Simone Cecire" userId="c58f73d820186008" providerId="LiveId" clId="{2DD3C612-5461-4CCE-AA49-88A8DEDF7D3D}" dt="2025-01-29T17:48:58.387" v="2178"/>
-          <ac:picMkLst>
-            <pc:docMk/>
-            <pc:sldMk cId="3280784441" sldId="261"/>
-            <ac:picMk id="7" creationId="{6F5390F9-E6F3-1819-2DDC-1E57E332F4D6}"/>
-          </ac:picMkLst>
-        </pc:picChg>
-        <pc:picChg chg="add mod">
-          <ac:chgData name="Simone Cecire" userId="c58f73d820186008" providerId="LiveId" clId="{2DD3C612-5461-4CCE-AA49-88A8DEDF7D3D}" dt="2025-01-29T17:49:01.700" v="2182" actId="962"/>
-          <ac:picMkLst>
-            <pc:docMk/>
-            <pc:sldMk cId="3280784441" sldId="261"/>
-            <ac:picMk id="9" creationId="{D96DC775-33DF-6030-C39C-851749F5723D}"/>
-          </ac:picMkLst>
-        </pc:picChg>
-        <pc:cxnChg chg="add">
-          <ac:chgData name="Simone Cecire" userId="c58f73d820186008" providerId="LiveId" clId="{2DD3C612-5461-4CCE-AA49-88A8DEDF7D3D}" dt="2025-01-29T17:44:12.169" v="2143" actId="26606"/>
-          <ac:cxnSpMkLst>
-            <pc:docMk/>
-            <pc:sldMk cId="3280784441" sldId="261"/>
-            <ac:cxnSpMk id="14" creationId="{43074C91-9045-414B-B5F9-567DAE3EED25}"/>
-          </ac:cxnSpMkLst>
-        </pc:cxnChg>
-        <pc:cxnChg chg="add">
-          <ac:chgData name="Simone Cecire" userId="c58f73d820186008" providerId="LiveId" clId="{2DD3C612-5461-4CCE-AA49-88A8DEDF7D3D}" dt="2025-01-29T17:44:12.169" v="2143" actId="26606"/>
-          <ac:cxnSpMkLst>
-            <pc:docMk/>
-            <pc:sldMk cId="3280784441" sldId="261"/>
-            <ac:cxnSpMk id="18" creationId="{BA22713B-ABB6-4391-97F9-0449A2B9B664}"/>
-          </ac:cxnSpMkLst>
-        </pc:cxnChg>
       </pc:sldChg>
       <pc:sldChg chg="modSp new mod">
         <pc:chgData name="Simone Cecire" userId="c58f73d820186008" providerId="LiveId" clId="{2DD3C612-5461-4CCE-AA49-88A8DEDF7D3D}" dt="2025-01-29T18:09:16.844" v="2717" actId="20577"/>
@@ -531,22 +251,53 @@
           <pc:docMk/>
           <pc:sldMk cId="1365463796" sldId="262"/>
         </pc:sldMkLst>
-        <pc:spChg chg="mod">
-          <ac:chgData name="Simone Cecire" userId="c58f73d820186008" providerId="LiveId" clId="{2DD3C612-5461-4CCE-AA49-88A8DEDF7D3D}" dt="2025-01-29T18:01:11.954" v="2446" actId="20577"/>
-          <ac:spMkLst>
+      </pc:sldChg>
+    </pc:docChg>
+  </pc:docChgLst>
+  <pc:docChgLst>
+    <pc:chgData name="Simone Cecire" userId="c58f73d820186008" providerId="LiveId" clId="{08479A0F-697F-4822-8E42-F188956A3EBE}"/>
+    <pc:docChg chg="undo custSel modSld">
+      <pc:chgData name="Simone Cecire" userId="c58f73d820186008" providerId="LiveId" clId="{08479A0F-697F-4822-8E42-F188956A3EBE}" dt="2025-02-04T10:36:46.766" v="3" actId="14826"/>
+      <pc:docMkLst>
+        <pc:docMk/>
+      </pc:docMkLst>
+      <pc:sldChg chg="addSp delSp modSp mod">
+        <pc:chgData name="Simone Cecire" userId="c58f73d820186008" providerId="LiveId" clId="{08479A0F-697F-4822-8E42-F188956A3EBE}" dt="2025-02-04T10:35:36.115" v="2" actId="14826"/>
+        <pc:sldMkLst>
+          <pc:docMk/>
+          <pc:sldMk cId="538761304" sldId="269"/>
+        </pc:sldMkLst>
+        <pc:picChg chg="add del">
+          <ac:chgData name="Simone Cecire" userId="c58f73d820186008" providerId="LiveId" clId="{08479A0F-697F-4822-8E42-F188956A3EBE}" dt="2025-02-04T10:35:00.162" v="1" actId="22"/>
+          <ac:picMkLst>
             <pc:docMk/>
-            <pc:sldMk cId="1365463796" sldId="262"/>
-            <ac:spMk id="2" creationId="{819BD3AA-48CB-8E87-2AD6-A80B0F4382A9}"/>
-          </ac:spMkLst>
-        </pc:spChg>
-        <pc:spChg chg="mod">
-          <ac:chgData name="Simone Cecire" userId="c58f73d820186008" providerId="LiveId" clId="{2DD3C612-5461-4CCE-AA49-88A8DEDF7D3D}" dt="2025-01-29T18:09:16.844" v="2717" actId="20577"/>
-          <ac:spMkLst>
+            <pc:sldMk cId="538761304" sldId="269"/>
+            <ac:picMk id="5" creationId="{B17D26BD-BA8B-F7AE-7A15-A1892BD84F50}"/>
+          </ac:picMkLst>
+        </pc:picChg>
+        <pc:picChg chg="mod">
+          <ac:chgData name="Simone Cecire" userId="c58f73d820186008" providerId="LiveId" clId="{08479A0F-697F-4822-8E42-F188956A3EBE}" dt="2025-02-04T10:35:36.115" v="2" actId="14826"/>
+          <ac:picMkLst>
             <pc:docMk/>
-            <pc:sldMk cId="1365463796" sldId="262"/>
-            <ac:spMk id="3" creationId="{912925AF-C9AE-3071-5B3C-EB8E55D797C8}"/>
-          </ac:spMkLst>
-        </pc:spChg>
+            <pc:sldMk cId="538761304" sldId="269"/>
+            <ac:picMk id="6" creationId="{B2FCAC4E-6F21-720C-F7E8-7E4B4190A61F}"/>
+          </ac:picMkLst>
+        </pc:picChg>
+      </pc:sldChg>
+      <pc:sldChg chg="modSp">
+        <pc:chgData name="Simone Cecire" userId="c58f73d820186008" providerId="LiveId" clId="{08479A0F-697F-4822-8E42-F188956A3EBE}" dt="2025-02-04T10:36:46.766" v="3" actId="14826"/>
+        <pc:sldMkLst>
+          <pc:docMk/>
+          <pc:sldMk cId="1003629124" sldId="271"/>
+        </pc:sldMkLst>
+        <pc:picChg chg="mod">
+          <ac:chgData name="Simone Cecire" userId="c58f73d820186008" providerId="LiveId" clId="{08479A0F-697F-4822-8E42-F188956A3EBE}" dt="2025-02-04T10:36:46.766" v="3" actId="14826"/>
+          <ac:picMkLst>
+            <pc:docMk/>
+            <pc:sldMk cId="1003629124" sldId="271"/>
+            <ac:picMk id="6" creationId="{075863F2-7D14-29BA-D87E-D497A1DBAEC2}"/>
+          </ac:picMkLst>
+        </pc:picChg>
       </pc:sldChg>
     </pc:docChg>
   </pc:docChgLst>
@@ -779,7 +530,7 @@
           <a:p>
             <a:fld id="{96DFF08F-DC6B-4601-B491-B0F83F6DD2DA}" type="datetimeFigureOut">
               <a:rPr lang="en-US" dirty="0"/>
-              <a:t>2/3/2025</a:t>
+              <a:t>2/4/2025</a:t>
             </a:fld>
             <a:endParaRPr lang="en-US" dirty="0"/>
           </a:p>
@@ -982,7 +733,7 @@
           <a:p>
             <a:fld id="{96DFF08F-DC6B-4601-B491-B0F83F6DD2DA}" type="datetimeFigureOut">
               <a:rPr lang="en-US" dirty="0"/>
-              <a:t>2/3/2025</a:t>
+              <a:t>2/4/2025</a:t>
             </a:fld>
             <a:endParaRPr lang="en-US" dirty="0"/>
           </a:p>
@@ -1233,7 +984,7 @@
           <a:p>
             <a:fld id="{96DFF08F-DC6B-4601-B491-B0F83F6DD2DA}" type="datetimeFigureOut">
               <a:rPr lang="en-US" dirty="0"/>
-              <a:t>2/3/2025</a:t>
+              <a:t>2/4/2025</a:t>
             </a:fld>
             <a:endParaRPr lang="en-US" dirty="0"/>
           </a:p>
@@ -1398,7 +1149,7 @@
           <a:p>
             <a:fld id="{D62CEF3B-A037-46D0-B02C-1428F07E9383}" type="datetimeFigureOut">
               <a:rPr lang="en-US" dirty="0"/>
-              <a:t>2/3/2025</a:t>
+              <a:t>2/4/2025</a:t>
             </a:fld>
             <a:endParaRPr lang="en-US" dirty="0"/>
           </a:p>
@@ -1736,7 +1487,7 @@
           <a:p>
             <a:fld id="{96DFF08F-DC6B-4601-B491-B0F83F6DD2DA}" type="datetimeFigureOut">
               <a:rPr lang="en-US" dirty="0"/>
-              <a:t>2/3/2025</a:t>
+              <a:t>2/4/2025</a:t>
             </a:fld>
             <a:endParaRPr lang="en-US" dirty="0"/>
           </a:p>
@@ -2006,7 +1757,7 @@
           <a:p>
             <a:fld id="{96DFF08F-DC6B-4601-B491-B0F83F6DD2DA}" type="datetimeFigureOut">
               <a:rPr lang="en-US" dirty="0"/>
-              <a:t>2/3/2025</a:t>
+              <a:t>2/4/2025</a:t>
             </a:fld>
             <a:endParaRPr lang="en-US" dirty="0"/>
           </a:p>
@@ -2380,7 +2131,7 @@
           <a:p>
             <a:fld id="{96DFF08F-DC6B-4601-B491-B0F83F6DD2DA}" type="datetimeFigureOut">
               <a:rPr lang="en-US" dirty="0"/>
-              <a:t>2/3/2025</a:t>
+              <a:t>2/4/2025</a:t>
             </a:fld>
             <a:endParaRPr lang="en-US" dirty="0"/>
           </a:p>
@@ -2493,7 +2244,7 @@
           <a:p>
             <a:fld id="{96DFF08F-DC6B-4601-B491-B0F83F6DD2DA}" type="datetimeFigureOut">
               <a:rPr lang="en-US" dirty="0"/>
-              <a:t>2/3/2025</a:t>
+              <a:t>2/4/2025</a:t>
             </a:fld>
             <a:endParaRPr lang="en-US" dirty="0"/>
           </a:p>
@@ -2660,7 +2411,7 @@
             <a:fld id="{96DFF08F-DC6B-4601-B491-B0F83F6DD2DA}" type="datetimeFigureOut">
               <a:rPr lang="en-US" dirty="0"/>
               <a:pPr/>
-              <a:t>2/3/2025</a:t>
+              <a:t>2/4/2025</a:t>
             </a:fld>
             <a:endParaRPr lang="en-US" dirty="0"/>
           </a:p>
@@ -3011,7 +2762,7 @@
             <a:fld id="{96DFF08F-DC6B-4601-B491-B0F83F6DD2DA}" type="datetimeFigureOut">
               <a:rPr lang="en-US" dirty="0"/>
               <a:pPr/>
-              <a:t>2/3/2025</a:t>
+              <a:t>2/4/2025</a:t>
             </a:fld>
             <a:endParaRPr lang="en-US" dirty="0"/>
           </a:p>
@@ -3384,7 +3135,7 @@
           <a:p>
             <a:fld id="{96DFF08F-DC6B-4601-B491-B0F83F6DD2DA}" type="datetimeFigureOut">
               <a:rPr lang="en-US" dirty="0"/>
-              <a:t>2/3/2025</a:t>
+              <a:t>2/4/2025</a:t>
             </a:fld>
             <a:endParaRPr lang="en-US" dirty="0"/>
           </a:p>
@@ -3667,7 +3418,7 @@
             <a:fld id="{96DFF08F-DC6B-4601-B491-B0F83F6DD2DA}" type="datetimeFigureOut">
               <a:rPr lang="en-US" dirty="0"/>
               <a:pPr/>
-              <a:t>2/3/2025</a:t>
+              <a:t>2/4/2025</a:t>
             </a:fld>
             <a:endParaRPr lang="en-US" dirty="0"/>
           </a:p>
@@ -6537,16 +6288,9 @@
           </p:nvPr>
         </p:nvPicPr>
         <p:blipFill>
-          <a:blip r:embed="rId2">
-            <a:extLst>
-              <a:ext uri="{28A0092B-C50C-407E-A947-70E740481C1C}">
-                <a14:useLocalDpi xmlns:a14="http://schemas.microsoft.com/office/drawing/2010/main" val="0"/>
-              </a:ext>
-            </a:extLst>
-          </a:blip>
-          <a:stretch>
-            <a:fillRect/>
-          </a:stretch>
+          <a:blip r:embed="rId2"/>
+          <a:srcRect/>
+          <a:stretch/>
         </p:blipFill>
         <p:spPr>
           <a:xfrm>
